--- a/Egyszerű cserés algoritmus.pptx
+++ b/Egyszerű cserés algoritmus.pptx
@@ -2,7 +2,7 @@
 <file path=ppt/presentation.xml><?xml version="1.0" encoding="utf-8"?>
 <p:presentation xmlns:a="http://schemas.openxmlformats.org/drawingml/2006/main" xmlns:r="http://schemas.openxmlformats.org/officeDocument/2006/relationships" xmlns:p="http://schemas.openxmlformats.org/presentationml/2006/main" autoCompressPictures="0">
   <p:sldMasterIdLst>
-    <p:sldMasterId id="2147483717" r:id="rId1"/>
+    <p:sldMasterId id="2147483794" r:id="rId1"/>
   </p:sldMasterIdLst>
   <p:sldIdLst>
     <p:sldId id="256" r:id="rId2"/>
@@ -105,11 +105,16 @@
       </a:defRPr>
     </a:lvl9pPr>
   </p:defaultTextStyle>
+  <p:extLst>
+    <p:ext uri="{EFAFB233-063F-42B5-8137-9DF3F51BA10A}">
+      <p15:sldGuideLst xmlns:p15="http://schemas.microsoft.com/office/powerpoint/2012/main"/>
+    </p:ext>
+  </p:extLst>
 </p:presentation>
 </file>
 
 <file path=ppt/slideLayouts/slideLayout1.xml><?xml version="1.0" encoding="utf-8"?>
-<p:sldLayout xmlns:a="http://schemas.openxmlformats.org/drawingml/2006/main" xmlns:r="http://schemas.openxmlformats.org/officeDocument/2006/relationships" xmlns:p="http://schemas.openxmlformats.org/presentationml/2006/main" showMasterSp="0" type="title" preserve="1">
+<p:sldLayout xmlns:a="http://schemas.openxmlformats.org/drawingml/2006/main" xmlns:r="http://schemas.openxmlformats.org/officeDocument/2006/relationships" xmlns:p="http://schemas.openxmlformats.org/presentationml/2006/main" type="title" preserve="1">
   <p:cSld name="Címdia">
     <p:spTree>
       <p:nvGrpSpPr>
@@ -127,187 +132,145 @@
       </p:grpSpPr>
       <p:sp>
         <p:nvSpPr>
-          <p:cNvPr id="7" name="Rectangle 6"/>
-          <p:cNvSpPr/>
-          <p:nvPr/>
+          <p:cNvPr id="2" name="Title 1"/>
+          <p:cNvSpPr>
+            <a:spLocks noGrp="1"/>
+          </p:cNvSpPr>
+          <p:nvPr>
+            <p:ph type="ctrTitle"/>
+          </p:nvPr>
         </p:nvSpPr>
         <p:spPr>
           <a:xfrm>
-            <a:off x="3175" y="6400800"/>
-            <a:ext cx="12188825" cy="457200"/>
+            <a:off x="1154955" y="1447800"/>
+            <a:ext cx="8825658" cy="3329581"/>
           </a:xfrm>
-          <a:prstGeom prst="rect">
-            <a:avLst/>
-          </a:prstGeom>
-          <a:solidFill>
-            <a:schemeClr val="accent4">
-              <a:lumMod val="75000"/>
-            </a:schemeClr>
-          </a:solidFill>
-          <a:ln>
-            <a:noFill/>
-          </a:ln>
         </p:spPr>
-        <p:style>
-          <a:lnRef idx="2">
-            <a:schemeClr val="accent1">
-              <a:shade val="50000"/>
-            </a:schemeClr>
-          </a:lnRef>
-          <a:fillRef idx="1">
-            <a:schemeClr val="accent1"/>
-          </a:fillRef>
-          <a:effectRef idx="0">
-            <a:schemeClr val="accent1"/>
-          </a:effectRef>
-          <a:fontRef idx="minor">
-            <a:schemeClr val="lt1"/>
-          </a:fontRef>
-        </p:style>
-      </p:sp>
-      <p:sp>
-        <p:nvSpPr>
-          <p:cNvPr id="8" name="Rectangle 7"/>
-          <p:cNvSpPr/>
-          <p:nvPr/>
+        <p:txBody>
+          <a:bodyPr anchor="b"/>
+          <a:lstStyle>
+            <a:lvl1pPr>
+              <a:defRPr sz="7200"/>
+            </a:lvl1pPr>
+          </a:lstStyle>
+          <a:p>
+            <a:r>
+              <a:rPr lang="hu-HU"/>
+              <a:t>Mintacím szerkesztése</a:t>
+            </a:r>
+            <a:endParaRPr lang="en-US" dirty="0"/>
+          </a:p>
+        </p:txBody>
+      </p:sp>
+      <p:sp>
+        <p:nvSpPr>
+          <p:cNvPr id="3" name="Subtitle 2"/>
+          <p:cNvSpPr>
+            <a:spLocks noGrp="1"/>
+          </p:cNvSpPr>
+          <p:nvPr>
+            <p:ph type="subTitle" idx="1"/>
+          </p:nvPr>
         </p:nvSpPr>
         <p:spPr>
           <a:xfrm>
-            <a:off x="15" y="6334316"/>
-            <a:ext cx="12188825" cy="64008"/>
-          </a:xfrm>
-          <a:prstGeom prst="rect">
-            <a:avLst/>
-          </a:prstGeom>
-          <a:solidFill>
-            <a:schemeClr val="accent4"/>
-          </a:solidFill>
-          <a:ln>
-            <a:noFill/>
-          </a:ln>
-        </p:spPr>
-        <p:style>
-          <a:lnRef idx="2">
-            <a:schemeClr val="accent1">
-              <a:shade val="50000"/>
-            </a:schemeClr>
-          </a:lnRef>
-          <a:fillRef idx="1">
-            <a:schemeClr val="accent1"/>
-          </a:fillRef>
-          <a:effectRef idx="0">
-            <a:schemeClr val="accent1"/>
-          </a:effectRef>
-          <a:fontRef idx="minor">
-            <a:schemeClr val="lt1"/>
-          </a:fontRef>
-        </p:style>
-      </p:sp>
-      <p:sp>
-        <p:nvSpPr>
-          <p:cNvPr id="2" name="Title 1"/>
-          <p:cNvSpPr>
-            <a:spLocks noGrp="1"/>
-          </p:cNvSpPr>
-          <p:nvPr>
-            <p:ph type="ctrTitle"/>
-          </p:nvPr>
-        </p:nvSpPr>
-        <p:spPr>
-          <a:xfrm>
-            <a:off x="1097280" y="758952"/>
-            <a:ext cx="10058400" cy="3566160"/>
+            <a:off x="1154955" y="4777380"/>
+            <a:ext cx="8825658" cy="861420"/>
           </a:xfrm>
         </p:spPr>
         <p:txBody>
-          <a:bodyPr anchor="b">
-            <a:normAutofit/>
-          </a:bodyPr>
+          <a:bodyPr anchor="t"/>
           <a:lstStyle>
-            <a:lvl1pPr algn="l">
-              <a:lnSpc>
-                <a:spcPct val="85000"/>
-              </a:lnSpc>
-              <a:defRPr sz="8000" spc="-50" baseline="0">
+            <a:lvl1pPr marL="0" indent="0" algn="l">
+              <a:buNone/>
+              <a:defRPr cap="all">
                 <a:solidFill>
-                  <a:schemeClr val="tx1">
-                    <a:lumMod val="85000"/>
-                    <a:lumOff val="15000"/>
+                  <a:schemeClr val="bg2">
+                    <a:lumMod val="40000"/>
+                    <a:lumOff val="60000"/>
                   </a:schemeClr>
                 </a:solidFill>
               </a:defRPr>
             </a:lvl1pPr>
-          </a:lstStyle>
-          <a:p>
-            <a:r>
-              <a:rPr lang="hu-HU"/>
-              <a:t>Mintacím szerkesztése</a:t>
-            </a:r>
-            <a:endParaRPr lang="en-US" dirty="0"/>
-          </a:p>
-        </p:txBody>
-      </p:sp>
-      <p:sp>
-        <p:nvSpPr>
-          <p:cNvPr id="3" name="Subtitle 2"/>
-          <p:cNvSpPr>
-            <a:spLocks noGrp="1"/>
-          </p:cNvSpPr>
-          <p:nvPr>
-            <p:ph type="subTitle" idx="1"/>
-          </p:nvPr>
-        </p:nvSpPr>
-        <p:spPr>
-          <a:xfrm>
-            <a:off x="1100051" y="4455621"/>
-            <a:ext cx="10058400" cy="1143000"/>
-          </a:xfrm>
-        </p:spPr>
-        <p:txBody>
-          <a:bodyPr lIns="91440" rIns="91440">
-            <a:normAutofit/>
-          </a:bodyPr>
-          <a:lstStyle>
-            <a:lvl1pPr marL="0" indent="0" algn="l">
-              <a:buNone/>
-              <a:defRPr sz="2400" cap="all" spc="200" baseline="0">
+            <a:lvl2pPr marL="457200" indent="0" algn="ctr">
+              <a:buNone/>
+              <a:defRPr>
                 <a:solidFill>
-                  <a:schemeClr val="tx2"/>
+                  <a:schemeClr val="tx1">
+                    <a:tint val="75000"/>
+                  </a:schemeClr>
                 </a:solidFill>
-                <a:latin typeface="+mj-lt"/>
               </a:defRPr>
-            </a:lvl1pPr>
-            <a:lvl2pPr marL="457200" indent="0" algn="ctr">
-              <a:buNone/>
-              <a:defRPr sz="2400"/>
             </a:lvl2pPr>
             <a:lvl3pPr marL="914400" indent="0" algn="ctr">
               <a:buNone/>
-              <a:defRPr sz="2400"/>
+              <a:defRPr>
+                <a:solidFill>
+                  <a:schemeClr val="tx1">
+                    <a:tint val="75000"/>
+                  </a:schemeClr>
+                </a:solidFill>
+              </a:defRPr>
             </a:lvl3pPr>
             <a:lvl4pPr marL="1371600" indent="0" algn="ctr">
               <a:buNone/>
-              <a:defRPr sz="2000"/>
+              <a:defRPr>
+                <a:solidFill>
+                  <a:schemeClr val="tx1">
+                    <a:tint val="75000"/>
+                  </a:schemeClr>
+                </a:solidFill>
+              </a:defRPr>
             </a:lvl4pPr>
             <a:lvl5pPr marL="1828800" indent="0" algn="ctr">
               <a:buNone/>
-              <a:defRPr sz="2000"/>
+              <a:defRPr>
+                <a:solidFill>
+                  <a:schemeClr val="tx1">
+                    <a:tint val="75000"/>
+                  </a:schemeClr>
+                </a:solidFill>
+              </a:defRPr>
             </a:lvl5pPr>
             <a:lvl6pPr marL="2286000" indent="0" algn="ctr">
               <a:buNone/>
-              <a:defRPr sz="2000"/>
+              <a:defRPr>
+                <a:solidFill>
+                  <a:schemeClr val="tx1">
+                    <a:tint val="75000"/>
+                  </a:schemeClr>
+                </a:solidFill>
+              </a:defRPr>
             </a:lvl6pPr>
             <a:lvl7pPr marL="2743200" indent="0" algn="ctr">
               <a:buNone/>
-              <a:defRPr sz="2000"/>
+              <a:defRPr>
+                <a:solidFill>
+                  <a:schemeClr val="tx1">
+                    <a:tint val="75000"/>
+                  </a:schemeClr>
+                </a:solidFill>
+              </a:defRPr>
             </a:lvl7pPr>
             <a:lvl8pPr marL="3200400" indent="0" algn="ctr">
               <a:buNone/>
-              <a:defRPr sz="2000"/>
+              <a:defRPr>
+                <a:solidFill>
+                  <a:schemeClr val="tx1">
+                    <a:tint val="75000"/>
+                  </a:schemeClr>
+                </a:solidFill>
+              </a:defRPr>
             </a:lvl8pPr>
             <a:lvl9pPr marL="3657600" indent="0" algn="ctr">
               <a:buNone/>
-              <a:defRPr sz="2000"/>
+              <a:defRPr>
+                <a:solidFill>
+                  <a:schemeClr val="tx1">
+                    <a:tint val="75000"/>
+                  </a:schemeClr>
+                </a:solidFill>
+              </a:defRPr>
             </a:lvl9pPr>
           </a:lstStyle>
           <a:p>
@@ -337,7 +300,7 @@
             <a:fld id="{B61BEF0D-F0BB-DE4B-95CE-6DB70DBA9567}" type="datetimeFigureOut">
               <a:rPr lang="en-US" smtClean="0"/>
               <a:pPr/>
-              <a:t>9/8/2022</a:t>
+              <a:t>9/13/2022</a:t>
             </a:fld>
             <a:endParaRPr lang="en-US" dirty="0"/>
           </a:p>
@@ -386,48 +349,10 @@
           </a:p>
         </p:txBody>
       </p:sp>
-      <p:cxnSp>
-        <p:nvCxnSpPr>
-          <p:cNvPr id="9" name="Straight Connector 8"/>
-          <p:cNvCxnSpPr/>
-          <p:nvPr/>
-        </p:nvCxnSpPr>
-        <p:spPr>
-          <a:xfrm>
-            <a:off x="1207658" y="4343400"/>
-            <a:ext cx="9875520" cy="0"/>
-          </a:xfrm>
-          <a:prstGeom prst="line">
-            <a:avLst/>
-          </a:prstGeom>
-          <a:ln w="6350">
-            <a:solidFill>
-              <a:schemeClr val="tx1">
-                <a:lumMod val="50000"/>
-                <a:lumOff val="50000"/>
-              </a:schemeClr>
-            </a:solidFill>
-          </a:ln>
-        </p:spPr>
-        <p:style>
-          <a:lnRef idx="1">
-            <a:schemeClr val="accent1"/>
-          </a:lnRef>
-          <a:fillRef idx="0">
-            <a:schemeClr val="accent1"/>
-          </a:fillRef>
-          <a:effectRef idx="0">
-            <a:schemeClr val="accent1"/>
-          </a:effectRef>
-          <a:fontRef idx="minor">
-            <a:schemeClr val="tx1"/>
-          </a:fontRef>
-        </p:style>
-      </p:cxnSp>
     </p:spTree>
     <p:extLst>
       <p:ext uri="{BB962C8B-B14F-4D97-AF65-F5344CB8AC3E}">
-        <p14:creationId xmlns:p14="http://schemas.microsoft.com/office/powerpoint/2010/main" val="972455800"/>
+        <p14:creationId xmlns:p14="http://schemas.microsoft.com/office/powerpoint/2010/main" val="4067238253"/>
       </p:ext>
     </p:extLst>
   </p:cSld>
@@ -438,6 +363,2584 @@
 </file>
 
 <file path=ppt/slideLayouts/slideLayout10.xml><?xml version="1.0" encoding="utf-8"?>
+<p:sldLayout xmlns:a="http://schemas.openxmlformats.org/drawingml/2006/main" xmlns:r="http://schemas.openxmlformats.org/officeDocument/2006/relationships" xmlns:p="http://schemas.openxmlformats.org/presentationml/2006/main" preserve="1">
+  <p:cSld name="Panorámakép képaláírással">
+    <p:spTree>
+      <p:nvGrpSpPr>
+        <p:cNvPr id="1" name=""/>
+        <p:cNvGrpSpPr/>
+        <p:nvPr/>
+      </p:nvGrpSpPr>
+      <p:grpSpPr>
+        <a:xfrm>
+          <a:off x="0" y="0"/>
+          <a:ext cx="0" cy="0"/>
+          <a:chOff x="0" y="0"/>
+          <a:chExt cx="0" cy="0"/>
+        </a:xfrm>
+      </p:grpSpPr>
+      <p:sp>
+        <p:nvSpPr>
+          <p:cNvPr id="2" name="Title 1"/>
+          <p:cNvSpPr>
+            <a:spLocks noGrp="1"/>
+          </p:cNvSpPr>
+          <p:nvPr>
+            <p:ph type="title"/>
+          </p:nvPr>
+        </p:nvSpPr>
+        <p:spPr>
+          <a:xfrm>
+            <a:off x="1154956" y="4800587"/>
+            <a:ext cx="8825657" cy="566738"/>
+          </a:xfrm>
+        </p:spPr>
+        <p:txBody>
+          <a:bodyPr anchor="b">
+            <a:normAutofit/>
+          </a:bodyPr>
+          <a:lstStyle>
+            <a:lvl1pPr algn="l">
+              <a:defRPr sz="2400" b="0"/>
+            </a:lvl1pPr>
+          </a:lstStyle>
+          <a:p>
+            <a:r>
+              <a:rPr lang="hu-HU"/>
+              <a:t>Mintacím szerkesztése</a:t>
+            </a:r>
+            <a:endParaRPr lang="en-US" dirty="0"/>
+          </a:p>
+        </p:txBody>
+      </p:sp>
+      <p:sp>
+        <p:nvSpPr>
+          <p:cNvPr id="3" name="Picture Placeholder 2"/>
+          <p:cNvSpPr>
+            <a:spLocks noGrp="1" noChangeAspect="1"/>
+          </p:cNvSpPr>
+          <p:nvPr>
+            <p:ph type="pic" idx="1"/>
+          </p:nvPr>
+        </p:nvSpPr>
+        <p:spPr>
+          <a:xfrm>
+            <a:off x="1154955" y="685800"/>
+            <a:ext cx="8825658" cy="3640666"/>
+          </a:xfrm>
+          <a:prstGeom prst="roundRect">
+            <a:avLst>
+              <a:gd name="adj" fmla="val 1858"/>
+            </a:avLst>
+          </a:prstGeom>
+          <a:effectLst>
+            <a:outerShdw blurRad="50800" dist="50800" dir="5400000" algn="tl" rotWithShape="0">
+              <a:srgbClr val="000000">
+                <a:alpha val="43000"/>
+              </a:srgbClr>
+            </a:outerShdw>
+          </a:effectLst>
+        </p:spPr>
+        <p:txBody>
+          <a:bodyPr anchor="t">
+            <a:normAutofit/>
+          </a:bodyPr>
+          <a:lstStyle>
+            <a:lvl1pPr marL="0" indent="0" algn="ctr">
+              <a:buNone/>
+              <a:defRPr sz="1600"/>
+            </a:lvl1pPr>
+            <a:lvl2pPr marL="457200" indent="0">
+              <a:buNone/>
+              <a:defRPr sz="1600"/>
+            </a:lvl2pPr>
+            <a:lvl3pPr marL="914400" indent="0">
+              <a:buNone/>
+              <a:defRPr sz="1600"/>
+            </a:lvl3pPr>
+            <a:lvl4pPr marL="1371600" indent="0">
+              <a:buNone/>
+              <a:defRPr sz="1600"/>
+            </a:lvl4pPr>
+            <a:lvl5pPr marL="1828800" indent="0">
+              <a:buNone/>
+              <a:defRPr sz="1600"/>
+            </a:lvl5pPr>
+            <a:lvl6pPr marL="2286000" indent="0">
+              <a:buNone/>
+              <a:defRPr sz="1600"/>
+            </a:lvl6pPr>
+            <a:lvl7pPr marL="2743200" indent="0">
+              <a:buNone/>
+              <a:defRPr sz="1600"/>
+            </a:lvl7pPr>
+            <a:lvl8pPr marL="3200400" indent="0">
+              <a:buNone/>
+              <a:defRPr sz="1600"/>
+            </a:lvl8pPr>
+            <a:lvl9pPr marL="3657600" indent="0">
+              <a:buNone/>
+              <a:defRPr sz="1600"/>
+            </a:lvl9pPr>
+          </a:lstStyle>
+          <a:p>
+            <a:r>
+              <a:rPr lang="hu-HU"/>
+              <a:t>Kép beszúrásához kattintson az ikonra</a:t>
+            </a:r>
+            <a:endParaRPr lang="en-US" dirty="0"/>
+          </a:p>
+        </p:txBody>
+      </p:sp>
+      <p:sp>
+        <p:nvSpPr>
+          <p:cNvPr id="4" name="Text Placeholder 3"/>
+          <p:cNvSpPr>
+            <a:spLocks noGrp="1"/>
+          </p:cNvSpPr>
+          <p:nvPr>
+            <p:ph type="body" sz="half" idx="2"/>
+          </p:nvPr>
+        </p:nvSpPr>
+        <p:spPr>
+          <a:xfrm>
+            <a:off x="1154956" y="5367325"/>
+            <a:ext cx="8825656" cy="493712"/>
+          </a:xfrm>
+        </p:spPr>
+        <p:txBody>
+          <a:bodyPr>
+            <a:normAutofit/>
+          </a:bodyPr>
+          <a:lstStyle>
+            <a:lvl1pPr marL="0" indent="0">
+              <a:buNone/>
+              <a:defRPr sz="1200"/>
+            </a:lvl1pPr>
+            <a:lvl2pPr marL="457200" indent="0">
+              <a:buNone/>
+              <a:defRPr sz="1200"/>
+            </a:lvl2pPr>
+            <a:lvl3pPr marL="914400" indent="0">
+              <a:buNone/>
+              <a:defRPr sz="1000"/>
+            </a:lvl3pPr>
+            <a:lvl4pPr marL="1371600" indent="0">
+              <a:buNone/>
+              <a:defRPr sz="900"/>
+            </a:lvl4pPr>
+            <a:lvl5pPr marL="1828800" indent="0">
+              <a:buNone/>
+              <a:defRPr sz="900"/>
+            </a:lvl5pPr>
+            <a:lvl6pPr marL="2286000" indent="0">
+              <a:buNone/>
+              <a:defRPr sz="900"/>
+            </a:lvl6pPr>
+            <a:lvl7pPr marL="2743200" indent="0">
+              <a:buNone/>
+              <a:defRPr sz="900"/>
+            </a:lvl7pPr>
+            <a:lvl8pPr marL="3200400" indent="0">
+              <a:buNone/>
+              <a:defRPr sz="900"/>
+            </a:lvl8pPr>
+            <a:lvl9pPr marL="3657600" indent="0">
+              <a:buNone/>
+              <a:defRPr sz="900"/>
+            </a:lvl9pPr>
+          </a:lstStyle>
+          <a:p>
+            <a:pPr lvl="0"/>
+            <a:r>
+              <a:rPr lang="hu-HU"/>
+              <a:t>Mintaszöveg szerkesztése</a:t>
+            </a:r>
+          </a:p>
+        </p:txBody>
+      </p:sp>
+      <p:sp>
+        <p:nvSpPr>
+          <p:cNvPr id="5" name="Date Placeholder 4"/>
+          <p:cNvSpPr>
+            <a:spLocks noGrp="1"/>
+          </p:cNvSpPr>
+          <p:nvPr>
+            <p:ph type="dt" sz="half" idx="10"/>
+          </p:nvPr>
+        </p:nvSpPr>
+        <p:spPr/>
+        <p:txBody>
+          <a:bodyPr/>
+          <a:lstStyle/>
+          <a:p>
+            <a:fld id="{B61BEF0D-F0BB-DE4B-95CE-6DB70DBA9567}" type="datetimeFigureOut">
+              <a:rPr lang="en-US" smtClean="0"/>
+              <a:pPr/>
+              <a:t>9/13/2022</a:t>
+            </a:fld>
+            <a:endParaRPr lang="en-US" dirty="0"/>
+          </a:p>
+        </p:txBody>
+      </p:sp>
+      <p:sp>
+        <p:nvSpPr>
+          <p:cNvPr id="6" name="Footer Placeholder 5"/>
+          <p:cNvSpPr>
+            <a:spLocks noGrp="1"/>
+          </p:cNvSpPr>
+          <p:nvPr>
+            <p:ph type="ftr" sz="quarter" idx="11"/>
+          </p:nvPr>
+        </p:nvSpPr>
+        <p:spPr/>
+        <p:txBody>
+          <a:bodyPr/>
+          <a:lstStyle/>
+          <a:p>
+            <a:endParaRPr lang="en-US" dirty="0"/>
+          </a:p>
+        </p:txBody>
+      </p:sp>
+      <p:sp>
+        <p:nvSpPr>
+          <p:cNvPr id="7" name="Slide Number Placeholder 6"/>
+          <p:cNvSpPr>
+            <a:spLocks noGrp="1"/>
+          </p:cNvSpPr>
+          <p:nvPr>
+            <p:ph type="sldNum" sz="quarter" idx="12"/>
+          </p:nvPr>
+        </p:nvSpPr>
+        <p:spPr/>
+        <p:txBody>
+          <a:bodyPr/>
+          <a:lstStyle/>
+          <a:p>
+            <a:fld id="{D57F1E4F-1CFF-5643-939E-217C01CDF565}" type="slidenum">
+              <a:rPr lang="en-US" smtClean="0"/>
+              <a:pPr/>
+              <a:t>‹#›</a:t>
+            </a:fld>
+            <a:endParaRPr lang="en-US" dirty="0"/>
+          </a:p>
+        </p:txBody>
+      </p:sp>
+    </p:spTree>
+    <p:extLst>
+      <p:ext uri="{BB962C8B-B14F-4D97-AF65-F5344CB8AC3E}">
+        <p14:creationId xmlns:p14="http://schemas.microsoft.com/office/powerpoint/2010/main" val="3007943553"/>
+      </p:ext>
+    </p:extLst>
+  </p:cSld>
+  <p:clrMapOvr>
+    <a:masterClrMapping/>
+  </p:clrMapOvr>
+</p:sldLayout>
+</file>
+
+<file path=ppt/slideLayouts/slideLayout11.xml><?xml version="1.0" encoding="utf-8"?>
+<p:sldLayout xmlns:a="http://schemas.openxmlformats.org/drawingml/2006/main" xmlns:r="http://schemas.openxmlformats.org/officeDocument/2006/relationships" xmlns:p="http://schemas.openxmlformats.org/presentationml/2006/main" preserve="1">
+  <p:cSld name="Cím és képaláírás">
+    <p:spTree>
+      <p:nvGrpSpPr>
+        <p:cNvPr id="1" name=""/>
+        <p:cNvGrpSpPr/>
+        <p:nvPr/>
+      </p:nvGrpSpPr>
+      <p:grpSpPr>
+        <a:xfrm>
+          <a:off x="0" y="0"/>
+          <a:ext cx="0" cy="0"/>
+          <a:chOff x="0" y="0"/>
+          <a:chExt cx="0" cy="0"/>
+        </a:xfrm>
+      </p:grpSpPr>
+      <p:sp>
+        <p:nvSpPr>
+          <p:cNvPr id="2" name="Title 1"/>
+          <p:cNvSpPr>
+            <a:spLocks noGrp="1"/>
+          </p:cNvSpPr>
+          <p:nvPr>
+            <p:ph type="title"/>
+          </p:nvPr>
+        </p:nvSpPr>
+        <p:spPr>
+          <a:xfrm>
+            <a:off x="1154954" y="1447800"/>
+            <a:ext cx="8825659" cy="1981200"/>
+          </a:xfrm>
+        </p:spPr>
+        <p:txBody>
+          <a:bodyPr/>
+          <a:lstStyle>
+            <a:lvl1pPr>
+              <a:defRPr sz="4800"/>
+            </a:lvl1pPr>
+          </a:lstStyle>
+          <a:p>
+            <a:r>
+              <a:rPr lang="hu-HU"/>
+              <a:t>Mintacím szerkesztése</a:t>
+            </a:r>
+            <a:endParaRPr lang="en-US" dirty="0"/>
+          </a:p>
+        </p:txBody>
+      </p:sp>
+      <p:sp>
+        <p:nvSpPr>
+          <p:cNvPr id="8" name="Text Placeholder 3"/>
+          <p:cNvSpPr>
+            <a:spLocks noGrp="1"/>
+          </p:cNvSpPr>
+          <p:nvPr>
+            <p:ph type="body" sz="half" idx="2"/>
+          </p:nvPr>
+        </p:nvSpPr>
+        <p:spPr>
+          <a:xfrm>
+            <a:off x="1154954" y="3657600"/>
+            <a:ext cx="8825659" cy="2362200"/>
+          </a:xfrm>
+        </p:spPr>
+        <p:txBody>
+          <a:bodyPr anchor="ctr">
+            <a:normAutofit/>
+          </a:bodyPr>
+          <a:lstStyle>
+            <a:lvl1pPr marL="0" indent="0">
+              <a:buNone/>
+              <a:defRPr sz="1800"/>
+            </a:lvl1pPr>
+            <a:lvl2pPr marL="457200" indent="0">
+              <a:buNone/>
+              <a:defRPr sz="1200"/>
+            </a:lvl2pPr>
+            <a:lvl3pPr marL="914400" indent="0">
+              <a:buNone/>
+              <a:defRPr sz="1000"/>
+            </a:lvl3pPr>
+            <a:lvl4pPr marL="1371600" indent="0">
+              <a:buNone/>
+              <a:defRPr sz="900"/>
+            </a:lvl4pPr>
+            <a:lvl5pPr marL="1828800" indent="0">
+              <a:buNone/>
+              <a:defRPr sz="900"/>
+            </a:lvl5pPr>
+            <a:lvl6pPr marL="2286000" indent="0">
+              <a:buNone/>
+              <a:defRPr sz="900"/>
+            </a:lvl6pPr>
+            <a:lvl7pPr marL="2743200" indent="0">
+              <a:buNone/>
+              <a:defRPr sz="900"/>
+            </a:lvl7pPr>
+            <a:lvl8pPr marL="3200400" indent="0">
+              <a:buNone/>
+              <a:defRPr sz="900"/>
+            </a:lvl8pPr>
+            <a:lvl9pPr marL="3657600" indent="0">
+              <a:buNone/>
+              <a:defRPr sz="900"/>
+            </a:lvl9pPr>
+          </a:lstStyle>
+          <a:p>
+            <a:pPr lvl="0"/>
+            <a:r>
+              <a:rPr lang="hu-HU"/>
+              <a:t>Mintaszöveg szerkesztése</a:t>
+            </a:r>
+          </a:p>
+        </p:txBody>
+      </p:sp>
+      <p:sp>
+        <p:nvSpPr>
+          <p:cNvPr id="4" name="Date Placeholder 3"/>
+          <p:cNvSpPr>
+            <a:spLocks noGrp="1"/>
+          </p:cNvSpPr>
+          <p:nvPr>
+            <p:ph type="dt" sz="half" idx="10"/>
+          </p:nvPr>
+        </p:nvSpPr>
+        <p:spPr/>
+        <p:txBody>
+          <a:bodyPr/>
+          <a:lstStyle/>
+          <a:p>
+            <a:fld id="{B61BEF0D-F0BB-DE4B-95CE-6DB70DBA9567}" type="datetimeFigureOut">
+              <a:rPr lang="en-US" smtClean="0"/>
+              <a:pPr/>
+              <a:t>9/13/2022</a:t>
+            </a:fld>
+            <a:endParaRPr lang="en-US" dirty="0"/>
+          </a:p>
+        </p:txBody>
+      </p:sp>
+      <p:sp>
+        <p:nvSpPr>
+          <p:cNvPr id="5" name="Footer Placeholder 4"/>
+          <p:cNvSpPr>
+            <a:spLocks noGrp="1"/>
+          </p:cNvSpPr>
+          <p:nvPr>
+            <p:ph type="ftr" sz="quarter" idx="11"/>
+          </p:nvPr>
+        </p:nvSpPr>
+        <p:spPr/>
+        <p:txBody>
+          <a:bodyPr/>
+          <a:lstStyle/>
+          <a:p>
+            <a:endParaRPr lang="en-US" dirty="0"/>
+          </a:p>
+        </p:txBody>
+      </p:sp>
+      <p:sp>
+        <p:nvSpPr>
+          <p:cNvPr id="6" name="Slide Number Placeholder 5"/>
+          <p:cNvSpPr>
+            <a:spLocks noGrp="1"/>
+          </p:cNvSpPr>
+          <p:nvPr>
+            <p:ph type="sldNum" sz="quarter" idx="12"/>
+          </p:nvPr>
+        </p:nvSpPr>
+        <p:spPr/>
+        <p:txBody>
+          <a:bodyPr/>
+          <a:lstStyle/>
+          <a:p>
+            <a:fld id="{D57F1E4F-1CFF-5643-939E-217C01CDF565}" type="slidenum">
+              <a:rPr lang="en-US" smtClean="0"/>
+              <a:pPr/>
+              <a:t>‹#›</a:t>
+            </a:fld>
+            <a:endParaRPr lang="en-US" dirty="0"/>
+          </a:p>
+        </p:txBody>
+      </p:sp>
+    </p:spTree>
+    <p:extLst>
+      <p:ext uri="{BB962C8B-B14F-4D97-AF65-F5344CB8AC3E}">
+        <p14:creationId xmlns:p14="http://schemas.microsoft.com/office/powerpoint/2010/main" val="3981155632"/>
+      </p:ext>
+    </p:extLst>
+  </p:cSld>
+  <p:clrMapOvr>
+    <a:masterClrMapping/>
+  </p:clrMapOvr>
+</p:sldLayout>
+</file>
+
+<file path=ppt/slideLayouts/slideLayout12.xml><?xml version="1.0" encoding="utf-8"?>
+<p:sldLayout xmlns:a="http://schemas.openxmlformats.org/drawingml/2006/main" xmlns:r="http://schemas.openxmlformats.org/officeDocument/2006/relationships" xmlns:p="http://schemas.openxmlformats.org/presentationml/2006/main" preserve="1">
+  <p:cSld name="Idézet képaláírással">
+    <p:spTree>
+      <p:nvGrpSpPr>
+        <p:cNvPr id="1" name=""/>
+        <p:cNvGrpSpPr/>
+        <p:nvPr/>
+      </p:nvGrpSpPr>
+      <p:grpSpPr>
+        <a:xfrm>
+          <a:off x="0" y="0"/>
+          <a:ext cx="0" cy="0"/>
+          <a:chOff x="0" y="0"/>
+          <a:chExt cx="0" cy="0"/>
+        </a:xfrm>
+      </p:grpSpPr>
+      <p:sp>
+        <p:nvSpPr>
+          <p:cNvPr id="2" name="Title 1"/>
+          <p:cNvSpPr>
+            <a:spLocks noGrp="1"/>
+          </p:cNvSpPr>
+          <p:nvPr>
+            <p:ph type="title"/>
+          </p:nvPr>
+        </p:nvSpPr>
+        <p:spPr>
+          <a:xfrm>
+            <a:off x="1574801" y="1447800"/>
+            <a:ext cx="7999315" cy="2323374"/>
+          </a:xfrm>
+        </p:spPr>
+        <p:txBody>
+          <a:bodyPr/>
+          <a:lstStyle>
+            <a:lvl1pPr>
+              <a:defRPr sz="4800"/>
+            </a:lvl1pPr>
+          </a:lstStyle>
+          <a:p>
+            <a:r>
+              <a:rPr lang="hu-HU"/>
+              <a:t>Mintacím szerkesztése</a:t>
+            </a:r>
+            <a:endParaRPr lang="en-US" dirty="0"/>
+          </a:p>
+        </p:txBody>
+      </p:sp>
+      <p:sp>
+        <p:nvSpPr>
+          <p:cNvPr id="11" name="Text Placeholder 3"/>
+          <p:cNvSpPr>
+            <a:spLocks noGrp="1"/>
+          </p:cNvSpPr>
+          <p:nvPr>
+            <p:ph type="body" sz="half" idx="14"/>
+          </p:nvPr>
+        </p:nvSpPr>
+        <p:spPr>
+          <a:xfrm>
+            <a:off x="1930400" y="3771174"/>
+            <a:ext cx="7279649" cy="342174"/>
+          </a:xfrm>
+        </p:spPr>
+        <p:txBody>
+          <a:bodyPr vert="horz" lIns="91440" tIns="45720" rIns="91440" bIns="45720" rtlCol="0" anchor="t">
+            <a:normAutofit/>
+          </a:bodyPr>
+          <a:lstStyle>
+            <a:lvl1pPr marL="0" indent="0">
+              <a:buNone/>
+              <a:defRPr lang="en-US" sz="1400" b="0" i="0" kern="1200" cap="small" dirty="0">
+                <a:solidFill>
+                  <a:schemeClr val="bg2">
+                    <a:lumMod val="40000"/>
+                    <a:lumOff val="60000"/>
+                  </a:schemeClr>
+                </a:solidFill>
+                <a:latin typeface="+mj-lt"/>
+                <a:ea typeface="+mj-ea"/>
+                <a:cs typeface="+mj-cs"/>
+              </a:defRPr>
+            </a:lvl1pPr>
+            <a:lvl2pPr marL="457200" indent="0">
+              <a:buNone/>
+              <a:defRPr sz="1200"/>
+            </a:lvl2pPr>
+            <a:lvl3pPr marL="914400" indent="0">
+              <a:buNone/>
+              <a:defRPr sz="1000"/>
+            </a:lvl3pPr>
+            <a:lvl4pPr marL="1371600" indent="0">
+              <a:buNone/>
+              <a:defRPr sz="900"/>
+            </a:lvl4pPr>
+            <a:lvl5pPr marL="1828800" indent="0">
+              <a:buNone/>
+              <a:defRPr sz="900"/>
+            </a:lvl5pPr>
+            <a:lvl6pPr marL="2286000" indent="0">
+              <a:buNone/>
+              <a:defRPr sz="900"/>
+            </a:lvl6pPr>
+            <a:lvl7pPr marL="2743200" indent="0">
+              <a:buNone/>
+              <a:defRPr sz="900"/>
+            </a:lvl7pPr>
+            <a:lvl8pPr marL="3200400" indent="0">
+              <a:buNone/>
+              <a:defRPr sz="900"/>
+            </a:lvl8pPr>
+            <a:lvl9pPr marL="3657600" indent="0">
+              <a:buNone/>
+              <a:defRPr sz="900"/>
+            </a:lvl9pPr>
+          </a:lstStyle>
+          <a:p>
+            <a:pPr marL="0" lvl="0" indent="0">
+              <a:buNone/>
+            </a:pPr>
+            <a:r>
+              <a:rPr lang="hu-HU"/>
+              <a:t>Mintaszöveg szerkesztése</a:t>
+            </a:r>
+          </a:p>
+        </p:txBody>
+      </p:sp>
+      <p:sp>
+        <p:nvSpPr>
+          <p:cNvPr id="10" name="Text Placeholder 3"/>
+          <p:cNvSpPr>
+            <a:spLocks noGrp="1"/>
+          </p:cNvSpPr>
+          <p:nvPr>
+            <p:ph type="body" sz="half" idx="2"/>
+          </p:nvPr>
+        </p:nvSpPr>
+        <p:spPr>
+          <a:xfrm>
+            <a:off x="1154954" y="4350657"/>
+            <a:ext cx="8825659" cy="1676400"/>
+          </a:xfrm>
+        </p:spPr>
+        <p:txBody>
+          <a:bodyPr anchor="ctr">
+            <a:normAutofit/>
+          </a:bodyPr>
+          <a:lstStyle>
+            <a:lvl1pPr marL="0" indent="0">
+              <a:buNone/>
+              <a:defRPr sz="1800"/>
+            </a:lvl1pPr>
+            <a:lvl2pPr marL="457200" indent="0">
+              <a:buNone/>
+              <a:defRPr sz="1200"/>
+            </a:lvl2pPr>
+            <a:lvl3pPr marL="914400" indent="0">
+              <a:buNone/>
+              <a:defRPr sz="1000"/>
+            </a:lvl3pPr>
+            <a:lvl4pPr marL="1371600" indent="0">
+              <a:buNone/>
+              <a:defRPr sz="900"/>
+            </a:lvl4pPr>
+            <a:lvl5pPr marL="1828800" indent="0">
+              <a:buNone/>
+              <a:defRPr sz="900"/>
+            </a:lvl5pPr>
+            <a:lvl6pPr marL="2286000" indent="0">
+              <a:buNone/>
+              <a:defRPr sz="900"/>
+            </a:lvl6pPr>
+            <a:lvl7pPr marL="2743200" indent="0">
+              <a:buNone/>
+              <a:defRPr sz="900"/>
+            </a:lvl7pPr>
+            <a:lvl8pPr marL="3200400" indent="0">
+              <a:buNone/>
+              <a:defRPr sz="900"/>
+            </a:lvl8pPr>
+            <a:lvl9pPr marL="3657600" indent="0">
+              <a:buNone/>
+              <a:defRPr sz="900"/>
+            </a:lvl9pPr>
+          </a:lstStyle>
+          <a:p>
+            <a:pPr lvl="0"/>
+            <a:r>
+              <a:rPr lang="hu-HU"/>
+              <a:t>Mintaszöveg szerkesztése</a:t>
+            </a:r>
+          </a:p>
+        </p:txBody>
+      </p:sp>
+      <p:sp>
+        <p:nvSpPr>
+          <p:cNvPr id="4" name="Date Placeholder 3"/>
+          <p:cNvSpPr>
+            <a:spLocks noGrp="1"/>
+          </p:cNvSpPr>
+          <p:nvPr>
+            <p:ph type="dt" sz="half" idx="10"/>
+          </p:nvPr>
+        </p:nvSpPr>
+        <p:spPr/>
+        <p:txBody>
+          <a:bodyPr/>
+          <a:lstStyle/>
+          <a:p>
+            <a:fld id="{B61BEF0D-F0BB-DE4B-95CE-6DB70DBA9567}" type="datetimeFigureOut">
+              <a:rPr lang="en-US" smtClean="0"/>
+              <a:pPr/>
+              <a:t>9/13/2022</a:t>
+            </a:fld>
+            <a:endParaRPr lang="en-US" dirty="0"/>
+          </a:p>
+        </p:txBody>
+      </p:sp>
+      <p:sp>
+        <p:nvSpPr>
+          <p:cNvPr id="5" name="Footer Placeholder 4"/>
+          <p:cNvSpPr>
+            <a:spLocks noGrp="1"/>
+          </p:cNvSpPr>
+          <p:nvPr>
+            <p:ph type="ftr" sz="quarter" idx="11"/>
+          </p:nvPr>
+        </p:nvSpPr>
+        <p:spPr/>
+        <p:txBody>
+          <a:bodyPr/>
+          <a:lstStyle/>
+          <a:p>
+            <a:endParaRPr lang="en-US" dirty="0"/>
+          </a:p>
+        </p:txBody>
+      </p:sp>
+      <p:sp>
+        <p:nvSpPr>
+          <p:cNvPr id="6" name="Slide Number Placeholder 5"/>
+          <p:cNvSpPr>
+            <a:spLocks noGrp="1"/>
+          </p:cNvSpPr>
+          <p:nvPr>
+            <p:ph type="sldNum" sz="quarter" idx="12"/>
+          </p:nvPr>
+        </p:nvSpPr>
+        <p:spPr/>
+        <p:txBody>
+          <a:bodyPr/>
+          <a:lstStyle/>
+          <a:p>
+            <a:fld id="{D57F1E4F-1CFF-5643-939E-217C01CDF565}" type="slidenum">
+              <a:rPr lang="en-US" smtClean="0"/>
+              <a:pPr/>
+              <a:t>‹#›</a:t>
+            </a:fld>
+            <a:endParaRPr lang="en-US" dirty="0"/>
+          </a:p>
+        </p:txBody>
+      </p:sp>
+      <p:sp>
+        <p:nvSpPr>
+          <p:cNvPr id="12" name="TextBox 11"/>
+          <p:cNvSpPr txBox="1"/>
+          <p:nvPr/>
+        </p:nvSpPr>
+        <p:spPr>
+          <a:xfrm>
+            <a:off x="898295" y="971253"/>
+            <a:ext cx="801912" cy="1969770"/>
+          </a:xfrm>
+          <a:prstGeom prst="rect">
+            <a:avLst/>
+          </a:prstGeom>
+          <a:noFill/>
+        </p:spPr>
+        <p:txBody>
+          <a:bodyPr wrap="square" rtlCol="0">
+            <a:spAutoFit/>
+          </a:bodyPr>
+          <a:lstStyle>
+            <a:defPPr>
+              <a:defRPr lang="en-US"/>
+            </a:defPPr>
+            <a:lvl1pPr algn="r">
+              <a:defRPr sz="12200" b="0" i="0">
+                <a:solidFill>
+                  <a:schemeClr val="bg2">
+                    <a:lumMod val="40000"/>
+                    <a:lumOff val="60000"/>
+                  </a:schemeClr>
+                </a:solidFill>
+                <a:latin typeface="Arial"/>
+                <a:ea typeface="+mj-ea"/>
+                <a:cs typeface="+mj-cs"/>
+              </a:defRPr>
+            </a:lvl1pPr>
+          </a:lstStyle>
+          <a:p>
+            <a:pPr lvl="0"/>
+            <a:r>
+              <a:rPr lang="en-US" dirty="0"/>
+              <a:t>“</a:t>
+            </a:r>
+          </a:p>
+        </p:txBody>
+      </p:sp>
+      <p:sp>
+        <p:nvSpPr>
+          <p:cNvPr id="15" name="TextBox 14"/>
+          <p:cNvSpPr txBox="1"/>
+          <p:nvPr/>
+        </p:nvSpPr>
+        <p:spPr>
+          <a:xfrm>
+            <a:off x="9330490" y="2613787"/>
+            <a:ext cx="801912" cy="1969770"/>
+          </a:xfrm>
+          <a:prstGeom prst="rect">
+            <a:avLst/>
+          </a:prstGeom>
+          <a:noFill/>
+        </p:spPr>
+        <p:txBody>
+          <a:bodyPr wrap="square" rtlCol="0">
+            <a:spAutoFit/>
+          </a:bodyPr>
+          <a:lstStyle>
+            <a:defPPr>
+              <a:defRPr lang="en-US"/>
+            </a:defPPr>
+            <a:lvl1pPr algn="r">
+              <a:defRPr sz="12200" b="0" i="0">
+                <a:solidFill>
+                  <a:schemeClr val="bg2">
+                    <a:lumMod val="40000"/>
+                    <a:lumOff val="60000"/>
+                  </a:schemeClr>
+                </a:solidFill>
+                <a:latin typeface="Arial"/>
+                <a:ea typeface="+mj-ea"/>
+                <a:cs typeface="+mj-cs"/>
+              </a:defRPr>
+            </a:lvl1pPr>
+          </a:lstStyle>
+          <a:p>
+            <a:pPr lvl="0"/>
+            <a:r>
+              <a:rPr lang="en-US" dirty="0"/>
+              <a:t>”</a:t>
+            </a:r>
+          </a:p>
+        </p:txBody>
+      </p:sp>
+    </p:spTree>
+    <p:extLst>
+      <p:ext uri="{BB962C8B-B14F-4D97-AF65-F5344CB8AC3E}">
+        <p14:creationId xmlns:p14="http://schemas.microsoft.com/office/powerpoint/2010/main" val="442815093"/>
+      </p:ext>
+    </p:extLst>
+  </p:cSld>
+  <p:clrMapOvr>
+    <a:masterClrMapping/>
+  </p:clrMapOvr>
+</p:sldLayout>
+</file>
+
+<file path=ppt/slideLayouts/slideLayout13.xml><?xml version="1.0" encoding="utf-8"?>
+<p:sldLayout xmlns:a="http://schemas.openxmlformats.org/drawingml/2006/main" xmlns:r="http://schemas.openxmlformats.org/officeDocument/2006/relationships" xmlns:p="http://schemas.openxmlformats.org/presentationml/2006/main" preserve="1">
+  <p:cSld name="Névkártya">
+    <p:spTree>
+      <p:nvGrpSpPr>
+        <p:cNvPr id="1" name=""/>
+        <p:cNvGrpSpPr/>
+        <p:nvPr/>
+      </p:nvGrpSpPr>
+      <p:grpSpPr>
+        <a:xfrm>
+          <a:off x="0" y="0"/>
+          <a:ext cx="0" cy="0"/>
+          <a:chOff x="0" y="0"/>
+          <a:chExt cx="0" cy="0"/>
+        </a:xfrm>
+      </p:grpSpPr>
+      <p:sp>
+        <p:nvSpPr>
+          <p:cNvPr id="2" name="Title 1"/>
+          <p:cNvSpPr>
+            <a:spLocks noGrp="1"/>
+          </p:cNvSpPr>
+          <p:nvPr>
+            <p:ph type="title"/>
+          </p:nvPr>
+        </p:nvSpPr>
+        <p:spPr>
+          <a:xfrm>
+            <a:off x="1154954" y="3124201"/>
+            <a:ext cx="8825660" cy="1653180"/>
+          </a:xfrm>
+        </p:spPr>
+        <p:txBody>
+          <a:bodyPr anchor="b"/>
+          <a:lstStyle>
+            <a:lvl1pPr algn="l">
+              <a:defRPr sz="4000" b="0" cap="none"/>
+            </a:lvl1pPr>
+          </a:lstStyle>
+          <a:p>
+            <a:r>
+              <a:rPr lang="hu-HU"/>
+              <a:t>Mintacím szerkesztése</a:t>
+            </a:r>
+            <a:endParaRPr lang="en-US" dirty="0"/>
+          </a:p>
+        </p:txBody>
+      </p:sp>
+      <p:sp>
+        <p:nvSpPr>
+          <p:cNvPr id="3" name="Text Placeholder 2"/>
+          <p:cNvSpPr>
+            <a:spLocks noGrp="1"/>
+          </p:cNvSpPr>
+          <p:nvPr>
+            <p:ph type="body" idx="1"/>
+          </p:nvPr>
+        </p:nvSpPr>
+        <p:spPr>
+          <a:xfrm>
+            <a:off x="1154954" y="4777381"/>
+            <a:ext cx="8825659" cy="860400"/>
+          </a:xfrm>
+        </p:spPr>
+        <p:txBody>
+          <a:bodyPr anchor="t"/>
+          <a:lstStyle>
+            <a:lvl1pPr marL="0" indent="0" algn="l">
+              <a:buNone/>
+              <a:defRPr sz="2000" cap="none">
+                <a:solidFill>
+                  <a:schemeClr val="bg2">
+                    <a:lumMod val="40000"/>
+                    <a:lumOff val="60000"/>
+                  </a:schemeClr>
+                </a:solidFill>
+              </a:defRPr>
+            </a:lvl1pPr>
+            <a:lvl2pPr marL="457200" indent="0">
+              <a:buNone/>
+              <a:defRPr sz="1800">
+                <a:solidFill>
+                  <a:schemeClr val="tx1">
+                    <a:tint val="75000"/>
+                  </a:schemeClr>
+                </a:solidFill>
+              </a:defRPr>
+            </a:lvl2pPr>
+            <a:lvl3pPr marL="914400" indent="0">
+              <a:buNone/>
+              <a:defRPr sz="1600">
+                <a:solidFill>
+                  <a:schemeClr val="tx1">
+                    <a:tint val="75000"/>
+                  </a:schemeClr>
+                </a:solidFill>
+              </a:defRPr>
+            </a:lvl3pPr>
+            <a:lvl4pPr marL="1371600" indent="0">
+              <a:buNone/>
+              <a:defRPr sz="1400">
+                <a:solidFill>
+                  <a:schemeClr val="tx1">
+                    <a:tint val="75000"/>
+                  </a:schemeClr>
+                </a:solidFill>
+              </a:defRPr>
+            </a:lvl4pPr>
+            <a:lvl5pPr marL="1828800" indent="0">
+              <a:buNone/>
+              <a:defRPr sz="1400">
+                <a:solidFill>
+                  <a:schemeClr val="tx1">
+                    <a:tint val="75000"/>
+                  </a:schemeClr>
+                </a:solidFill>
+              </a:defRPr>
+            </a:lvl5pPr>
+            <a:lvl6pPr marL="2286000" indent="0">
+              <a:buNone/>
+              <a:defRPr sz="1400">
+                <a:solidFill>
+                  <a:schemeClr val="tx1">
+                    <a:tint val="75000"/>
+                  </a:schemeClr>
+                </a:solidFill>
+              </a:defRPr>
+            </a:lvl6pPr>
+            <a:lvl7pPr marL="2743200" indent="0">
+              <a:buNone/>
+              <a:defRPr sz="1400">
+                <a:solidFill>
+                  <a:schemeClr val="tx1">
+                    <a:tint val="75000"/>
+                  </a:schemeClr>
+                </a:solidFill>
+              </a:defRPr>
+            </a:lvl7pPr>
+            <a:lvl8pPr marL="3200400" indent="0">
+              <a:buNone/>
+              <a:defRPr sz="1400">
+                <a:solidFill>
+                  <a:schemeClr val="tx1">
+                    <a:tint val="75000"/>
+                  </a:schemeClr>
+                </a:solidFill>
+              </a:defRPr>
+            </a:lvl8pPr>
+            <a:lvl9pPr marL="3657600" indent="0">
+              <a:buNone/>
+              <a:defRPr sz="1400">
+                <a:solidFill>
+                  <a:schemeClr val="tx1">
+                    <a:tint val="75000"/>
+                  </a:schemeClr>
+                </a:solidFill>
+              </a:defRPr>
+            </a:lvl9pPr>
+          </a:lstStyle>
+          <a:p>
+            <a:pPr lvl="0"/>
+            <a:r>
+              <a:rPr lang="hu-HU"/>
+              <a:t>Mintaszöveg szerkesztése</a:t>
+            </a:r>
+          </a:p>
+        </p:txBody>
+      </p:sp>
+      <p:sp>
+        <p:nvSpPr>
+          <p:cNvPr id="4" name="Date Placeholder 3"/>
+          <p:cNvSpPr>
+            <a:spLocks noGrp="1"/>
+          </p:cNvSpPr>
+          <p:nvPr>
+            <p:ph type="dt" sz="half" idx="10"/>
+          </p:nvPr>
+        </p:nvSpPr>
+        <p:spPr/>
+        <p:txBody>
+          <a:bodyPr/>
+          <a:lstStyle/>
+          <a:p>
+            <a:fld id="{B61BEF0D-F0BB-DE4B-95CE-6DB70DBA9567}" type="datetimeFigureOut">
+              <a:rPr lang="en-US" smtClean="0"/>
+              <a:pPr/>
+              <a:t>9/13/2022</a:t>
+            </a:fld>
+            <a:endParaRPr lang="en-US" dirty="0"/>
+          </a:p>
+        </p:txBody>
+      </p:sp>
+      <p:sp>
+        <p:nvSpPr>
+          <p:cNvPr id="5" name="Footer Placeholder 4"/>
+          <p:cNvSpPr>
+            <a:spLocks noGrp="1"/>
+          </p:cNvSpPr>
+          <p:nvPr>
+            <p:ph type="ftr" sz="quarter" idx="11"/>
+          </p:nvPr>
+        </p:nvSpPr>
+        <p:spPr/>
+        <p:txBody>
+          <a:bodyPr/>
+          <a:lstStyle/>
+          <a:p>
+            <a:endParaRPr lang="en-US" dirty="0"/>
+          </a:p>
+        </p:txBody>
+      </p:sp>
+      <p:sp>
+        <p:nvSpPr>
+          <p:cNvPr id="6" name="Slide Number Placeholder 5"/>
+          <p:cNvSpPr>
+            <a:spLocks noGrp="1"/>
+          </p:cNvSpPr>
+          <p:nvPr>
+            <p:ph type="sldNum" sz="quarter" idx="12"/>
+          </p:nvPr>
+        </p:nvSpPr>
+        <p:spPr/>
+        <p:txBody>
+          <a:bodyPr/>
+          <a:lstStyle/>
+          <a:p>
+            <a:fld id="{D57F1E4F-1CFF-5643-939E-217C01CDF565}" type="slidenum">
+              <a:rPr lang="en-US" smtClean="0"/>
+              <a:pPr/>
+              <a:t>‹#›</a:t>
+            </a:fld>
+            <a:endParaRPr lang="en-US" dirty="0"/>
+          </a:p>
+        </p:txBody>
+      </p:sp>
+    </p:spTree>
+    <p:extLst>
+      <p:ext uri="{BB962C8B-B14F-4D97-AF65-F5344CB8AC3E}">
+        <p14:creationId xmlns:p14="http://schemas.microsoft.com/office/powerpoint/2010/main" val="3042967704"/>
+      </p:ext>
+    </p:extLst>
+  </p:cSld>
+  <p:clrMapOvr>
+    <a:masterClrMapping/>
+  </p:clrMapOvr>
+</p:sldLayout>
+</file>
+
+<file path=ppt/slideLayouts/slideLayout14.xml><?xml version="1.0" encoding="utf-8"?>
+<p:sldLayout xmlns:a="http://schemas.openxmlformats.org/drawingml/2006/main" xmlns:r="http://schemas.openxmlformats.org/officeDocument/2006/relationships" xmlns:p="http://schemas.openxmlformats.org/presentationml/2006/main" preserve="1">
+  <p:cSld name="3 hasáb">
+    <p:spTree>
+      <p:nvGrpSpPr>
+        <p:cNvPr id="1" name=""/>
+        <p:cNvGrpSpPr/>
+        <p:nvPr/>
+      </p:nvGrpSpPr>
+      <p:grpSpPr>
+        <a:xfrm>
+          <a:off x="0" y="0"/>
+          <a:ext cx="0" cy="0"/>
+          <a:chOff x="0" y="0"/>
+          <a:chExt cx="0" cy="0"/>
+        </a:xfrm>
+      </p:grpSpPr>
+      <p:sp>
+        <p:nvSpPr>
+          <p:cNvPr id="2" name="Title 1"/>
+          <p:cNvSpPr>
+            <a:spLocks noGrp="1"/>
+          </p:cNvSpPr>
+          <p:nvPr>
+            <p:ph type="title"/>
+          </p:nvPr>
+        </p:nvSpPr>
+        <p:spPr/>
+        <p:txBody>
+          <a:bodyPr/>
+          <a:lstStyle>
+            <a:lvl1pPr>
+              <a:defRPr sz="4200"/>
+            </a:lvl1pPr>
+          </a:lstStyle>
+          <a:p>
+            <a:r>
+              <a:rPr lang="hu-HU"/>
+              <a:t>Mintacím szerkesztése</a:t>
+            </a:r>
+            <a:endParaRPr lang="en-US" dirty="0"/>
+          </a:p>
+        </p:txBody>
+      </p:sp>
+      <p:sp>
+        <p:nvSpPr>
+          <p:cNvPr id="3" name="Text Placeholder 2"/>
+          <p:cNvSpPr>
+            <a:spLocks noGrp="1"/>
+          </p:cNvSpPr>
+          <p:nvPr>
+            <p:ph type="body" idx="1"/>
+          </p:nvPr>
+        </p:nvSpPr>
+        <p:spPr>
+          <a:xfrm>
+            <a:off x="632947" y="1981200"/>
+            <a:ext cx="2946866" cy="576262"/>
+          </a:xfrm>
+        </p:spPr>
+        <p:txBody>
+          <a:bodyPr anchor="b">
+            <a:noAutofit/>
+          </a:bodyPr>
+          <a:lstStyle>
+            <a:lvl1pPr marL="0" indent="0">
+              <a:buNone/>
+              <a:defRPr sz="2400" b="0">
+                <a:solidFill>
+                  <a:schemeClr val="bg2">
+                    <a:lumMod val="40000"/>
+                    <a:lumOff val="60000"/>
+                  </a:schemeClr>
+                </a:solidFill>
+              </a:defRPr>
+            </a:lvl1pPr>
+            <a:lvl2pPr marL="457200" indent="0">
+              <a:buNone/>
+              <a:defRPr sz="2000" b="1"/>
+            </a:lvl2pPr>
+            <a:lvl3pPr marL="914400" indent="0">
+              <a:buNone/>
+              <a:defRPr sz="1800" b="1"/>
+            </a:lvl3pPr>
+            <a:lvl4pPr marL="1371600" indent="0">
+              <a:buNone/>
+              <a:defRPr sz="1600" b="1"/>
+            </a:lvl4pPr>
+            <a:lvl5pPr marL="1828800" indent="0">
+              <a:buNone/>
+              <a:defRPr sz="1600" b="1"/>
+            </a:lvl5pPr>
+            <a:lvl6pPr marL="2286000" indent="0">
+              <a:buNone/>
+              <a:defRPr sz="1600" b="1"/>
+            </a:lvl6pPr>
+            <a:lvl7pPr marL="2743200" indent="0">
+              <a:buNone/>
+              <a:defRPr sz="1600" b="1"/>
+            </a:lvl7pPr>
+            <a:lvl8pPr marL="3200400" indent="0">
+              <a:buNone/>
+              <a:defRPr sz="1600" b="1"/>
+            </a:lvl8pPr>
+            <a:lvl9pPr marL="3657600" indent="0">
+              <a:buNone/>
+              <a:defRPr sz="1600" b="1"/>
+            </a:lvl9pPr>
+          </a:lstStyle>
+          <a:p>
+            <a:pPr lvl="0"/>
+            <a:r>
+              <a:rPr lang="hu-HU"/>
+              <a:t>Mintaszöveg szerkesztése</a:t>
+            </a:r>
+          </a:p>
+        </p:txBody>
+      </p:sp>
+      <p:sp>
+        <p:nvSpPr>
+          <p:cNvPr id="16" name="Text Placeholder 3"/>
+          <p:cNvSpPr>
+            <a:spLocks noGrp="1"/>
+          </p:cNvSpPr>
+          <p:nvPr>
+            <p:ph type="body" sz="half" idx="15"/>
+          </p:nvPr>
+        </p:nvSpPr>
+        <p:spPr>
+          <a:xfrm>
+            <a:off x="652463" y="2667000"/>
+            <a:ext cx="2927350" cy="3589338"/>
+          </a:xfrm>
+        </p:spPr>
+        <p:txBody>
+          <a:bodyPr anchor="t">
+            <a:normAutofit/>
+          </a:bodyPr>
+          <a:lstStyle>
+            <a:lvl1pPr marL="0" indent="0">
+              <a:buNone/>
+              <a:defRPr sz="1400"/>
+            </a:lvl1pPr>
+            <a:lvl2pPr marL="457200" indent="0">
+              <a:buNone/>
+              <a:defRPr sz="1200"/>
+            </a:lvl2pPr>
+            <a:lvl3pPr marL="914400" indent="0">
+              <a:buNone/>
+              <a:defRPr sz="1000"/>
+            </a:lvl3pPr>
+            <a:lvl4pPr marL="1371600" indent="0">
+              <a:buNone/>
+              <a:defRPr sz="900"/>
+            </a:lvl4pPr>
+            <a:lvl5pPr marL="1828800" indent="0">
+              <a:buNone/>
+              <a:defRPr sz="900"/>
+            </a:lvl5pPr>
+            <a:lvl6pPr marL="2286000" indent="0">
+              <a:buNone/>
+              <a:defRPr sz="900"/>
+            </a:lvl6pPr>
+            <a:lvl7pPr marL="2743200" indent="0">
+              <a:buNone/>
+              <a:defRPr sz="900"/>
+            </a:lvl7pPr>
+            <a:lvl8pPr marL="3200400" indent="0">
+              <a:buNone/>
+              <a:defRPr sz="900"/>
+            </a:lvl8pPr>
+            <a:lvl9pPr marL="3657600" indent="0">
+              <a:buNone/>
+              <a:defRPr sz="900"/>
+            </a:lvl9pPr>
+          </a:lstStyle>
+          <a:p>
+            <a:pPr lvl="0"/>
+            <a:r>
+              <a:rPr lang="hu-HU"/>
+              <a:t>Mintaszöveg szerkesztése</a:t>
+            </a:r>
+          </a:p>
+        </p:txBody>
+      </p:sp>
+      <p:sp>
+        <p:nvSpPr>
+          <p:cNvPr id="5" name="Text Placeholder 4"/>
+          <p:cNvSpPr>
+            <a:spLocks noGrp="1"/>
+          </p:cNvSpPr>
+          <p:nvPr>
+            <p:ph type="body" sz="quarter" idx="3"/>
+          </p:nvPr>
+        </p:nvSpPr>
+        <p:spPr>
+          <a:xfrm>
+            <a:off x="3883659" y="1981200"/>
+            <a:ext cx="2936241" cy="576262"/>
+          </a:xfrm>
+        </p:spPr>
+        <p:txBody>
+          <a:bodyPr anchor="b">
+            <a:noAutofit/>
+          </a:bodyPr>
+          <a:lstStyle>
+            <a:lvl1pPr marL="0" indent="0">
+              <a:buNone/>
+              <a:defRPr sz="2400" b="0">
+                <a:solidFill>
+                  <a:schemeClr val="bg2">
+                    <a:lumMod val="40000"/>
+                    <a:lumOff val="60000"/>
+                  </a:schemeClr>
+                </a:solidFill>
+              </a:defRPr>
+            </a:lvl1pPr>
+            <a:lvl2pPr marL="457200" indent="0">
+              <a:buNone/>
+              <a:defRPr sz="2000" b="1"/>
+            </a:lvl2pPr>
+            <a:lvl3pPr marL="914400" indent="0">
+              <a:buNone/>
+              <a:defRPr sz="1800" b="1"/>
+            </a:lvl3pPr>
+            <a:lvl4pPr marL="1371600" indent="0">
+              <a:buNone/>
+              <a:defRPr sz="1600" b="1"/>
+            </a:lvl4pPr>
+            <a:lvl5pPr marL="1828800" indent="0">
+              <a:buNone/>
+              <a:defRPr sz="1600" b="1"/>
+            </a:lvl5pPr>
+            <a:lvl6pPr marL="2286000" indent="0">
+              <a:buNone/>
+              <a:defRPr sz="1600" b="1"/>
+            </a:lvl6pPr>
+            <a:lvl7pPr marL="2743200" indent="0">
+              <a:buNone/>
+              <a:defRPr sz="1600" b="1"/>
+            </a:lvl7pPr>
+            <a:lvl8pPr marL="3200400" indent="0">
+              <a:buNone/>
+              <a:defRPr sz="1600" b="1"/>
+            </a:lvl8pPr>
+            <a:lvl9pPr marL="3657600" indent="0">
+              <a:buNone/>
+              <a:defRPr sz="1600" b="1"/>
+            </a:lvl9pPr>
+          </a:lstStyle>
+          <a:p>
+            <a:pPr lvl="0"/>
+            <a:r>
+              <a:rPr lang="hu-HU"/>
+              <a:t>Mintaszöveg szerkesztése</a:t>
+            </a:r>
+          </a:p>
+        </p:txBody>
+      </p:sp>
+      <p:sp>
+        <p:nvSpPr>
+          <p:cNvPr id="19" name="Text Placeholder 3"/>
+          <p:cNvSpPr>
+            <a:spLocks noGrp="1"/>
+          </p:cNvSpPr>
+          <p:nvPr>
+            <p:ph type="body" sz="half" idx="16"/>
+          </p:nvPr>
+        </p:nvSpPr>
+        <p:spPr>
+          <a:xfrm>
+            <a:off x="3873106" y="2667000"/>
+            <a:ext cx="2946794" cy="3589338"/>
+          </a:xfrm>
+        </p:spPr>
+        <p:txBody>
+          <a:bodyPr anchor="t">
+            <a:normAutofit/>
+          </a:bodyPr>
+          <a:lstStyle>
+            <a:lvl1pPr marL="0" indent="0">
+              <a:buNone/>
+              <a:defRPr sz="1400"/>
+            </a:lvl1pPr>
+            <a:lvl2pPr marL="457200" indent="0">
+              <a:buNone/>
+              <a:defRPr sz="1200"/>
+            </a:lvl2pPr>
+            <a:lvl3pPr marL="914400" indent="0">
+              <a:buNone/>
+              <a:defRPr sz="1000"/>
+            </a:lvl3pPr>
+            <a:lvl4pPr marL="1371600" indent="0">
+              <a:buNone/>
+              <a:defRPr sz="900"/>
+            </a:lvl4pPr>
+            <a:lvl5pPr marL="1828800" indent="0">
+              <a:buNone/>
+              <a:defRPr sz="900"/>
+            </a:lvl5pPr>
+            <a:lvl6pPr marL="2286000" indent="0">
+              <a:buNone/>
+              <a:defRPr sz="900"/>
+            </a:lvl6pPr>
+            <a:lvl7pPr marL="2743200" indent="0">
+              <a:buNone/>
+              <a:defRPr sz="900"/>
+            </a:lvl7pPr>
+            <a:lvl8pPr marL="3200400" indent="0">
+              <a:buNone/>
+              <a:defRPr sz="900"/>
+            </a:lvl8pPr>
+            <a:lvl9pPr marL="3657600" indent="0">
+              <a:buNone/>
+              <a:defRPr sz="900"/>
+            </a:lvl9pPr>
+          </a:lstStyle>
+          <a:p>
+            <a:pPr lvl="0"/>
+            <a:r>
+              <a:rPr lang="hu-HU"/>
+              <a:t>Mintaszöveg szerkesztése</a:t>
+            </a:r>
+          </a:p>
+        </p:txBody>
+      </p:sp>
+      <p:sp>
+        <p:nvSpPr>
+          <p:cNvPr id="14" name="Text Placeholder 4"/>
+          <p:cNvSpPr>
+            <a:spLocks noGrp="1"/>
+          </p:cNvSpPr>
+          <p:nvPr>
+            <p:ph type="body" sz="quarter" idx="13"/>
+          </p:nvPr>
+        </p:nvSpPr>
+        <p:spPr>
+          <a:xfrm>
+            <a:off x="7124700" y="1981200"/>
+            <a:ext cx="2932113" cy="576262"/>
+          </a:xfrm>
+        </p:spPr>
+        <p:txBody>
+          <a:bodyPr anchor="b">
+            <a:noAutofit/>
+          </a:bodyPr>
+          <a:lstStyle>
+            <a:lvl1pPr marL="0" indent="0">
+              <a:buNone/>
+              <a:defRPr sz="2400" b="0">
+                <a:solidFill>
+                  <a:schemeClr val="bg2">
+                    <a:lumMod val="40000"/>
+                    <a:lumOff val="60000"/>
+                  </a:schemeClr>
+                </a:solidFill>
+              </a:defRPr>
+            </a:lvl1pPr>
+            <a:lvl2pPr marL="457200" indent="0">
+              <a:buNone/>
+              <a:defRPr sz="2000" b="1"/>
+            </a:lvl2pPr>
+            <a:lvl3pPr marL="914400" indent="0">
+              <a:buNone/>
+              <a:defRPr sz="1800" b="1"/>
+            </a:lvl3pPr>
+            <a:lvl4pPr marL="1371600" indent="0">
+              <a:buNone/>
+              <a:defRPr sz="1600" b="1"/>
+            </a:lvl4pPr>
+            <a:lvl5pPr marL="1828800" indent="0">
+              <a:buNone/>
+              <a:defRPr sz="1600" b="1"/>
+            </a:lvl5pPr>
+            <a:lvl6pPr marL="2286000" indent="0">
+              <a:buNone/>
+              <a:defRPr sz="1600" b="1"/>
+            </a:lvl6pPr>
+            <a:lvl7pPr marL="2743200" indent="0">
+              <a:buNone/>
+              <a:defRPr sz="1600" b="1"/>
+            </a:lvl7pPr>
+            <a:lvl8pPr marL="3200400" indent="0">
+              <a:buNone/>
+              <a:defRPr sz="1600" b="1"/>
+            </a:lvl8pPr>
+            <a:lvl9pPr marL="3657600" indent="0">
+              <a:buNone/>
+              <a:defRPr sz="1600" b="1"/>
+            </a:lvl9pPr>
+          </a:lstStyle>
+          <a:p>
+            <a:pPr lvl="0"/>
+            <a:r>
+              <a:rPr lang="hu-HU"/>
+              <a:t>Mintaszöveg szerkesztése</a:t>
+            </a:r>
+          </a:p>
+        </p:txBody>
+      </p:sp>
+      <p:sp>
+        <p:nvSpPr>
+          <p:cNvPr id="20" name="Text Placeholder 3"/>
+          <p:cNvSpPr>
+            <a:spLocks noGrp="1"/>
+          </p:cNvSpPr>
+          <p:nvPr>
+            <p:ph type="body" sz="half" idx="17"/>
+          </p:nvPr>
+        </p:nvSpPr>
+        <p:spPr>
+          <a:xfrm>
+            <a:off x="7124700" y="2667000"/>
+            <a:ext cx="2932113" cy="3589338"/>
+          </a:xfrm>
+        </p:spPr>
+        <p:txBody>
+          <a:bodyPr anchor="t">
+            <a:normAutofit/>
+          </a:bodyPr>
+          <a:lstStyle>
+            <a:lvl1pPr marL="0" indent="0">
+              <a:buNone/>
+              <a:defRPr sz="1400"/>
+            </a:lvl1pPr>
+            <a:lvl2pPr marL="457200" indent="0">
+              <a:buNone/>
+              <a:defRPr sz="1200"/>
+            </a:lvl2pPr>
+            <a:lvl3pPr marL="914400" indent="0">
+              <a:buNone/>
+              <a:defRPr sz="1000"/>
+            </a:lvl3pPr>
+            <a:lvl4pPr marL="1371600" indent="0">
+              <a:buNone/>
+              <a:defRPr sz="900"/>
+            </a:lvl4pPr>
+            <a:lvl5pPr marL="1828800" indent="0">
+              <a:buNone/>
+              <a:defRPr sz="900"/>
+            </a:lvl5pPr>
+            <a:lvl6pPr marL="2286000" indent="0">
+              <a:buNone/>
+              <a:defRPr sz="900"/>
+            </a:lvl6pPr>
+            <a:lvl7pPr marL="2743200" indent="0">
+              <a:buNone/>
+              <a:defRPr sz="900"/>
+            </a:lvl7pPr>
+            <a:lvl8pPr marL="3200400" indent="0">
+              <a:buNone/>
+              <a:defRPr sz="900"/>
+            </a:lvl8pPr>
+            <a:lvl9pPr marL="3657600" indent="0">
+              <a:buNone/>
+              <a:defRPr sz="900"/>
+            </a:lvl9pPr>
+          </a:lstStyle>
+          <a:p>
+            <a:pPr lvl="0"/>
+            <a:r>
+              <a:rPr lang="hu-HU"/>
+              <a:t>Mintaszöveg szerkesztése</a:t>
+            </a:r>
+          </a:p>
+        </p:txBody>
+      </p:sp>
+      <p:cxnSp>
+        <p:nvCxnSpPr>
+          <p:cNvPr id="17" name="Straight Connector 16"/>
+          <p:cNvCxnSpPr/>
+          <p:nvPr/>
+        </p:nvCxnSpPr>
+        <p:spPr>
+          <a:xfrm>
+            <a:off x="3726142" y="2133600"/>
+            <a:ext cx="0" cy="3962400"/>
+          </a:xfrm>
+          <a:prstGeom prst="line">
+            <a:avLst/>
+          </a:prstGeom>
+          <a:ln w="12700" cmpd="sng">
+            <a:solidFill>
+              <a:schemeClr val="bg2">
+                <a:lumMod val="40000"/>
+                <a:lumOff val="60000"/>
+                <a:alpha val="40000"/>
+              </a:schemeClr>
+            </a:solidFill>
+          </a:ln>
+        </p:spPr>
+        <p:style>
+          <a:lnRef idx="2">
+            <a:schemeClr val="accent1"/>
+          </a:lnRef>
+          <a:fillRef idx="0">
+            <a:schemeClr val="accent1"/>
+          </a:fillRef>
+          <a:effectRef idx="1">
+            <a:schemeClr val="accent1"/>
+          </a:effectRef>
+          <a:fontRef idx="minor">
+            <a:schemeClr val="tx1"/>
+          </a:fontRef>
+        </p:style>
+      </p:cxnSp>
+      <p:cxnSp>
+        <p:nvCxnSpPr>
+          <p:cNvPr id="18" name="Straight Connector 17"/>
+          <p:cNvCxnSpPr/>
+          <p:nvPr/>
+        </p:nvCxnSpPr>
+        <p:spPr>
+          <a:xfrm>
+            <a:off x="6962227" y="2133600"/>
+            <a:ext cx="0" cy="3966882"/>
+          </a:xfrm>
+          <a:prstGeom prst="line">
+            <a:avLst/>
+          </a:prstGeom>
+          <a:ln w="12700" cmpd="sng">
+            <a:solidFill>
+              <a:schemeClr val="bg2">
+                <a:lumMod val="40000"/>
+                <a:lumOff val="60000"/>
+                <a:alpha val="40000"/>
+              </a:schemeClr>
+            </a:solidFill>
+          </a:ln>
+        </p:spPr>
+        <p:style>
+          <a:lnRef idx="2">
+            <a:schemeClr val="accent1"/>
+          </a:lnRef>
+          <a:fillRef idx="0">
+            <a:schemeClr val="accent1"/>
+          </a:fillRef>
+          <a:effectRef idx="1">
+            <a:schemeClr val="accent1"/>
+          </a:effectRef>
+          <a:fontRef idx="minor">
+            <a:schemeClr val="tx1"/>
+          </a:fontRef>
+        </p:style>
+      </p:cxnSp>
+      <p:sp>
+        <p:nvSpPr>
+          <p:cNvPr id="7" name="Date Placeholder 3"/>
+          <p:cNvSpPr>
+            <a:spLocks noGrp="1"/>
+          </p:cNvSpPr>
+          <p:nvPr>
+            <p:ph type="dt" sz="half" idx="10"/>
+          </p:nvPr>
+        </p:nvSpPr>
+        <p:spPr/>
+        <p:txBody>
+          <a:bodyPr/>
+          <a:lstStyle/>
+          <a:p>
+            <a:fld id="{B61BEF0D-F0BB-DE4B-95CE-6DB70DBA9567}" type="datetimeFigureOut">
+              <a:rPr lang="en-US" smtClean="0"/>
+              <a:pPr/>
+              <a:t>9/13/2022</a:t>
+            </a:fld>
+            <a:endParaRPr lang="en-US" dirty="0"/>
+          </a:p>
+        </p:txBody>
+      </p:sp>
+      <p:sp>
+        <p:nvSpPr>
+          <p:cNvPr id="4" name="Footer Placeholder 4"/>
+          <p:cNvSpPr>
+            <a:spLocks noGrp="1"/>
+          </p:cNvSpPr>
+          <p:nvPr>
+            <p:ph type="ftr" sz="quarter" idx="11"/>
+          </p:nvPr>
+        </p:nvSpPr>
+        <p:spPr/>
+        <p:txBody>
+          <a:bodyPr/>
+          <a:lstStyle/>
+          <a:p>
+            <a:endParaRPr lang="en-US" dirty="0"/>
+          </a:p>
+        </p:txBody>
+      </p:sp>
+      <p:sp>
+        <p:nvSpPr>
+          <p:cNvPr id="6" name="Slide Number Placeholder 5"/>
+          <p:cNvSpPr>
+            <a:spLocks noGrp="1"/>
+          </p:cNvSpPr>
+          <p:nvPr>
+            <p:ph type="sldNum" sz="quarter" idx="12"/>
+          </p:nvPr>
+        </p:nvSpPr>
+        <p:spPr/>
+        <p:txBody>
+          <a:bodyPr/>
+          <a:lstStyle/>
+          <a:p>
+            <a:fld id="{D57F1E4F-1CFF-5643-939E-217C01CDF565}" type="slidenum">
+              <a:rPr lang="en-US" smtClean="0"/>
+              <a:pPr/>
+              <a:t>‹#›</a:t>
+            </a:fld>
+            <a:endParaRPr lang="en-US" dirty="0"/>
+          </a:p>
+        </p:txBody>
+      </p:sp>
+    </p:spTree>
+    <p:extLst>
+      <p:ext uri="{BB962C8B-B14F-4D97-AF65-F5344CB8AC3E}">
+        <p14:creationId xmlns:p14="http://schemas.microsoft.com/office/powerpoint/2010/main" val="3235522760"/>
+      </p:ext>
+    </p:extLst>
+  </p:cSld>
+  <p:clrMapOvr>
+    <a:masterClrMapping/>
+  </p:clrMapOvr>
+</p:sldLayout>
+</file>
+
+<file path=ppt/slideLayouts/slideLayout15.xml><?xml version="1.0" encoding="utf-8"?>
+<p:sldLayout xmlns:a="http://schemas.openxmlformats.org/drawingml/2006/main" xmlns:r="http://schemas.openxmlformats.org/officeDocument/2006/relationships" xmlns:p="http://schemas.openxmlformats.org/presentationml/2006/main" preserve="1">
+  <p:cSld name="3 képhasáb">
+    <p:spTree>
+      <p:nvGrpSpPr>
+        <p:cNvPr id="1" name=""/>
+        <p:cNvGrpSpPr/>
+        <p:nvPr/>
+      </p:nvGrpSpPr>
+      <p:grpSpPr>
+        <a:xfrm>
+          <a:off x="0" y="0"/>
+          <a:ext cx="0" cy="0"/>
+          <a:chOff x="0" y="0"/>
+          <a:chExt cx="0" cy="0"/>
+        </a:xfrm>
+      </p:grpSpPr>
+      <p:sp>
+        <p:nvSpPr>
+          <p:cNvPr id="2" name="Title 1"/>
+          <p:cNvSpPr>
+            <a:spLocks noGrp="1"/>
+          </p:cNvSpPr>
+          <p:nvPr>
+            <p:ph type="title"/>
+          </p:nvPr>
+        </p:nvSpPr>
+        <p:spPr/>
+        <p:txBody>
+          <a:bodyPr/>
+          <a:lstStyle>
+            <a:lvl1pPr>
+              <a:defRPr sz="4200"/>
+            </a:lvl1pPr>
+          </a:lstStyle>
+          <a:p>
+            <a:r>
+              <a:rPr lang="hu-HU"/>
+              <a:t>Mintacím szerkesztése</a:t>
+            </a:r>
+            <a:endParaRPr lang="en-US" dirty="0"/>
+          </a:p>
+        </p:txBody>
+      </p:sp>
+      <p:sp>
+        <p:nvSpPr>
+          <p:cNvPr id="3" name="Text Placeholder 2"/>
+          <p:cNvSpPr>
+            <a:spLocks noGrp="1"/>
+          </p:cNvSpPr>
+          <p:nvPr>
+            <p:ph type="body" idx="1"/>
+          </p:nvPr>
+        </p:nvSpPr>
+        <p:spPr>
+          <a:xfrm>
+            <a:off x="652463" y="4250949"/>
+            <a:ext cx="2940050" cy="576262"/>
+          </a:xfrm>
+        </p:spPr>
+        <p:txBody>
+          <a:bodyPr anchor="b">
+            <a:noAutofit/>
+          </a:bodyPr>
+          <a:lstStyle>
+            <a:lvl1pPr marL="0" indent="0">
+              <a:buNone/>
+              <a:defRPr sz="2400" b="0">
+                <a:solidFill>
+                  <a:schemeClr val="bg2">
+                    <a:lumMod val="40000"/>
+                    <a:lumOff val="60000"/>
+                  </a:schemeClr>
+                </a:solidFill>
+              </a:defRPr>
+            </a:lvl1pPr>
+            <a:lvl2pPr marL="457200" indent="0">
+              <a:buNone/>
+              <a:defRPr sz="2000" b="1"/>
+            </a:lvl2pPr>
+            <a:lvl3pPr marL="914400" indent="0">
+              <a:buNone/>
+              <a:defRPr sz="1800" b="1"/>
+            </a:lvl3pPr>
+            <a:lvl4pPr marL="1371600" indent="0">
+              <a:buNone/>
+              <a:defRPr sz="1600" b="1"/>
+            </a:lvl4pPr>
+            <a:lvl5pPr marL="1828800" indent="0">
+              <a:buNone/>
+              <a:defRPr sz="1600" b="1"/>
+            </a:lvl5pPr>
+            <a:lvl6pPr marL="2286000" indent="0">
+              <a:buNone/>
+              <a:defRPr sz="1600" b="1"/>
+            </a:lvl6pPr>
+            <a:lvl7pPr marL="2743200" indent="0">
+              <a:buNone/>
+              <a:defRPr sz="1600" b="1"/>
+            </a:lvl7pPr>
+            <a:lvl8pPr marL="3200400" indent="0">
+              <a:buNone/>
+              <a:defRPr sz="1600" b="1"/>
+            </a:lvl8pPr>
+            <a:lvl9pPr marL="3657600" indent="0">
+              <a:buNone/>
+              <a:defRPr sz="1600" b="1"/>
+            </a:lvl9pPr>
+          </a:lstStyle>
+          <a:p>
+            <a:pPr lvl="0"/>
+            <a:r>
+              <a:rPr lang="hu-HU"/>
+              <a:t>Mintaszöveg szerkesztése</a:t>
+            </a:r>
+          </a:p>
+        </p:txBody>
+      </p:sp>
+      <p:sp>
+        <p:nvSpPr>
+          <p:cNvPr id="29" name="Picture Placeholder 2"/>
+          <p:cNvSpPr>
+            <a:spLocks noGrp="1" noChangeAspect="1"/>
+          </p:cNvSpPr>
+          <p:nvPr>
+            <p:ph type="pic" idx="15"/>
+          </p:nvPr>
+        </p:nvSpPr>
+        <p:spPr>
+          <a:xfrm>
+            <a:off x="652463" y="2209800"/>
+            <a:ext cx="2940050" cy="1524000"/>
+          </a:xfrm>
+          <a:prstGeom prst="roundRect">
+            <a:avLst>
+              <a:gd name="adj" fmla="val 1858"/>
+            </a:avLst>
+          </a:prstGeom>
+          <a:effectLst>
+            <a:outerShdw blurRad="50800" dist="50800" dir="5400000" algn="tl" rotWithShape="0">
+              <a:srgbClr val="000000">
+                <a:alpha val="43000"/>
+              </a:srgbClr>
+            </a:outerShdw>
+          </a:effectLst>
+        </p:spPr>
+        <p:txBody>
+          <a:bodyPr anchor="t">
+            <a:normAutofit/>
+          </a:bodyPr>
+          <a:lstStyle>
+            <a:lvl1pPr marL="0" indent="0" algn="ctr">
+              <a:buNone/>
+              <a:defRPr sz="1600"/>
+            </a:lvl1pPr>
+            <a:lvl2pPr marL="457200" indent="0">
+              <a:buNone/>
+              <a:defRPr sz="1600"/>
+            </a:lvl2pPr>
+            <a:lvl3pPr marL="914400" indent="0">
+              <a:buNone/>
+              <a:defRPr sz="1600"/>
+            </a:lvl3pPr>
+            <a:lvl4pPr marL="1371600" indent="0">
+              <a:buNone/>
+              <a:defRPr sz="1600"/>
+            </a:lvl4pPr>
+            <a:lvl5pPr marL="1828800" indent="0">
+              <a:buNone/>
+              <a:defRPr sz="1600"/>
+            </a:lvl5pPr>
+            <a:lvl6pPr marL="2286000" indent="0">
+              <a:buNone/>
+              <a:defRPr sz="1600"/>
+            </a:lvl6pPr>
+            <a:lvl7pPr marL="2743200" indent="0">
+              <a:buNone/>
+              <a:defRPr sz="1600"/>
+            </a:lvl7pPr>
+            <a:lvl8pPr marL="3200400" indent="0">
+              <a:buNone/>
+              <a:defRPr sz="1600"/>
+            </a:lvl8pPr>
+            <a:lvl9pPr marL="3657600" indent="0">
+              <a:buNone/>
+              <a:defRPr sz="1600"/>
+            </a:lvl9pPr>
+          </a:lstStyle>
+          <a:p>
+            <a:r>
+              <a:rPr lang="hu-HU"/>
+              <a:t>Kép beszúrásához kattintson az ikonra</a:t>
+            </a:r>
+            <a:endParaRPr lang="en-US" dirty="0"/>
+          </a:p>
+        </p:txBody>
+      </p:sp>
+      <p:sp>
+        <p:nvSpPr>
+          <p:cNvPr id="22" name="Text Placeholder 3"/>
+          <p:cNvSpPr>
+            <a:spLocks noGrp="1"/>
+          </p:cNvSpPr>
+          <p:nvPr>
+            <p:ph type="body" sz="half" idx="18"/>
+          </p:nvPr>
+        </p:nvSpPr>
+        <p:spPr>
+          <a:xfrm>
+            <a:off x="652463" y="4827211"/>
+            <a:ext cx="2940050" cy="659189"/>
+          </a:xfrm>
+        </p:spPr>
+        <p:txBody>
+          <a:bodyPr anchor="t">
+            <a:normAutofit/>
+          </a:bodyPr>
+          <a:lstStyle>
+            <a:lvl1pPr marL="0" indent="0">
+              <a:buNone/>
+              <a:defRPr sz="1400"/>
+            </a:lvl1pPr>
+            <a:lvl2pPr marL="457200" indent="0">
+              <a:buNone/>
+              <a:defRPr sz="1200"/>
+            </a:lvl2pPr>
+            <a:lvl3pPr marL="914400" indent="0">
+              <a:buNone/>
+              <a:defRPr sz="1000"/>
+            </a:lvl3pPr>
+            <a:lvl4pPr marL="1371600" indent="0">
+              <a:buNone/>
+              <a:defRPr sz="900"/>
+            </a:lvl4pPr>
+            <a:lvl5pPr marL="1828800" indent="0">
+              <a:buNone/>
+              <a:defRPr sz="900"/>
+            </a:lvl5pPr>
+            <a:lvl6pPr marL="2286000" indent="0">
+              <a:buNone/>
+              <a:defRPr sz="900"/>
+            </a:lvl6pPr>
+            <a:lvl7pPr marL="2743200" indent="0">
+              <a:buNone/>
+              <a:defRPr sz="900"/>
+            </a:lvl7pPr>
+            <a:lvl8pPr marL="3200400" indent="0">
+              <a:buNone/>
+              <a:defRPr sz="900"/>
+            </a:lvl8pPr>
+            <a:lvl9pPr marL="3657600" indent="0">
+              <a:buNone/>
+              <a:defRPr sz="900"/>
+            </a:lvl9pPr>
+          </a:lstStyle>
+          <a:p>
+            <a:pPr lvl="0"/>
+            <a:r>
+              <a:rPr lang="hu-HU"/>
+              <a:t>Mintaszöveg szerkesztése</a:t>
+            </a:r>
+          </a:p>
+        </p:txBody>
+      </p:sp>
+      <p:sp>
+        <p:nvSpPr>
+          <p:cNvPr id="5" name="Text Placeholder 4"/>
+          <p:cNvSpPr>
+            <a:spLocks noGrp="1"/>
+          </p:cNvSpPr>
+          <p:nvPr>
+            <p:ph type="body" sz="quarter" idx="3"/>
+          </p:nvPr>
+        </p:nvSpPr>
+        <p:spPr>
+          <a:xfrm>
+            <a:off x="3889375" y="4250949"/>
+            <a:ext cx="2930525" cy="576262"/>
+          </a:xfrm>
+        </p:spPr>
+        <p:txBody>
+          <a:bodyPr anchor="b">
+            <a:noAutofit/>
+          </a:bodyPr>
+          <a:lstStyle>
+            <a:lvl1pPr marL="0" indent="0">
+              <a:buNone/>
+              <a:defRPr sz="2400" b="0">
+                <a:solidFill>
+                  <a:schemeClr val="bg2">
+                    <a:lumMod val="40000"/>
+                    <a:lumOff val="60000"/>
+                  </a:schemeClr>
+                </a:solidFill>
+              </a:defRPr>
+            </a:lvl1pPr>
+            <a:lvl2pPr marL="457200" indent="0">
+              <a:buNone/>
+              <a:defRPr sz="2000" b="1"/>
+            </a:lvl2pPr>
+            <a:lvl3pPr marL="914400" indent="0">
+              <a:buNone/>
+              <a:defRPr sz="1800" b="1"/>
+            </a:lvl3pPr>
+            <a:lvl4pPr marL="1371600" indent="0">
+              <a:buNone/>
+              <a:defRPr sz="1600" b="1"/>
+            </a:lvl4pPr>
+            <a:lvl5pPr marL="1828800" indent="0">
+              <a:buNone/>
+              <a:defRPr sz="1600" b="1"/>
+            </a:lvl5pPr>
+            <a:lvl6pPr marL="2286000" indent="0">
+              <a:buNone/>
+              <a:defRPr sz="1600" b="1"/>
+            </a:lvl6pPr>
+            <a:lvl7pPr marL="2743200" indent="0">
+              <a:buNone/>
+              <a:defRPr sz="1600" b="1"/>
+            </a:lvl7pPr>
+            <a:lvl8pPr marL="3200400" indent="0">
+              <a:buNone/>
+              <a:defRPr sz="1600" b="1"/>
+            </a:lvl8pPr>
+            <a:lvl9pPr marL="3657600" indent="0">
+              <a:buNone/>
+              <a:defRPr sz="1600" b="1"/>
+            </a:lvl9pPr>
+          </a:lstStyle>
+          <a:p>
+            <a:pPr lvl="0"/>
+            <a:r>
+              <a:rPr lang="hu-HU"/>
+              <a:t>Mintaszöveg szerkesztése</a:t>
+            </a:r>
+          </a:p>
+        </p:txBody>
+      </p:sp>
+      <p:sp>
+        <p:nvSpPr>
+          <p:cNvPr id="30" name="Picture Placeholder 2"/>
+          <p:cNvSpPr>
+            <a:spLocks noGrp="1" noChangeAspect="1"/>
+          </p:cNvSpPr>
+          <p:nvPr>
+            <p:ph type="pic" idx="21"/>
+          </p:nvPr>
+        </p:nvSpPr>
+        <p:spPr>
+          <a:xfrm>
+            <a:off x="3889374" y="2209800"/>
+            <a:ext cx="2930525" cy="1524000"/>
+          </a:xfrm>
+          <a:prstGeom prst="roundRect">
+            <a:avLst>
+              <a:gd name="adj" fmla="val 1858"/>
+            </a:avLst>
+          </a:prstGeom>
+          <a:effectLst>
+            <a:outerShdw blurRad="50800" dist="50800" dir="5400000" algn="tl" rotWithShape="0">
+              <a:srgbClr val="000000">
+                <a:alpha val="43000"/>
+              </a:srgbClr>
+            </a:outerShdw>
+          </a:effectLst>
+        </p:spPr>
+        <p:txBody>
+          <a:bodyPr anchor="t">
+            <a:normAutofit/>
+          </a:bodyPr>
+          <a:lstStyle>
+            <a:lvl1pPr marL="0" indent="0" algn="ctr">
+              <a:buNone/>
+              <a:defRPr sz="1600"/>
+            </a:lvl1pPr>
+            <a:lvl2pPr marL="457200" indent="0">
+              <a:buNone/>
+              <a:defRPr sz="1600"/>
+            </a:lvl2pPr>
+            <a:lvl3pPr marL="914400" indent="0">
+              <a:buNone/>
+              <a:defRPr sz="1600"/>
+            </a:lvl3pPr>
+            <a:lvl4pPr marL="1371600" indent="0">
+              <a:buNone/>
+              <a:defRPr sz="1600"/>
+            </a:lvl4pPr>
+            <a:lvl5pPr marL="1828800" indent="0">
+              <a:buNone/>
+              <a:defRPr sz="1600"/>
+            </a:lvl5pPr>
+            <a:lvl6pPr marL="2286000" indent="0">
+              <a:buNone/>
+              <a:defRPr sz="1600"/>
+            </a:lvl6pPr>
+            <a:lvl7pPr marL="2743200" indent="0">
+              <a:buNone/>
+              <a:defRPr sz="1600"/>
+            </a:lvl7pPr>
+            <a:lvl8pPr marL="3200400" indent="0">
+              <a:buNone/>
+              <a:defRPr sz="1600"/>
+            </a:lvl8pPr>
+            <a:lvl9pPr marL="3657600" indent="0">
+              <a:buNone/>
+              <a:defRPr sz="1600"/>
+            </a:lvl9pPr>
+          </a:lstStyle>
+          <a:p>
+            <a:r>
+              <a:rPr lang="hu-HU"/>
+              <a:t>Kép beszúrásához kattintson az ikonra</a:t>
+            </a:r>
+            <a:endParaRPr lang="en-US" dirty="0"/>
+          </a:p>
+        </p:txBody>
+      </p:sp>
+      <p:sp>
+        <p:nvSpPr>
+          <p:cNvPr id="23" name="Text Placeholder 3"/>
+          <p:cNvSpPr>
+            <a:spLocks noGrp="1"/>
+          </p:cNvSpPr>
+          <p:nvPr>
+            <p:ph type="body" sz="half" idx="19"/>
+          </p:nvPr>
+        </p:nvSpPr>
+        <p:spPr>
+          <a:xfrm>
+            <a:off x="3888022" y="4827210"/>
+            <a:ext cx="2934406" cy="659189"/>
+          </a:xfrm>
+        </p:spPr>
+        <p:txBody>
+          <a:bodyPr anchor="t">
+            <a:normAutofit/>
+          </a:bodyPr>
+          <a:lstStyle>
+            <a:lvl1pPr marL="0" indent="0">
+              <a:buNone/>
+              <a:defRPr sz="1400"/>
+            </a:lvl1pPr>
+            <a:lvl2pPr marL="457200" indent="0">
+              <a:buNone/>
+              <a:defRPr sz="1200"/>
+            </a:lvl2pPr>
+            <a:lvl3pPr marL="914400" indent="0">
+              <a:buNone/>
+              <a:defRPr sz="1000"/>
+            </a:lvl3pPr>
+            <a:lvl4pPr marL="1371600" indent="0">
+              <a:buNone/>
+              <a:defRPr sz="900"/>
+            </a:lvl4pPr>
+            <a:lvl5pPr marL="1828800" indent="0">
+              <a:buNone/>
+              <a:defRPr sz="900"/>
+            </a:lvl5pPr>
+            <a:lvl6pPr marL="2286000" indent="0">
+              <a:buNone/>
+              <a:defRPr sz="900"/>
+            </a:lvl6pPr>
+            <a:lvl7pPr marL="2743200" indent="0">
+              <a:buNone/>
+              <a:defRPr sz="900"/>
+            </a:lvl7pPr>
+            <a:lvl8pPr marL="3200400" indent="0">
+              <a:buNone/>
+              <a:defRPr sz="900"/>
+            </a:lvl8pPr>
+            <a:lvl9pPr marL="3657600" indent="0">
+              <a:buNone/>
+              <a:defRPr sz="900"/>
+            </a:lvl9pPr>
+          </a:lstStyle>
+          <a:p>
+            <a:pPr lvl="0"/>
+            <a:r>
+              <a:rPr lang="hu-HU"/>
+              <a:t>Mintaszöveg szerkesztése</a:t>
+            </a:r>
+          </a:p>
+        </p:txBody>
+      </p:sp>
+      <p:sp>
+        <p:nvSpPr>
+          <p:cNvPr id="14" name="Text Placeholder 4"/>
+          <p:cNvSpPr>
+            <a:spLocks noGrp="1"/>
+          </p:cNvSpPr>
+          <p:nvPr>
+            <p:ph type="body" sz="quarter" idx="13"/>
+          </p:nvPr>
+        </p:nvSpPr>
+        <p:spPr>
+          <a:xfrm>
+            <a:off x="7124700" y="4250949"/>
+            <a:ext cx="2932113" cy="576262"/>
+          </a:xfrm>
+        </p:spPr>
+        <p:txBody>
+          <a:bodyPr anchor="b">
+            <a:noAutofit/>
+          </a:bodyPr>
+          <a:lstStyle>
+            <a:lvl1pPr marL="0" indent="0">
+              <a:buNone/>
+              <a:defRPr sz="2400" b="0">
+                <a:solidFill>
+                  <a:schemeClr val="bg2">
+                    <a:lumMod val="40000"/>
+                    <a:lumOff val="60000"/>
+                  </a:schemeClr>
+                </a:solidFill>
+              </a:defRPr>
+            </a:lvl1pPr>
+            <a:lvl2pPr marL="457200" indent="0">
+              <a:buNone/>
+              <a:defRPr sz="2000" b="1"/>
+            </a:lvl2pPr>
+            <a:lvl3pPr marL="914400" indent="0">
+              <a:buNone/>
+              <a:defRPr sz="1800" b="1"/>
+            </a:lvl3pPr>
+            <a:lvl4pPr marL="1371600" indent="0">
+              <a:buNone/>
+              <a:defRPr sz="1600" b="1"/>
+            </a:lvl4pPr>
+            <a:lvl5pPr marL="1828800" indent="0">
+              <a:buNone/>
+              <a:defRPr sz="1600" b="1"/>
+            </a:lvl5pPr>
+            <a:lvl6pPr marL="2286000" indent="0">
+              <a:buNone/>
+              <a:defRPr sz="1600" b="1"/>
+            </a:lvl6pPr>
+            <a:lvl7pPr marL="2743200" indent="0">
+              <a:buNone/>
+              <a:defRPr sz="1600" b="1"/>
+            </a:lvl7pPr>
+            <a:lvl8pPr marL="3200400" indent="0">
+              <a:buNone/>
+              <a:defRPr sz="1600" b="1"/>
+            </a:lvl8pPr>
+            <a:lvl9pPr marL="3657600" indent="0">
+              <a:buNone/>
+              <a:defRPr sz="1600" b="1"/>
+            </a:lvl9pPr>
+          </a:lstStyle>
+          <a:p>
+            <a:pPr lvl="0"/>
+            <a:r>
+              <a:rPr lang="hu-HU"/>
+              <a:t>Mintaszöveg szerkesztése</a:t>
+            </a:r>
+          </a:p>
+        </p:txBody>
+      </p:sp>
+      <p:sp>
+        <p:nvSpPr>
+          <p:cNvPr id="31" name="Picture Placeholder 2"/>
+          <p:cNvSpPr>
+            <a:spLocks noGrp="1" noChangeAspect="1"/>
+          </p:cNvSpPr>
+          <p:nvPr>
+            <p:ph type="pic" idx="22"/>
+          </p:nvPr>
+        </p:nvSpPr>
+        <p:spPr>
+          <a:xfrm>
+            <a:off x="7124699" y="2209800"/>
+            <a:ext cx="2932113" cy="1524000"/>
+          </a:xfrm>
+          <a:prstGeom prst="roundRect">
+            <a:avLst>
+              <a:gd name="adj" fmla="val 1858"/>
+            </a:avLst>
+          </a:prstGeom>
+          <a:effectLst>
+            <a:outerShdw blurRad="50800" dist="50800" dir="5400000" algn="tl" rotWithShape="0">
+              <a:srgbClr val="000000">
+                <a:alpha val="43000"/>
+              </a:srgbClr>
+            </a:outerShdw>
+          </a:effectLst>
+        </p:spPr>
+        <p:txBody>
+          <a:bodyPr anchor="t">
+            <a:normAutofit/>
+          </a:bodyPr>
+          <a:lstStyle>
+            <a:lvl1pPr marL="0" indent="0" algn="ctr">
+              <a:buNone/>
+              <a:defRPr sz="1600"/>
+            </a:lvl1pPr>
+            <a:lvl2pPr marL="457200" indent="0">
+              <a:buNone/>
+              <a:defRPr sz="1600"/>
+            </a:lvl2pPr>
+            <a:lvl3pPr marL="914400" indent="0">
+              <a:buNone/>
+              <a:defRPr sz="1600"/>
+            </a:lvl3pPr>
+            <a:lvl4pPr marL="1371600" indent="0">
+              <a:buNone/>
+              <a:defRPr sz="1600"/>
+            </a:lvl4pPr>
+            <a:lvl5pPr marL="1828800" indent="0">
+              <a:buNone/>
+              <a:defRPr sz="1600"/>
+            </a:lvl5pPr>
+            <a:lvl6pPr marL="2286000" indent="0">
+              <a:buNone/>
+              <a:defRPr sz="1600"/>
+            </a:lvl6pPr>
+            <a:lvl7pPr marL="2743200" indent="0">
+              <a:buNone/>
+              <a:defRPr sz="1600"/>
+            </a:lvl7pPr>
+            <a:lvl8pPr marL="3200400" indent="0">
+              <a:buNone/>
+              <a:defRPr sz="1600"/>
+            </a:lvl8pPr>
+            <a:lvl9pPr marL="3657600" indent="0">
+              <a:buNone/>
+              <a:defRPr sz="1600"/>
+            </a:lvl9pPr>
+          </a:lstStyle>
+          <a:p>
+            <a:r>
+              <a:rPr lang="hu-HU"/>
+              <a:t>Kép beszúrásához kattintson az ikonra</a:t>
+            </a:r>
+            <a:endParaRPr lang="en-US" dirty="0"/>
+          </a:p>
+        </p:txBody>
+      </p:sp>
+      <p:sp>
+        <p:nvSpPr>
+          <p:cNvPr id="24" name="Text Placeholder 3"/>
+          <p:cNvSpPr>
+            <a:spLocks noGrp="1"/>
+          </p:cNvSpPr>
+          <p:nvPr>
+            <p:ph type="body" sz="half" idx="20"/>
+          </p:nvPr>
+        </p:nvSpPr>
+        <p:spPr>
+          <a:xfrm>
+            <a:off x="7124575" y="4827208"/>
+            <a:ext cx="2935997" cy="659189"/>
+          </a:xfrm>
+        </p:spPr>
+        <p:txBody>
+          <a:bodyPr anchor="t">
+            <a:normAutofit/>
+          </a:bodyPr>
+          <a:lstStyle>
+            <a:lvl1pPr marL="0" indent="0">
+              <a:buNone/>
+              <a:defRPr sz="1400"/>
+            </a:lvl1pPr>
+            <a:lvl2pPr marL="457200" indent="0">
+              <a:buNone/>
+              <a:defRPr sz="1200"/>
+            </a:lvl2pPr>
+            <a:lvl3pPr marL="914400" indent="0">
+              <a:buNone/>
+              <a:defRPr sz="1000"/>
+            </a:lvl3pPr>
+            <a:lvl4pPr marL="1371600" indent="0">
+              <a:buNone/>
+              <a:defRPr sz="900"/>
+            </a:lvl4pPr>
+            <a:lvl5pPr marL="1828800" indent="0">
+              <a:buNone/>
+              <a:defRPr sz="900"/>
+            </a:lvl5pPr>
+            <a:lvl6pPr marL="2286000" indent="0">
+              <a:buNone/>
+              <a:defRPr sz="900"/>
+            </a:lvl6pPr>
+            <a:lvl7pPr marL="2743200" indent="0">
+              <a:buNone/>
+              <a:defRPr sz="900"/>
+            </a:lvl7pPr>
+            <a:lvl8pPr marL="3200400" indent="0">
+              <a:buNone/>
+              <a:defRPr sz="900"/>
+            </a:lvl8pPr>
+            <a:lvl9pPr marL="3657600" indent="0">
+              <a:buNone/>
+              <a:defRPr sz="900"/>
+            </a:lvl9pPr>
+          </a:lstStyle>
+          <a:p>
+            <a:pPr lvl="0"/>
+            <a:r>
+              <a:rPr lang="hu-HU"/>
+              <a:t>Mintaszöveg szerkesztése</a:t>
+            </a:r>
+          </a:p>
+        </p:txBody>
+      </p:sp>
+      <p:cxnSp>
+        <p:nvCxnSpPr>
+          <p:cNvPr id="19" name="Straight Connector 18"/>
+          <p:cNvCxnSpPr/>
+          <p:nvPr/>
+        </p:nvCxnSpPr>
+        <p:spPr>
+          <a:xfrm>
+            <a:off x="3726142" y="2133600"/>
+            <a:ext cx="0" cy="3962400"/>
+          </a:xfrm>
+          <a:prstGeom prst="line">
+            <a:avLst/>
+          </a:prstGeom>
+          <a:ln w="12700" cmpd="sng">
+            <a:solidFill>
+              <a:schemeClr val="bg2">
+                <a:lumMod val="40000"/>
+                <a:lumOff val="60000"/>
+                <a:alpha val="40000"/>
+              </a:schemeClr>
+            </a:solidFill>
+          </a:ln>
+        </p:spPr>
+        <p:style>
+          <a:lnRef idx="2">
+            <a:schemeClr val="accent1"/>
+          </a:lnRef>
+          <a:fillRef idx="0">
+            <a:schemeClr val="accent1"/>
+          </a:fillRef>
+          <a:effectRef idx="1">
+            <a:schemeClr val="accent1"/>
+          </a:effectRef>
+          <a:fontRef idx="minor">
+            <a:schemeClr val="tx1"/>
+          </a:fontRef>
+        </p:style>
+      </p:cxnSp>
+      <p:cxnSp>
+        <p:nvCxnSpPr>
+          <p:cNvPr id="20" name="Straight Connector 19"/>
+          <p:cNvCxnSpPr/>
+          <p:nvPr/>
+        </p:nvCxnSpPr>
+        <p:spPr>
+          <a:xfrm>
+            <a:off x="6962227" y="2133600"/>
+            <a:ext cx="0" cy="3966882"/>
+          </a:xfrm>
+          <a:prstGeom prst="line">
+            <a:avLst/>
+          </a:prstGeom>
+          <a:ln w="12700" cmpd="sng">
+            <a:solidFill>
+              <a:schemeClr val="bg2">
+                <a:lumMod val="40000"/>
+                <a:lumOff val="60000"/>
+                <a:alpha val="40000"/>
+              </a:schemeClr>
+            </a:solidFill>
+          </a:ln>
+        </p:spPr>
+        <p:style>
+          <a:lnRef idx="2">
+            <a:schemeClr val="accent1"/>
+          </a:lnRef>
+          <a:fillRef idx="0">
+            <a:schemeClr val="accent1"/>
+          </a:fillRef>
+          <a:effectRef idx="1">
+            <a:schemeClr val="accent1"/>
+          </a:effectRef>
+          <a:fontRef idx="minor">
+            <a:schemeClr val="tx1"/>
+          </a:fontRef>
+        </p:style>
+      </p:cxnSp>
+      <p:sp>
+        <p:nvSpPr>
+          <p:cNvPr id="7" name="Date Placeholder 3"/>
+          <p:cNvSpPr>
+            <a:spLocks noGrp="1"/>
+          </p:cNvSpPr>
+          <p:nvPr>
+            <p:ph type="dt" sz="half" idx="10"/>
+          </p:nvPr>
+        </p:nvSpPr>
+        <p:spPr/>
+        <p:txBody>
+          <a:bodyPr/>
+          <a:lstStyle/>
+          <a:p>
+            <a:fld id="{B61BEF0D-F0BB-DE4B-95CE-6DB70DBA9567}" type="datetimeFigureOut">
+              <a:rPr lang="en-US" smtClean="0"/>
+              <a:pPr/>
+              <a:t>9/13/2022</a:t>
+            </a:fld>
+            <a:endParaRPr lang="en-US" dirty="0"/>
+          </a:p>
+        </p:txBody>
+      </p:sp>
+      <p:sp>
+        <p:nvSpPr>
+          <p:cNvPr id="4" name="Footer Placeholder 4"/>
+          <p:cNvSpPr>
+            <a:spLocks noGrp="1"/>
+          </p:cNvSpPr>
+          <p:nvPr>
+            <p:ph type="ftr" sz="quarter" idx="11"/>
+          </p:nvPr>
+        </p:nvSpPr>
+        <p:spPr/>
+        <p:txBody>
+          <a:bodyPr/>
+          <a:lstStyle/>
+          <a:p>
+            <a:endParaRPr lang="en-US" dirty="0"/>
+          </a:p>
+        </p:txBody>
+      </p:sp>
+      <p:sp>
+        <p:nvSpPr>
+          <p:cNvPr id="6" name="Slide Number Placeholder 5"/>
+          <p:cNvSpPr>
+            <a:spLocks noGrp="1"/>
+          </p:cNvSpPr>
+          <p:nvPr>
+            <p:ph type="sldNum" sz="quarter" idx="12"/>
+          </p:nvPr>
+        </p:nvSpPr>
+        <p:spPr/>
+        <p:txBody>
+          <a:bodyPr/>
+          <a:lstStyle/>
+          <a:p>
+            <a:fld id="{D57F1E4F-1CFF-5643-939E-217C01CDF565}" type="slidenum">
+              <a:rPr lang="en-US" smtClean="0"/>
+              <a:pPr/>
+              <a:t>‹#›</a:t>
+            </a:fld>
+            <a:endParaRPr lang="en-US" dirty="0"/>
+          </a:p>
+        </p:txBody>
+      </p:sp>
+    </p:spTree>
+    <p:extLst>
+      <p:ext uri="{BB962C8B-B14F-4D97-AF65-F5344CB8AC3E}">
+        <p14:creationId xmlns:p14="http://schemas.microsoft.com/office/powerpoint/2010/main" val="3759544725"/>
+      </p:ext>
+    </p:extLst>
+  </p:cSld>
+  <p:clrMapOvr>
+    <a:masterClrMapping/>
+  </p:clrMapOvr>
+</p:sldLayout>
+</file>
+
+<file path=ppt/slideLayouts/slideLayout16.xml><?xml version="1.0" encoding="utf-8"?>
 <p:sldLayout xmlns:a="http://schemas.openxmlformats.org/drawingml/2006/main" xmlns:r="http://schemas.openxmlformats.org/officeDocument/2006/relationships" xmlns:p="http://schemas.openxmlformats.org/presentationml/2006/main" type="vertTx" preserve="1">
   <p:cSld name="Cím és függőleges szöveg">
     <p:spTree>
@@ -489,7 +2992,7 @@
         </p:nvSpPr>
         <p:spPr/>
         <p:txBody>
-          <a:bodyPr vert="eaVert" lIns="45720" tIns="0" rIns="45720" bIns="0"/>
+          <a:bodyPr vert="eaVert" anchor="t" anchorCtr="0"/>
           <a:lstStyle/>
           <a:p>
             <a:pPr lvl="0"/>
@@ -546,7 +3049,7 @@
           <a:p>
             <a:fld id="{55C6B4A9-1611-4792-9094-5F34BCA07E0B}" type="datetimeFigureOut">
               <a:rPr lang="en-US" smtClean="0"/>
-              <a:t>9/8/2022</a:t>
+              <a:t>9/13/2022</a:t>
             </a:fld>
             <a:endParaRPr lang="en-US" dirty="0"/>
           </a:p>
@@ -597,7 +3100,7 @@
     </p:spTree>
     <p:extLst>
       <p:ext uri="{BB962C8B-B14F-4D97-AF65-F5344CB8AC3E}">
-        <p14:creationId xmlns:p14="http://schemas.microsoft.com/office/powerpoint/2010/main" val="4132224908"/>
+        <p14:creationId xmlns:p14="http://schemas.microsoft.com/office/powerpoint/2010/main" val="4048907830"/>
       </p:ext>
     </p:extLst>
   </p:cSld>
@@ -607,8 +3110,8 @@
 </p:sldLayout>
 </file>
 
-<file path=ppt/slideLayouts/slideLayout11.xml><?xml version="1.0" encoding="utf-8"?>
-<p:sldLayout xmlns:a="http://schemas.openxmlformats.org/drawingml/2006/main" xmlns:r="http://schemas.openxmlformats.org/officeDocument/2006/relationships" xmlns:p="http://schemas.openxmlformats.org/presentationml/2006/main" showMasterSp="0" type="vertTitleAndTx" preserve="1">
+<file path=ppt/slideLayouts/slideLayout17.xml><?xml version="1.0" encoding="utf-8"?>
+<p:sldLayout xmlns:a="http://schemas.openxmlformats.org/drawingml/2006/main" xmlns:r="http://schemas.openxmlformats.org/officeDocument/2006/relationships" xmlns:p="http://schemas.openxmlformats.org/presentationml/2006/main" type="vertTitleAndTx" preserve="1">
   <p:cSld name="Függőleges cím és szöveg">
     <p:spTree>
       <p:nvGrpSpPr>
@@ -626,128 +3129,50 @@
       </p:grpSpPr>
       <p:sp>
         <p:nvSpPr>
-          <p:cNvPr id="7" name="Rectangle 6"/>
-          <p:cNvSpPr/>
-          <p:nvPr/>
+          <p:cNvPr id="2" name="Vertical Title 1"/>
+          <p:cNvSpPr>
+            <a:spLocks noGrp="1"/>
+          </p:cNvSpPr>
+          <p:nvPr>
+            <p:ph type="title" orient="vert"/>
+          </p:nvPr>
         </p:nvSpPr>
         <p:spPr>
           <a:xfrm>
-            <a:off x="3175" y="6400800"/>
-            <a:ext cx="12188825" cy="457200"/>
+            <a:off x="8304212" y="430213"/>
+            <a:ext cx="1752601" cy="5826125"/>
           </a:xfrm>
-          <a:prstGeom prst="rect">
-            <a:avLst/>
-          </a:prstGeom>
-          <a:solidFill>
-            <a:schemeClr val="accent4">
-              <a:lumMod val="75000"/>
-            </a:schemeClr>
-          </a:solidFill>
-          <a:ln>
-            <a:noFill/>
-          </a:ln>
         </p:spPr>
-        <p:style>
-          <a:lnRef idx="2">
-            <a:schemeClr val="accent1">
-              <a:shade val="50000"/>
-            </a:schemeClr>
-          </a:lnRef>
-          <a:fillRef idx="1">
-            <a:schemeClr val="accent1"/>
-          </a:fillRef>
-          <a:effectRef idx="0">
-            <a:schemeClr val="accent1"/>
-          </a:effectRef>
-          <a:fontRef idx="minor">
-            <a:schemeClr val="lt1"/>
-          </a:fontRef>
-        </p:style>
-      </p:sp>
-      <p:sp>
-        <p:nvSpPr>
-          <p:cNvPr id="8" name="Rectangle 7"/>
-          <p:cNvSpPr/>
-          <p:nvPr/>
+        <p:txBody>
+          <a:bodyPr vert="eaVert" anchor="b" anchorCtr="0"/>
+          <a:lstStyle/>
+          <a:p>
+            <a:r>
+              <a:rPr lang="hu-HU"/>
+              <a:t>Mintacím szerkesztése</a:t>
+            </a:r>
+            <a:endParaRPr lang="en-US" dirty="0"/>
+          </a:p>
+        </p:txBody>
+      </p:sp>
+      <p:sp>
+        <p:nvSpPr>
+          <p:cNvPr id="3" name="Vertical Text Placeholder 2"/>
+          <p:cNvSpPr>
+            <a:spLocks noGrp="1"/>
+          </p:cNvSpPr>
+          <p:nvPr>
+            <p:ph type="body" orient="vert" idx="1"/>
+          </p:nvPr>
         </p:nvSpPr>
         <p:spPr>
           <a:xfrm>
-            <a:off x="15" y="6334316"/>
-            <a:ext cx="12188825" cy="64008"/>
-          </a:xfrm>
-          <a:prstGeom prst="rect">
-            <a:avLst/>
-          </a:prstGeom>
-          <a:solidFill>
-            <a:schemeClr val="accent4"/>
-          </a:solidFill>
-          <a:ln>
-            <a:noFill/>
-          </a:ln>
-        </p:spPr>
-        <p:style>
-          <a:lnRef idx="2">
-            <a:schemeClr val="accent1">
-              <a:shade val="50000"/>
-            </a:schemeClr>
-          </a:lnRef>
-          <a:fillRef idx="1">
-            <a:schemeClr val="accent1"/>
-          </a:fillRef>
-          <a:effectRef idx="0">
-            <a:schemeClr val="accent1"/>
-          </a:effectRef>
-          <a:fontRef idx="minor">
-            <a:schemeClr val="lt1"/>
-          </a:fontRef>
-        </p:style>
-      </p:sp>
-      <p:sp>
-        <p:nvSpPr>
-          <p:cNvPr id="2" name="Vertical Title 1"/>
-          <p:cNvSpPr>
-            <a:spLocks noGrp="1"/>
-          </p:cNvSpPr>
-          <p:nvPr>
-            <p:ph type="title" orient="vert"/>
-          </p:nvPr>
-        </p:nvSpPr>
-        <p:spPr>
-          <a:xfrm>
-            <a:off x="8724900" y="412302"/>
-            <a:ext cx="2628900" cy="5759898"/>
+            <a:off x="652463" y="887414"/>
+            <a:ext cx="7423149" cy="5368924"/>
           </a:xfrm>
         </p:spPr>
         <p:txBody>
           <a:bodyPr vert="eaVert"/>
-          <a:lstStyle/>
-          <a:p>
-            <a:r>
-              <a:rPr lang="hu-HU"/>
-              <a:t>Mintacím szerkesztése</a:t>
-            </a:r>
-            <a:endParaRPr lang="en-US" dirty="0"/>
-          </a:p>
-        </p:txBody>
-      </p:sp>
-      <p:sp>
-        <p:nvSpPr>
-          <p:cNvPr id="3" name="Vertical Text Placeholder 2"/>
-          <p:cNvSpPr>
-            <a:spLocks noGrp="1"/>
-          </p:cNvSpPr>
-          <p:nvPr>
-            <p:ph type="body" orient="vert" idx="1"/>
-          </p:nvPr>
-        </p:nvSpPr>
-        <p:spPr>
-          <a:xfrm>
-            <a:off x="838200" y="412302"/>
-            <a:ext cx="7734300" cy="5759898"/>
-          </a:xfrm>
-        </p:spPr>
-        <p:txBody>
-          <a:bodyPr vert="eaVert" lIns="45720" tIns="0" rIns="45720" bIns="0"/>
           <a:lstStyle/>
           <a:p>
             <a:pPr lvl="0"/>
@@ -805,7 +3230,7 @@
             <a:fld id="{B61BEF0D-F0BB-DE4B-95CE-6DB70DBA9567}" type="datetimeFigureOut">
               <a:rPr lang="en-US" smtClean="0"/>
               <a:pPr/>
-              <a:t>9/8/2022</a:t>
+              <a:t>9/13/2022</a:t>
             </a:fld>
             <a:endParaRPr lang="en-US" dirty="0"/>
           </a:p>
@@ -857,7 +3282,7 @@
     </p:spTree>
     <p:extLst>
       <p:ext uri="{BB962C8B-B14F-4D97-AF65-F5344CB8AC3E}">
-        <p14:creationId xmlns:p14="http://schemas.microsoft.com/office/powerpoint/2010/main" val="4222841629"/>
+        <p14:creationId xmlns:p14="http://schemas.microsoft.com/office/powerpoint/2010/main" val="1135290224"/>
       </p:ext>
     </p:extLst>
   </p:cSld>
@@ -961,7 +3386,7 @@
       </p:sp>
       <p:sp>
         <p:nvSpPr>
-          <p:cNvPr id="4" name="Date Placeholder 3"/>
+          <p:cNvPr id="7" name="Date Placeholder 3"/>
           <p:cNvSpPr>
             <a:spLocks noGrp="1"/>
           </p:cNvSpPr>
@@ -976,7 +3401,7 @@
           <a:p>
             <a:fld id="{42A54C80-263E-416B-A8E0-580EDEADCBDC}" type="datetimeFigureOut">
               <a:rPr lang="en-US" smtClean="0"/>
-              <a:t>9/8/2022</a:t>
+              <a:t>9/13/2022</a:t>
             </a:fld>
             <a:endParaRPr lang="en-US" dirty="0"/>
           </a:p>
@@ -1027,7 +3452,7 @@
     </p:spTree>
     <p:extLst>
       <p:ext uri="{BB962C8B-B14F-4D97-AF65-F5344CB8AC3E}">
-        <p14:creationId xmlns:p14="http://schemas.microsoft.com/office/powerpoint/2010/main" val="2825325693"/>
+        <p14:creationId xmlns:p14="http://schemas.microsoft.com/office/powerpoint/2010/main" val="2046234332"/>
       </p:ext>
     </p:extLst>
   </p:cSld>
@@ -1038,7 +3463,7 @@
 </file>
 
 <file path=ppt/slideLayouts/slideLayout3.xml><?xml version="1.0" encoding="utf-8"?>
-<p:sldLayout xmlns:a="http://schemas.openxmlformats.org/drawingml/2006/main" xmlns:r="http://schemas.openxmlformats.org/officeDocument/2006/relationships" xmlns:p="http://schemas.openxmlformats.org/presentationml/2006/main" showMasterSp="0" type="secHead" preserve="1">
+<p:sldLayout xmlns:a="http://schemas.openxmlformats.org/drawingml/2006/main" xmlns:r="http://schemas.openxmlformats.org/officeDocument/2006/relationships" xmlns:p="http://schemas.openxmlformats.org/presentationml/2006/main" type="secHead" preserve="1">
   <p:cSld name="Szakaszfejléc">
     <p:spTree>
       <p:nvGrpSpPr>
@@ -1056,154 +3481,64 @@
       </p:grpSpPr>
       <p:sp>
         <p:nvSpPr>
-          <p:cNvPr id="7" name="Rectangle 6"/>
-          <p:cNvSpPr/>
-          <p:nvPr/>
+          <p:cNvPr id="2" name="Title 1"/>
+          <p:cNvSpPr>
+            <a:spLocks noGrp="1"/>
+          </p:cNvSpPr>
+          <p:nvPr>
+            <p:ph type="title"/>
+          </p:nvPr>
         </p:nvSpPr>
         <p:spPr>
           <a:xfrm>
-            <a:off x="3175" y="6400800"/>
-            <a:ext cx="12188825" cy="457200"/>
+            <a:off x="1154956" y="2861733"/>
+            <a:ext cx="8825657" cy="1915647"/>
           </a:xfrm>
-          <a:prstGeom prst="rect">
-            <a:avLst/>
-          </a:prstGeom>
-          <a:solidFill>
-            <a:schemeClr val="accent4">
-              <a:lumMod val="75000"/>
-            </a:schemeClr>
-          </a:solidFill>
-          <a:ln>
-            <a:noFill/>
-          </a:ln>
         </p:spPr>
-        <p:style>
-          <a:lnRef idx="2">
-            <a:schemeClr val="accent1">
-              <a:shade val="50000"/>
-            </a:schemeClr>
-          </a:lnRef>
-          <a:fillRef idx="1">
-            <a:schemeClr val="accent1"/>
-          </a:fillRef>
-          <a:effectRef idx="0">
-            <a:schemeClr val="accent1"/>
-          </a:effectRef>
-          <a:fontRef idx="minor">
-            <a:schemeClr val="lt1"/>
-          </a:fontRef>
-        </p:style>
-      </p:sp>
-      <p:sp>
-        <p:nvSpPr>
-          <p:cNvPr id="8" name="Rectangle 7"/>
-          <p:cNvSpPr/>
-          <p:nvPr/>
+        <p:txBody>
+          <a:bodyPr anchor="b"/>
+          <a:lstStyle>
+            <a:lvl1pPr algn="l">
+              <a:defRPr sz="4000" b="0" cap="none"/>
+            </a:lvl1pPr>
+          </a:lstStyle>
+          <a:p>
+            <a:r>
+              <a:rPr lang="hu-HU"/>
+              <a:t>Mintacím szerkesztése</a:t>
+            </a:r>
+            <a:endParaRPr lang="en-US" dirty="0"/>
+          </a:p>
+        </p:txBody>
+      </p:sp>
+      <p:sp>
+        <p:nvSpPr>
+          <p:cNvPr id="3" name="Text Placeholder 2"/>
+          <p:cNvSpPr>
+            <a:spLocks noGrp="1"/>
+          </p:cNvSpPr>
+          <p:nvPr>
+            <p:ph type="body" idx="1"/>
+          </p:nvPr>
         </p:nvSpPr>
         <p:spPr>
           <a:xfrm>
-            <a:off x="15" y="6334316"/>
-            <a:ext cx="12188825" cy="64008"/>
-          </a:xfrm>
-          <a:prstGeom prst="rect">
-            <a:avLst/>
-          </a:prstGeom>
-          <a:solidFill>
-            <a:schemeClr val="accent4"/>
-          </a:solidFill>
-          <a:ln>
-            <a:noFill/>
-          </a:ln>
-        </p:spPr>
-        <p:style>
-          <a:lnRef idx="2">
-            <a:schemeClr val="accent1">
-              <a:shade val="50000"/>
-            </a:schemeClr>
-          </a:lnRef>
-          <a:fillRef idx="1">
-            <a:schemeClr val="accent1"/>
-          </a:fillRef>
-          <a:effectRef idx="0">
-            <a:schemeClr val="accent1"/>
-          </a:effectRef>
-          <a:fontRef idx="minor">
-            <a:schemeClr val="lt1"/>
-          </a:fontRef>
-        </p:style>
-      </p:sp>
-      <p:sp>
-        <p:nvSpPr>
-          <p:cNvPr id="2" name="Title 1"/>
-          <p:cNvSpPr>
-            <a:spLocks noGrp="1"/>
-          </p:cNvSpPr>
-          <p:nvPr>
-            <p:ph type="title"/>
-          </p:nvPr>
-        </p:nvSpPr>
-        <p:spPr>
-          <a:xfrm>
-            <a:off x="1097280" y="758952"/>
-            <a:ext cx="10058400" cy="3566160"/>
+            <a:off x="1154955" y="4777381"/>
+            <a:ext cx="8825658" cy="860400"/>
           </a:xfrm>
         </p:spPr>
         <p:txBody>
-          <a:bodyPr anchor="b" anchorCtr="0">
-            <a:normAutofit/>
-          </a:bodyPr>
+          <a:bodyPr anchor="t"/>
           <a:lstStyle>
-            <a:lvl1pPr>
-              <a:lnSpc>
-                <a:spcPct val="85000"/>
-              </a:lnSpc>
-              <a:defRPr sz="8000" b="0">
+            <a:lvl1pPr marL="0" indent="0" algn="l">
+              <a:buNone/>
+              <a:defRPr sz="2000" cap="all">
                 <a:solidFill>
-                  <a:schemeClr val="tx1">
-                    <a:lumMod val="85000"/>
-                    <a:lumOff val="15000"/>
+                  <a:schemeClr val="bg2">
+                    <a:lumMod val="40000"/>
+                    <a:lumOff val="60000"/>
                   </a:schemeClr>
                 </a:solidFill>
-              </a:defRPr>
-            </a:lvl1pPr>
-          </a:lstStyle>
-          <a:p>
-            <a:r>
-              <a:rPr lang="hu-HU"/>
-              <a:t>Mintacím szerkesztése</a:t>
-            </a:r>
-            <a:endParaRPr lang="en-US" dirty="0"/>
-          </a:p>
-        </p:txBody>
-      </p:sp>
-      <p:sp>
-        <p:nvSpPr>
-          <p:cNvPr id="3" name="Text Placeholder 2"/>
-          <p:cNvSpPr>
-            <a:spLocks noGrp="1"/>
-          </p:cNvSpPr>
-          <p:nvPr>
-            <p:ph type="body" idx="1"/>
-          </p:nvPr>
-        </p:nvSpPr>
-        <p:spPr>
-          <a:xfrm>
-            <a:off x="1097280" y="4453128"/>
-            <a:ext cx="10058400" cy="1143000"/>
-          </a:xfrm>
-        </p:spPr>
-        <p:txBody>
-          <a:bodyPr lIns="91440" rIns="91440" anchor="t" anchorCtr="0">
-            <a:normAutofit/>
-          </a:bodyPr>
-          <a:lstStyle>
-            <a:lvl1pPr marL="0" indent="0">
-              <a:buNone/>
-              <a:defRPr sz="2400" cap="all" spc="200" baseline="0">
-                <a:solidFill>
-                  <a:schemeClr val="tx2"/>
-                </a:solidFill>
-                <a:latin typeface="+mj-lt"/>
               </a:defRPr>
             </a:lvl1pPr>
             <a:lvl2pPr marL="457200" indent="0">
@@ -1314,7 +3649,7 @@
             <a:fld id="{B61BEF0D-F0BB-DE4B-95CE-6DB70DBA9567}" type="datetimeFigureOut">
               <a:rPr lang="en-US" smtClean="0"/>
               <a:pPr/>
-              <a:t>9/8/2022</a:t>
+              <a:t>9/13/2022</a:t>
             </a:fld>
             <a:endParaRPr lang="en-US" dirty="0"/>
           </a:p>
@@ -1363,48 +3698,10 @@
           </a:p>
         </p:txBody>
       </p:sp>
-      <p:cxnSp>
-        <p:nvCxnSpPr>
-          <p:cNvPr id="9" name="Straight Connector 8"/>
-          <p:cNvCxnSpPr/>
-          <p:nvPr/>
-        </p:nvCxnSpPr>
-        <p:spPr>
-          <a:xfrm>
-            <a:off x="1207658" y="4343400"/>
-            <a:ext cx="9875520" cy="0"/>
-          </a:xfrm>
-          <a:prstGeom prst="line">
-            <a:avLst/>
-          </a:prstGeom>
-          <a:ln w="6350">
-            <a:solidFill>
-              <a:schemeClr val="tx1">
-                <a:lumMod val="50000"/>
-                <a:lumOff val="50000"/>
-              </a:schemeClr>
-            </a:solidFill>
-          </a:ln>
-        </p:spPr>
-        <p:style>
-          <a:lnRef idx="1">
-            <a:schemeClr val="accent1"/>
-          </a:lnRef>
-          <a:fillRef idx="0">
-            <a:schemeClr val="accent1"/>
-          </a:fillRef>
-          <a:effectRef idx="0">
-            <a:schemeClr val="accent1"/>
-          </a:effectRef>
-          <a:fontRef idx="minor">
-            <a:schemeClr val="tx1"/>
-          </a:fontRef>
-        </p:style>
-      </p:cxnSp>
     </p:spTree>
     <p:extLst>
       <p:ext uri="{BB962C8B-B14F-4D97-AF65-F5344CB8AC3E}">
-        <p14:creationId xmlns:p14="http://schemas.microsoft.com/office/powerpoint/2010/main" val="3256122349"/>
+        <p14:creationId xmlns:p14="http://schemas.microsoft.com/office/powerpoint/2010/main" val="336316991"/>
       </p:ext>
     </p:extLst>
   </p:cSld>
@@ -1433,164 +3730,219 @@
       </p:grpSpPr>
       <p:sp>
         <p:nvSpPr>
-          <p:cNvPr id="8" name="Title 7"/>
+          <p:cNvPr id="2" name="Title 1"/>
           <p:cNvSpPr>
             <a:spLocks noGrp="1"/>
           </p:cNvSpPr>
           <p:nvPr>
             <p:ph type="title"/>
+          </p:nvPr>
+        </p:nvSpPr>
+        <p:spPr/>
+        <p:txBody>
+          <a:bodyPr/>
+          <a:lstStyle/>
+          <a:p>
+            <a:r>
+              <a:rPr lang="hu-HU"/>
+              <a:t>Mintacím szerkesztése</a:t>
+            </a:r>
+            <a:endParaRPr lang="en-US" dirty="0"/>
+          </a:p>
+        </p:txBody>
+      </p:sp>
+      <p:sp>
+        <p:nvSpPr>
+          <p:cNvPr id="3" name="Content Placeholder 2"/>
+          <p:cNvSpPr>
+            <a:spLocks noGrp="1"/>
+          </p:cNvSpPr>
+          <p:nvPr>
+            <p:ph sz="half" idx="1"/>
           </p:nvPr>
         </p:nvSpPr>
         <p:spPr>
           <a:xfrm>
-            <a:off x="1097280" y="286603"/>
-            <a:ext cx="10058400" cy="1450757"/>
+            <a:off x="1103312" y="2060575"/>
+            <a:ext cx="4396339" cy="4195763"/>
           </a:xfrm>
         </p:spPr>
         <p:txBody>
+          <a:bodyPr>
+            <a:normAutofit/>
+          </a:bodyPr>
+          <a:lstStyle>
+            <a:lvl1pPr>
+              <a:defRPr sz="1800"/>
+            </a:lvl1pPr>
+            <a:lvl2pPr>
+              <a:defRPr sz="1600"/>
+            </a:lvl2pPr>
+            <a:lvl3pPr>
+              <a:defRPr sz="1400"/>
+            </a:lvl3pPr>
+            <a:lvl4pPr>
+              <a:defRPr sz="1200"/>
+            </a:lvl4pPr>
+            <a:lvl5pPr>
+              <a:defRPr sz="1200"/>
+            </a:lvl5pPr>
+            <a:lvl6pPr>
+              <a:defRPr sz="1200"/>
+            </a:lvl6pPr>
+            <a:lvl7pPr>
+              <a:defRPr sz="1200"/>
+            </a:lvl7pPr>
+            <a:lvl8pPr>
+              <a:defRPr sz="1200"/>
+            </a:lvl8pPr>
+            <a:lvl9pPr>
+              <a:defRPr sz="1200"/>
+            </a:lvl9pPr>
+          </a:lstStyle>
+          <a:p>
+            <a:pPr lvl="0"/>
+            <a:r>
+              <a:rPr lang="hu-HU"/>
+              <a:t>Mintaszöveg szerkesztése</a:t>
+            </a:r>
+          </a:p>
+          <a:p>
+            <a:pPr lvl="1"/>
+            <a:r>
+              <a:rPr lang="hu-HU"/>
+              <a:t>Második szint</a:t>
+            </a:r>
+          </a:p>
+          <a:p>
+            <a:pPr lvl="2"/>
+            <a:r>
+              <a:rPr lang="hu-HU"/>
+              <a:t>Harmadik szint</a:t>
+            </a:r>
+          </a:p>
+          <a:p>
+            <a:pPr lvl="3"/>
+            <a:r>
+              <a:rPr lang="hu-HU"/>
+              <a:t>Negyedik szint</a:t>
+            </a:r>
+          </a:p>
+          <a:p>
+            <a:pPr lvl="4"/>
+            <a:r>
+              <a:rPr lang="hu-HU"/>
+              <a:t>Ötödik szint</a:t>
+            </a:r>
+            <a:endParaRPr lang="en-US" dirty="0"/>
+          </a:p>
+        </p:txBody>
+      </p:sp>
+      <p:sp>
+        <p:nvSpPr>
+          <p:cNvPr id="4" name="Content Placeholder 3"/>
+          <p:cNvSpPr>
+            <a:spLocks noGrp="1"/>
+          </p:cNvSpPr>
+          <p:nvPr>
+            <p:ph sz="half" idx="2"/>
+          </p:nvPr>
+        </p:nvSpPr>
+        <p:spPr>
+          <a:xfrm>
+            <a:off x="5654493" y="2056092"/>
+            <a:ext cx="4396341" cy="4200245"/>
+          </a:xfrm>
+        </p:spPr>
+        <p:txBody>
+          <a:bodyPr>
+            <a:normAutofit/>
+          </a:bodyPr>
+          <a:lstStyle>
+            <a:lvl1pPr>
+              <a:defRPr sz="1800"/>
+            </a:lvl1pPr>
+            <a:lvl2pPr>
+              <a:defRPr sz="1600"/>
+            </a:lvl2pPr>
+            <a:lvl3pPr>
+              <a:defRPr sz="1400"/>
+            </a:lvl3pPr>
+            <a:lvl4pPr>
+              <a:defRPr sz="1200"/>
+            </a:lvl4pPr>
+            <a:lvl5pPr>
+              <a:defRPr sz="1200"/>
+            </a:lvl5pPr>
+            <a:lvl6pPr>
+              <a:defRPr sz="1200"/>
+            </a:lvl6pPr>
+            <a:lvl7pPr>
+              <a:defRPr sz="1200"/>
+            </a:lvl7pPr>
+            <a:lvl8pPr>
+              <a:defRPr sz="1200"/>
+            </a:lvl8pPr>
+            <a:lvl9pPr>
+              <a:defRPr sz="1200"/>
+            </a:lvl9pPr>
+          </a:lstStyle>
+          <a:p>
+            <a:pPr lvl="0"/>
+            <a:r>
+              <a:rPr lang="hu-HU"/>
+              <a:t>Mintaszöveg szerkesztése</a:t>
+            </a:r>
+          </a:p>
+          <a:p>
+            <a:pPr lvl="1"/>
+            <a:r>
+              <a:rPr lang="hu-HU"/>
+              <a:t>Második szint</a:t>
+            </a:r>
+          </a:p>
+          <a:p>
+            <a:pPr lvl="2"/>
+            <a:r>
+              <a:rPr lang="hu-HU"/>
+              <a:t>Harmadik szint</a:t>
+            </a:r>
+          </a:p>
+          <a:p>
+            <a:pPr lvl="3"/>
+            <a:r>
+              <a:rPr lang="hu-HU"/>
+              <a:t>Negyedik szint</a:t>
+            </a:r>
+          </a:p>
+          <a:p>
+            <a:pPr lvl="4"/>
+            <a:r>
+              <a:rPr lang="hu-HU"/>
+              <a:t>Ötödik szint</a:t>
+            </a:r>
+            <a:endParaRPr lang="en-US" dirty="0"/>
+          </a:p>
+        </p:txBody>
+      </p:sp>
+      <p:sp>
+        <p:nvSpPr>
+          <p:cNvPr id="5" name="Date Placeholder 4"/>
+          <p:cNvSpPr>
+            <a:spLocks noGrp="1"/>
+          </p:cNvSpPr>
+          <p:nvPr>
+            <p:ph type="dt" sz="half" idx="10"/>
+          </p:nvPr>
+        </p:nvSpPr>
+        <p:spPr/>
+        <p:txBody>
           <a:bodyPr/>
           <a:lstStyle/>
           <a:p>
-            <a:r>
-              <a:rPr lang="hu-HU"/>
-              <a:t>Mintacím szerkesztése</a:t>
-            </a:r>
-            <a:endParaRPr lang="en-US" dirty="0"/>
-          </a:p>
-        </p:txBody>
-      </p:sp>
-      <p:sp>
-        <p:nvSpPr>
-          <p:cNvPr id="3" name="Content Placeholder 2"/>
-          <p:cNvSpPr>
-            <a:spLocks noGrp="1"/>
-          </p:cNvSpPr>
-          <p:nvPr>
-            <p:ph sz="half" idx="1"/>
-          </p:nvPr>
-        </p:nvSpPr>
-        <p:spPr>
-          <a:xfrm>
-            <a:off x="1097278" y="1845734"/>
-            <a:ext cx="4937760" cy="4023360"/>
-          </a:xfrm>
-        </p:spPr>
-        <p:txBody>
-          <a:bodyPr/>
-          <a:lstStyle/>
-          <a:p>
-            <a:pPr lvl="0"/>
-            <a:r>
-              <a:rPr lang="hu-HU"/>
-              <a:t>Mintaszöveg szerkesztése</a:t>
-            </a:r>
-          </a:p>
-          <a:p>
-            <a:pPr lvl="1"/>
-            <a:r>
-              <a:rPr lang="hu-HU"/>
-              <a:t>Második szint</a:t>
-            </a:r>
-          </a:p>
-          <a:p>
-            <a:pPr lvl="2"/>
-            <a:r>
-              <a:rPr lang="hu-HU"/>
-              <a:t>Harmadik szint</a:t>
-            </a:r>
-          </a:p>
-          <a:p>
-            <a:pPr lvl="3"/>
-            <a:r>
-              <a:rPr lang="hu-HU"/>
-              <a:t>Negyedik szint</a:t>
-            </a:r>
-          </a:p>
-          <a:p>
-            <a:pPr lvl="4"/>
-            <a:r>
-              <a:rPr lang="hu-HU"/>
-              <a:t>Ötödik szint</a:t>
-            </a:r>
-            <a:endParaRPr lang="en-US" dirty="0"/>
-          </a:p>
-        </p:txBody>
-      </p:sp>
-      <p:sp>
-        <p:nvSpPr>
-          <p:cNvPr id="4" name="Content Placeholder 3"/>
-          <p:cNvSpPr>
-            <a:spLocks noGrp="1"/>
-          </p:cNvSpPr>
-          <p:nvPr>
-            <p:ph sz="half" idx="2"/>
-          </p:nvPr>
-        </p:nvSpPr>
-        <p:spPr>
-          <a:xfrm>
-            <a:off x="6217920" y="1845735"/>
-            <a:ext cx="4937760" cy="4023360"/>
-          </a:xfrm>
-        </p:spPr>
-        <p:txBody>
-          <a:bodyPr/>
-          <a:lstStyle/>
-          <a:p>
-            <a:pPr lvl="0"/>
-            <a:r>
-              <a:rPr lang="hu-HU"/>
-              <a:t>Mintaszöveg szerkesztése</a:t>
-            </a:r>
-          </a:p>
-          <a:p>
-            <a:pPr lvl="1"/>
-            <a:r>
-              <a:rPr lang="hu-HU"/>
-              <a:t>Második szint</a:t>
-            </a:r>
-          </a:p>
-          <a:p>
-            <a:pPr lvl="2"/>
-            <a:r>
-              <a:rPr lang="hu-HU"/>
-              <a:t>Harmadik szint</a:t>
-            </a:r>
-          </a:p>
-          <a:p>
-            <a:pPr lvl="3"/>
-            <a:r>
-              <a:rPr lang="hu-HU"/>
-              <a:t>Negyedik szint</a:t>
-            </a:r>
-          </a:p>
-          <a:p>
-            <a:pPr lvl="4"/>
-            <a:r>
-              <a:rPr lang="hu-HU"/>
-              <a:t>Ötödik szint</a:t>
-            </a:r>
-            <a:endParaRPr lang="en-US" dirty="0"/>
-          </a:p>
-        </p:txBody>
-      </p:sp>
-      <p:sp>
-        <p:nvSpPr>
-          <p:cNvPr id="5" name="Date Placeholder 4"/>
-          <p:cNvSpPr>
-            <a:spLocks noGrp="1"/>
-          </p:cNvSpPr>
-          <p:nvPr>
-            <p:ph type="dt" sz="half" idx="10"/>
-          </p:nvPr>
-        </p:nvSpPr>
-        <p:spPr/>
-        <p:txBody>
-          <a:bodyPr/>
-          <a:lstStyle/>
-          <a:p>
             <a:fld id="{42A54C80-263E-416B-A8E0-580EDEADCBDC}" type="datetimeFigureOut">
               <a:rPr lang="en-US" smtClean="0"/>
-              <a:t>9/8/2022</a:t>
+              <a:t>9/13/2022</a:t>
             </a:fld>
             <a:endParaRPr lang="en-US" dirty="0"/>
           </a:p>
@@ -1641,7 +3993,7 @@
     </p:spTree>
     <p:extLst>
       <p:ext uri="{BB962C8B-B14F-4D97-AF65-F5344CB8AC3E}">
-        <p14:creationId xmlns:p14="http://schemas.microsoft.com/office/powerpoint/2010/main" val="1021277759"/>
+        <p14:creationId xmlns:p14="http://schemas.microsoft.com/office/powerpoint/2010/main" val="828924935"/>
       </p:ext>
     </p:extLst>
   </p:cSld>
@@ -1670,58 +4022,60 @@
       </p:grpSpPr>
       <p:sp>
         <p:nvSpPr>
-          <p:cNvPr id="10" name="Title 9"/>
+          <p:cNvPr id="2" name="Title 1"/>
           <p:cNvSpPr>
             <a:spLocks noGrp="1"/>
           </p:cNvSpPr>
           <p:nvPr>
             <p:ph type="title"/>
+          </p:nvPr>
+        </p:nvSpPr>
+        <p:spPr/>
+        <p:txBody>
+          <a:bodyPr/>
+          <a:lstStyle>
+            <a:lvl1pPr>
+              <a:defRPr/>
+            </a:lvl1pPr>
+          </a:lstStyle>
+          <a:p>
+            <a:r>
+              <a:rPr lang="hu-HU"/>
+              <a:t>Mintacím szerkesztése</a:t>
+            </a:r>
+            <a:endParaRPr lang="en-US" dirty="0"/>
+          </a:p>
+        </p:txBody>
+      </p:sp>
+      <p:sp>
+        <p:nvSpPr>
+          <p:cNvPr id="3" name="Text Placeholder 2"/>
+          <p:cNvSpPr>
+            <a:spLocks noGrp="1"/>
+          </p:cNvSpPr>
+          <p:nvPr>
+            <p:ph type="body" idx="1"/>
           </p:nvPr>
         </p:nvSpPr>
         <p:spPr>
           <a:xfrm>
-            <a:off x="1097280" y="286603"/>
-            <a:ext cx="10058400" cy="1450757"/>
+            <a:off x="1103313" y="1905000"/>
+            <a:ext cx="4396338" cy="576262"/>
           </a:xfrm>
         </p:spPr>
         <p:txBody>
-          <a:bodyPr/>
-          <a:lstStyle/>
-          <a:p>
-            <a:r>
-              <a:rPr lang="hu-HU"/>
-              <a:t>Mintacím szerkesztése</a:t>
-            </a:r>
-            <a:endParaRPr lang="en-US" dirty="0"/>
-          </a:p>
-        </p:txBody>
-      </p:sp>
-      <p:sp>
-        <p:nvSpPr>
-          <p:cNvPr id="3" name="Text Placeholder 2"/>
-          <p:cNvSpPr>
-            <a:spLocks noGrp="1"/>
-          </p:cNvSpPr>
-          <p:nvPr>
-            <p:ph type="body" idx="1"/>
-          </p:nvPr>
-        </p:nvSpPr>
-        <p:spPr>
-          <a:xfrm>
-            <a:off x="1097280" y="1846052"/>
-            <a:ext cx="4937760" cy="736282"/>
-          </a:xfrm>
-        </p:spPr>
-        <p:txBody>
-          <a:bodyPr lIns="91440" rIns="91440" anchor="ctr">
-            <a:normAutofit/>
+          <a:bodyPr anchor="b">
+            <a:noAutofit/>
           </a:bodyPr>
           <a:lstStyle>
             <a:lvl1pPr marL="0" indent="0">
               <a:buNone/>
-              <a:defRPr sz="2000" b="0" cap="all" baseline="0">
+              <a:defRPr sz="2400" b="0">
                 <a:solidFill>
-                  <a:schemeClr val="tx2"/>
+                  <a:schemeClr val="bg2">
+                    <a:lumMod val="40000"/>
+                    <a:lumOff val="60000"/>
+                  </a:schemeClr>
                 </a:solidFill>
               </a:defRPr>
             </a:lvl1pPr>
@@ -1779,77 +4133,110 @@
         </p:nvSpPr>
         <p:spPr>
           <a:xfrm>
-            <a:off x="1097280" y="2582334"/>
-            <a:ext cx="4937760" cy="3378200"/>
+            <a:off x="1103312" y="2514600"/>
+            <a:ext cx="4396339" cy="3741738"/>
           </a:xfrm>
         </p:spPr>
         <p:txBody>
-          <a:bodyPr/>
-          <a:lstStyle/>
-          <a:p>
-            <a:pPr lvl="0"/>
-            <a:r>
-              <a:rPr lang="hu-HU"/>
-              <a:t>Mintaszöveg szerkesztése</a:t>
-            </a:r>
-          </a:p>
-          <a:p>
-            <a:pPr lvl="1"/>
-            <a:r>
-              <a:rPr lang="hu-HU"/>
-              <a:t>Második szint</a:t>
-            </a:r>
-          </a:p>
-          <a:p>
-            <a:pPr lvl="2"/>
-            <a:r>
-              <a:rPr lang="hu-HU"/>
-              <a:t>Harmadik szint</a:t>
-            </a:r>
-          </a:p>
-          <a:p>
-            <a:pPr lvl="3"/>
-            <a:r>
-              <a:rPr lang="hu-HU"/>
-              <a:t>Negyedik szint</a:t>
-            </a:r>
-          </a:p>
-          <a:p>
-            <a:pPr lvl="4"/>
-            <a:r>
-              <a:rPr lang="hu-HU"/>
-              <a:t>Ötödik szint</a:t>
-            </a:r>
-            <a:endParaRPr lang="en-US" dirty="0"/>
-          </a:p>
-        </p:txBody>
-      </p:sp>
-      <p:sp>
-        <p:nvSpPr>
-          <p:cNvPr id="5" name="Text Placeholder 4"/>
-          <p:cNvSpPr>
-            <a:spLocks noGrp="1"/>
-          </p:cNvSpPr>
-          <p:nvPr>
-            <p:ph type="body" sz="quarter" idx="3"/>
-          </p:nvPr>
-        </p:nvSpPr>
-        <p:spPr>
-          <a:xfrm>
-            <a:off x="6217920" y="1846052"/>
-            <a:ext cx="4937760" cy="736282"/>
-          </a:xfrm>
-        </p:spPr>
-        <p:txBody>
-          <a:bodyPr lIns="91440" rIns="91440" anchor="ctr">
+          <a:bodyPr>
             <a:normAutofit/>
           </a:bodyPr>
           <a:lstStyle>
+            <a:lvl1pPr>
+              <a:defRPr sz="1800"/>
+            </a:lvl1pPr>
+            <a:lvl2pPr>
+              <a:defRPr sz="1600"/>
+            </a:lvl2pPr>
+            <a:lvl3pPr>
+              <a:defRPr sz="1400"/>
+            </a:lvl3pPr>
+            <a:lvl4pPr>
+              <a:defRPr sz="1200"/>
+            </a:lvl4pPr>
+            <a:lvl5pPr>
+              <a:defRPr sz="1200"/>
+            </a:lvl5pPr>
+            <a:lvl6pPr>
+              <a:defRPr sz="1200"/>
+            </a:lvl6pPr>
+            <a:lvl7pPr>
+              <a:defRPr sz="1200"/>
+            </a:lvl7pPr>
+            <a:lvl8pPr>
+              <a:defRPr sz="1200"/>
+            </a:lvl8pPr>
+            <a:lvl9pPr>
+              <a:defRPr sz="1200"/>
+            </a:lvl9pPr>
+          </a:lstStyle>
+          <a:p>
+            <a:pPr lvl="0"/>
+            <a:r>
+              <a:rPr lang="hu-HU"/>
+              <a:t>Mintaszöveg szerkesztése</a:t>
+            </a:r>
+          </a:p>
+          <a:p>
+            <a:pPr lvl="1"/>
+            <a:r>
+              <a:rPr lang="hu-HU"/>
+              <a:t>Második szint</a:t>
+            </a:r>
+          </a:p>
+          <a:p>
+            <a:pPr lvl="2"/>
+            <a:r>
+              <a:rPr lang="hu-HU"/>
+              <a:t>Harmadik szint</a:t>
+            </a:r>
+          </a:p>
+          <a:p>
+            <a:pPr lvl="3"/>
+            <a:r>
+              <a:rPr lang="hu-HU"/>
+              <a:t>Negyedik szint</a:t>
+            </a:r>
+          </a:p>
+          <a:p>
+            <a:pPr lvl="4"/>
+            <a:r>
+              <a:rPr lang="hu-HU"/>
+              <a:t>Ötödik szint</a:t>
+            </a:r>
+            <a:endParaRPr lang="en-US" dirty="0"/>
+          </a:p>
+        </p:txBody>
+      </p:sp>
+      <p:sp>
+        <p:nvSpPr>
+          <p:cNvPr id="5" name="Text Placeholder 4"/>
+          <p:cNvSpPr>
+            <a:spLocks noGrp="1"/>
+          </p:cNvSpPr>
+          <p:nvPr>
+            <p:ph type="body" sz="quarter" idx="3"/>
+          </p:nvPr>
+        </p:nvSpPr>
+        <p:spPr>
+          <a:xfrm>
+            <a:off x="5654495" y="1905000"/>
+            <a:ext cx="4396339" cy="576262"/>
+          </a:xfrm>
+        </p:spPr>
+        <p:txBody>
+          <a:bodyPr anchor="b">
+            <a:noAutofit/>
+          </a:bodyPr>
+          <a:lstStyle>
             <a:lvl1pPr marL="0" indent="0">
               <a:buNone/>
-              <a:defRPr sz="2000" b="0" cap="all" baseline="0">
+              <a:defRPr sz="2400" b="0">
                 <a:solidFill>
-                  <a:schemeClr val="tx2"/>
+                  <a:schemeClr val="bg2">
+                    <a:lumMod val="40000"/>
+                    <a:lumOff val="60000"/>
+                  </a:schemeClr>
                 </a:solidFill>
               </a:defRPr>
             </a:lvl1pPr>
@@ -1907,13 +4294,43 @@
         </p:nvSpPr>
         <p:spPr>
           <a:xfrm>
-            <a:off x="6217920" y="2582334"/>
-            <a:ext cx="4937760" cy="3378200"/>
+            <a:off x="5654495" y="2514600"/>
+            <a:ext cx="4396339" cy="3741738"/>
           </a:xfrm>
         </p:spPr>
         <p:txBody>
-          <a:bodyPr/>
-          <a:lstStyle/>
+          <a:bodyPr>
+            <a:normAutofit/>
+          </a:bodyPr>
+          <a:lstStyle>
+            <a:lvl1pPr>
+              <a:defRPr sz="1800"/>
+            </a:lvl1pPr>
+            <a:lvl2pPr>
+              <a:defRPr sz="1600"/>
+            </a:lvl2pPr>
+            <a:lvl3pPr>
+              <a:defRPr sz="1400"/>
+            </a:lvl3pPr>
+            <a:lvl4pPr>
+              <a:defRPr sz="1200"/>
+            </a:lvl4pPr>
+            <a:lvl5pPr>
+              <a:defRPr sz="1200"/>
+            </a:lvl5pPr>
+            <a:lvl6pPr>
+              <a:defRPr sz="1200"/>
+            </a:lvl6pPr>
+            <a:lvl7pPr>
+              <a:defRPr sz="1200"/>
+            </a:lvl7pPr>
+            <a:lvl8pPr>
+              <a:defRPr sz="1200"/>
+            </a:lvl8pPr>
+            <a:lvl9pPr>
+              <a:defRPr sz="1200"/>
+            </a:lvl9pPr>
+          </a:lstStyle>
           <a:p>
             <a:pPr lvl="0"/>
             <a:r>
@@ -1970,7 +4387,7 @@
             <a:fld id="{B61BEF0D-F0BB-DE4B-95CE-6DB70DBA9567}" type="datetimeFigureOut">
               <a:rPr lang="en-US" smtClean="0"/>
               <a:pPr/>
-              <a:t>9/8/2022</a:t>
+              <a:t>9/13/2022</a:t>
             </a:fld>
             <a:endParaRPr lang="en-US" dirty="0"/>
           </a:p>
@@ -2022,7 +4439,7 @@
     </p:spTree>
     <p:extLst>
       <p:ext uri="{BB962C8B-B14F-4D97-AF65-F5344CB8AC3E}">
-        <p14:creationId xmlns:p14="http://schemas.microsoft.com/office/powerpoint/2010/main" val="2892047294"/>
+        <p14:creationId xmlns:p14="http://schemas.microsoft.com/office/powerpoint/2010/main" val="4029028762"/>
       </p:ext>
     </p:extLst>
   </p:cSld>
@@ -2074,7 +4491,7 @@
       </p:sp>
       <p:sp>
         <p:nvSpPr>
-          <p:cNvPr id="3" name="Date Placeholder 2"/>
+          <p:cNvPr id="7" name="Date Placeholder 2"/>
           <p:cNvSpPr>
             <a:spLocks noGrp="1"/>
           </p:cNvSpPr>
@@ -2090,7 +4507,7 @@
             <a:fld id="{B61BEF0D-F0BB-DE4B-95CE-6DB70DBA9567}" type="datetimeFigureOut">
               <a:rPr lang="en-US" smtClean="0"/>
               <a:pPr/>
-              <a:t>9/8/2022</a:t>
+              <a:t>9/13/2022</a:t>
             </a:fld>
             <a:endParaRPr lang="en-US" dirty="0"/>
           </a:p>
@@ -2098,7 +4515,7 @@
       </p:sp>
       <p:sp>
         <p:nvSpPr>
-          <p:cNvPr id="4" name="Footer Placeholder 3"/>
+          <p:cNvPr id="5" name="Footer Placeholder 3"/>
           <p:cNvSpPr>
             <a:spLocks noGrp="1"/>
           </p:cNvSpPr>
@@ -2117,7 +4534,7 @@
       </p:sp>
       <p:sp>
         <p:nvSpPr>
-          <p:cNvPr id="5" name="Slide Number Placeholder 4"/>
+          <p:cNvPr id="6" name="Slide Number Placeholder 4"/>
           <p:cNvSpPr>
             <a:spLocks noGrp="1"/>
           </p:cNvSpPr>
@@ -2142,7 +4559,7 @@
     </p:spTree>
     <p:extLst>
       <p:ext uri="{BB962C8B-B14F-4D97-AF65-F5344CB8AC3E}">
-        <p14:creationId xmlns:p14="http://schemas.microsoft.com/office/powerpoint/2010/main" val="1071607942"/>
+        <p14:creationId xmlns:p14="http://schemas.microsoft.com/office/powerpoint/2010/main" val="2589451926"/>
       </p:ext>
     </p:extLst>
   </p:cSld>
@@ -2153,7 +4570,7 @@
 </file>
 
 <file path=ppt/slideLayouts/slideLayout7.xml><?xml version="1.0" encoding="utf-8"?>
-<p:sldLayout xmlns:a="http://schemas.openxmlformats.org/drawingml/2006/main" xmlns:r="http://schemas.openxmlformats.org/officeDocument/2006/relationships" xmlns:p="http://schemas.openxmlformats.org/presentationml/2006/main" showMasterSp="0" type="blank" preserve="1">
+<p:sldLayout xmlns:a="http://schemas.openxmlformats.org/drawingml/2006/main" xmlns:r="http://schemas.openxmlformats.org/officeDocument/2006/relationships" xmlns:p="http://schemas.openxmlformats.org/presentationml/2006/main" type="blank" preserve="1">
   <p:cSld name="Üres">
     <p:spTree>
       <p:nvGrpSpPr>
@@ -2171,85 +4588,7 @@
       </p:grpSpPr>
       <p:sp>
         <p:nvSpPr>
-          <p:cNvPr id="5" name="Rectangle 4"/>
-          <p:cNvSpPr/>
-          <p:nvPr/>
-        </p:nvSpPr>
-        <p:spPr>
-          <a:xfrm>
-            <a:off x="3175" y="6400800"/>
-            <a:ext cx="12188825" cy="457200"/>
-          </a:xfrm>
-          <a:prstGeom prst="rect">
-            <a:avLst/>
-          </a:prstGeom>
-          <a:solidFill>
-            <a:schemeClr val="accent4">
-              <a:lumMod val="75000"/>
-            </a:schemeClr>
-          </a:solidFill>
-          <a:ln>
-            <a:noFill/>
-          </a:ln>
-        </p:spPr>
-        <p:style>
-          <a:lnRef idx="2">
-            <a:schemeClr val="accent1">
-              <a:shade val="50000"/>
-            </a:schemeClr>
-          </a:lnRef>
-          <a:fillRef idx="1">
-            <a:schemeClr val="accent1"/>
-          </a:fillRef>
-          <a:effectRef idx="0">
-            <a:schemeClr val="accent1"/>
-          </a:effectRef>
-          <a:fontRef idx="minor">
-            <a:schemeClr val="lt1"/>
-          </a:fontRef>
-        </p:style>
-      </p:sp>
-      <p:sp>
-        <p:nvSpPr>
-          <p:cNvPr id="6" name="Rectangle 5"/>
-          <p:cNvSpPr/>
-          <p:nvPr/>
-        </p:nvSpPr>
-        <p:spPr>
-          <a:xfrm>
-            <a:off x="15" y="6334316"/>
-            <a:ext cx="12188825" cy="64008"/>
-          </a:xfrm>
-          <a:prstGeom prst="rect">
-            <a:avLst/>
-          </a:prstGeom>
-          <a:solidFill>
-            <a:schemeClr val="accent4"/>
-          </a:solidFill>
-          <a:ln>
-            <a:noFill/>
-          </a:ln>
-        </p:spPr>
-        <p:style>
-          <a:lnRef idx="2">
-            <a:schemeClr val="accent1">
-              <a:shade val="50000"/>
-            </a:schemeClr>
-          </a:lnRef>
-          <a:fillRef idx="1">
-            <a:schemeClr val="accent1"/>
-          </a:fillRef>
-          <a:effectRef idx="0">
-            <a:schemeClr val="accent1"/>
-          </a:effectRef>
-          <a:fontRef idx="minor">
-            <a:schemeClr val="lt1"/>
-          </a:fontRef>
-        </p:style>
-      </p:sp>
-      <p:sp>
-        <p:nvSpPr>
-          <p:cNvPr id="7" name="Date Placeholder 6"/>
+          <p:cNvPr id="7" name="Date Placeholder 1"/>
           <p:cNvSpPr>
             <a:spLocks noGrp="1"/>
           </p:cNvSpPr>
@@ -2265,7 +4604,7 @@
             <a:fld id="{B61BEF0D-F0BB-DE4B-95CE-6DB70DBA9567}" type="datetimeFigureOut">
               <a:rPr lang="en-US" smtClean="0"/>
               <a:pPr/>
-              <a:t>9/8/2022</a:t>
+              <a:t>9/13/2022</a:t>
             </a:fld>
             <a:endParaRPr lang="en-US" dirty="0"/>
           </a:p>
@@ -2273,7 +4612,7 @@
       </p:sp>
       <p:sp>
         <p:nvSpPr>
-          <p:cNvPr id="8" name="Footer Placeholder 7"/>
+          <p:cNvPr id="5" name="Footer Placeholder 2"/>
           <p:cNvSpPr>
             <a:spLocks noGrp="1"/>
           </p:cNvSpPr>
@@ -2284,23 +4623,15 @@
         <p:spPr/>
         <p:txBody>
           <a:bodyPr/>
-          <a:lstStyle>
-            <a:lvl1pPr>
-              <a:defRPr>
-                <a:solidFill>
-                  <a:srgbClr val="FFFFFF"/>
-                </a:solidFill>
-              </a:defRPr>
-            </a:lvl1pPr>
-          </a:lstStyle>
-          <a:p>
-            <a:endParaRPr lang="en-US" dirty="0"/>
-          </a:p>
-        </p:txBody>
-      </p:sp>
-      <p:sp>
-        <p:nvSpPr>
-          <p:cNvPr id="9" name="Slide Number Placeholder 8"/>
+          <a:lstStyle/>
+          <a:p>
+            <a:endParaRPr lang="en-US" dirty="0"/>
+          </a:p>
+        </p:txBody>
+      </p:sp>
+      <p:sp>
+        <p:nvSpPr>
+          <p:cNvPr id="6" name="Slide Number Placeholder 3"/>
           <p:cNvSpPr>
             <a:spLocks noGrp="1"/>
           </p:cNvSpPr>
@@ -2325,7 +4656,7 @@
     </p:spTree>
     <p:extLst>
       <p:ext uri="{BB962C8B-B14F-4D97-AF65-F5344CB8AC3E}">
-        <p14:creationId xmlns:p14="http://schemas.microsoft.com/office/powerpoint/2010/main" val="3805544961"/>
+        <p14:creationId xmlns:p14="http://schemas.microsoft.com/office/powerpoint/2010/main" val="3655616022"/>
       </p:ext>
     </p:extLst>
   </p:cSld>
@@ -2336,7 +4667,7 @@
 </file>
 
 <file path=ppt/slideLayouts/slideLayout8.xml><?xml version="1.0" encoding="utf-8"?>
-<p:sldLayout xmlns:a="http://schemas.openxmlformats.org/drawingml/2006/main" xmlns:r="http://schemas.openxmlformats.org/officeDocument/2006/relationships" xmlns:p="http://schemas.openxmlformats.org/presentationml/2006/main" showMasterSp="0" type="objTx" preserve="1">
+<p:sldLayout xmlns:a="http://schemas.openxmlformats.org/drawingml/2006/main" xmlns:r="http://schemas.openxmlformats.org/officeDocument/2006/relationships" xmlns:p="http://schemas.openxmlformats.org/presentationml/2006/main" type="objTx" preserve="1">
   <p:cSld name="Tartalomrész képaláírással">
     <p:spTree>
       <p:nvGrpSpPr>
@@ -2354,205 +4685,145 @@
       </p:grpSpPr>
       <p:sp>
         <p:nvSpPr>
-          <p:cNvPr id="8" name="Rectangle 7"/>
-          <p:cNvSpPr/>
-          <p:nvPr/>
+          <p:cNvPr id="2" name="Title 1"/>
+          <p:cNvSpPr>
+            <a:spLocks noGrp="1"/>
+          </p:cNvSpPr>
+          <p:nvPr>
+            <p:ph type="title"/>
+          </p:nvPr>
         </p:nvSpPr>
         <p:spPr>
           <a:xfrm>
-            <a:off x="16" y="0"/>
-            <a:ext cx="4050791" cy="6858000"/>
+            <a:off x="1154953" y="1447800"/>
+            <a:ext cx="3401064" cy="1447800"/>
           </a:xfrm>
-          <a:prstGeom prst="rect">
-            <a:avLst/>
-          </a:prstGeom>
-          <a:solidFill>
-            <a:schemeClr val="accent4">
-              <a:lumMod val="75000"/>
-            </a:schemeClr>
-          </a:solidFill>
-          <a:ln>
-            <a:noFill/>
-          </a:ln>
         </p:spPr>
-        <p:style>
-          <a:lnRef idx="2">
-            <a:schemeClr val="accent1">
-              <a:shade val="50000"/>
-            </a:schemeClr>
-          </a:lnRef>
-          <a:fillRef idx="1">
-            <a:schemeClr val="accent1"/>
-          </a:fillRef>
-          <a:effectRef idx="0">
-            <a:schemeClr val="accent1"/>
-          </a:effectRef>
-          <a:fontRef idx="minor">
-            <a:schemeClr val="lt1"/>
-          </a:fontRef>
-        </p:style>
-      </p:sp>
-      <p:sp>
-        <p:nvSpPr>
-          <p:cNvPr id="9" name="Rectangle 8"/>
-          <p:cNvSpPr/>
-          <p:nvPr/>
+        <p:txBody>
+          <a:bodyPr anchor="b"/>
+          <a:lstStyle>
+            <a:lvl1pPr algn="l">
+              <a:defRPr sz="2400" b="0"/>
+            </a:lvl1pPr>
+          </a:lstStyle>
+          <a:p>
+            <a:r>
+              <a:rPr lang="hu-HU"/>
+              <a:t>Mintacím szerkesztése</a:t>
+            </a:r>
+            <a:endParaRPr lang="en-US" dirty="0"/>
+          </a:p>
+        </p:txBody>
+      </p:sp>
+      <p:sp>
+        <p:nvSpPr>
+          <p:cNvPr id="3" name="Content Placeholder 2"/>
+          <p:cNvSpPr>
+            <a:spLocks noGrp="1"/>
+          </p:cNvSpPr>
+          <p:nvPr>
+            <p:ph idx="1"/>
+          </p:nvPr>
         </p:nvSpPr>
         <p:spPr>
           <a:xfrm>
-            <a:off x="4040071" y="0"/>
-            <a:ext cx="64008" cy="6858000"/>
-          </a:xfrm>
-          <a:prstGeom prst="rect">
-            <a:avLst/>
-          </a:prstGeom>
-          <a:solidFill>
-            <a:schemeClr val="accent4"/>
-          </a:solidFill>
-          <a:ln>
-            <a:noFill/>
-          </a:ln>
-        </p:spPr>
-        <p:style>
-          <a:lnRef idx="2">
-            <a:schemeClr val="accent1">
-              <a:shade val="50000"/>
-            </a:schemeClr>
-          </a:lnRef>
-          <a:fillRef idx="1">
-            <a:schemeClr val="accent1"/>
-          </a:fillRef>
-          <a:effectRef idx="0">
-            <a:schemeClr val="accent1"/>
-          </a:effectRef>
-          <a:fontRef idx="minor">
-            <a:schemeClr val="lt1"/>
-          </a:fontRef>
-        </p:style>
-      </p:sp>
-      <p:sp>
-        <p:nvSpPr>
-          <p:cNvPr id="2" name="Title 1"/>
-          <p:cNvSpPr>
-            <a:spLocks noGrp="1"/>
-          </p:cNvSpPr>
-          <p:nvPr>
-            <p:ph type="title"/>
-          </p:nvPr>
-        </p:nvSpPr>
-        <p:spPr>
-          <a:xfrm>
-            <a:off x="457200" y="594359"/>
-            <a:ext cx="3200400" cy="2286000"/>
+            <a:off x="4784616" y="1447800"/>
+            <a:ext cx="5195997" cy="4572000"/>
           </a:xfrm>
         </p:spPr>
         <p:txBody>
-          <a:bodyPr anchor="b">
+          <a:bodyPr anchor="ctr">
             <a:normAutofit/>
           </a:bodyPr>
           <a:lstStyle>
             <a:lvl1pPr>
-              <a:defRPr sz="3600" b="0">
-                <a:solidFill>
-                  <a:srgbClr val="FFFFFF"/>
-                </a:solidFill>
-              </a:defRPr>
+              <a:defRPr sz="2000"/>
             </a:lvl1pPr>
+            <a:lvl2pPr>
+              <a:defRPr sz="1800"/>
+            </a:lvl2pPr>
+            <a:lvl3pPr>
+              <a:defRPr sz="1600"/>
+            </a:lvl3pPr>
+            <a:lvl4pPr>
+              <a:defRPr sz="1400"/>
+            </a:lvl4pPr>
+            <a:lvl5pPr>
+              <a:defRPr sz="1400"/>
+            </a:lvl5pPr>
+            <a:lvl6pPr>
+              <a:defRPr sz="1400"/>
+            </a:lvl6pPr>
+            <a:lvl7pPr>
+              <a:defRPr sz="1400"/>
+            </a:lvl7pPr>
+            <a:lvl8pPr>
+              <a:defRPr sz="1400"/>
+            </a:lvl8pPr>
+            <a:lvl9pPr>
+              <a:defRPr sz="1400"/>
+            </a:lvl9pPr>
           </a:lstStyle>
           <a:p>
-            <a:r>
-              <a:rPr lang="hu-HU"/>
-              <a:t>Mintacím szerkesztése</a:t>
-            </a:r>
-            <a:endParaRPr lang="en-US" dirty="0"/>
-          </a:p>
-        </p:txBody>
-      </p:sp>
-      <p:sp>
-        <p:nvSpPr>
-          <p:cNvPr id="3" name="Content Placeholder 2"/>
-          <p:cNvSpPr>
-            <a:spLocks noGrp="1"/>
-          </p:cNvSpPr>
-          <p:nvPr>
-            <p:ph idx="1"/>
+            <a:pPr lvl="0"/>
+            <a:r>
+              <a:rPr lang="hu-HU"/>
+              <a:t>Mintaszöveg szerkesztése</a:t>
+            </a:r>
+          </a:p>
+          <a:p>
+            <a:pPr lvl="1"/>
+            <a:r>
+              <a:rPr lang="hu-HU"/>
+              <a:t>Második szint</a:t>
+            </a:r>
+          </a:p>
+          <a:p>
+            <a:pPr lvl="2"/>
+            <a:r>
+              <a:rPr lang="hu-HU"/>
+              <a:t>Harmadik szint</a:t>
+            </a:r>
+          </a:p>
+          <a:p>
+            <a:pPr lvl="3"/>
+            <a:r>
+              <a:rPr lang="hu-HU"/>
+              <a:t>Negyedik szint</a:t>
+            </a:r>
+          </a:p>
+          <a:p>
+            <a:pPr lvl="4"/>
+            <a:r>
+              <a:rPr lang="hu-HU"/>
+              <a:t>Ötödik szint</a:t>
+            </a:r>
+            <a:endParaRPr lang="en-US" dirty="0"/>
+          </a:p>
+        </p:txBody>
+      </p:sp>
+      <p:sp>
+        <p:nvSpPr>
+          <p:cNvPr id="4" name="Text Placeholder 3"/>
+          <p:cNvSpPr>
+            <a:spLocks noGrp="1"/>
+          </p:cNvSpPr>
+          <p:nvPr>
+            <p:ph type="body" sz="half" idx="2"/>
           </p:nvPr>
         </p:nvSpPr>
         <p:spPr>
           <a:xfrm>
-            <a:off x="4800600" y="731520"/>
-            <a:ext cx="6492240" cy="5257800"/>
+            <a:off x="1154953" y="3129280"/>
+            <a:ext cx="3401063" cy="2895599"/>
           </a:xfrm>
         </p:spPr>
         <p:txBody>
           <a:bodyPr/>
-          <a:lstStyle/>
-          <a:p>
-            <a:pPr lvl="0"/>
-            <a:r>
-              <a:rPr lang="hu-HU"/>
-              <a:t>Mintaszöveg szerkesztése</a:t>
-            </a:r>
-          </a:p>
-          <a:p>
-            <a:pPr lvl="1"/>
-            <a:r>
-              <a:rPr lang="hu-HU"/>
-              <a:t>Második szint</a:t>
-            </a:r>
-          </a:p>
-          <a:p>
-            <a:pPr lvl="2"/>
-            <a:r>
-              <a:rPr lang="hu-HU"/>
-              <a:t>Harmadik szint</a:t>
-            </a:r>
-          </a:p>
-          <a:p>
-            <a:pPr lvl="3"/>
-            <a:r>
-              <a:rPr lang="hu-HU"/>
-              <a:t>Negyedik szint</a:t>
-            </a:r>
-          </a:p>
-          <a:p>
-            <a:pPr lvl="4"/>
-            <a:r>
-              <a:rPr lang="hu-HU"/>
-              <a:t>Ötödik szint</a:t>
-            </a:r>
-            <a:endParaRPr lang="en-US" dirty="0"/>
-          </a:p>
-        </p:txBody>
-      </p:sp>
-      <p:sp>
-        <p:nvSpPr>
-          <p:cNvPr id="4" name="Text Placeholder 3"/>
-          <p:cNvSpPr>
-            <a:spLocks noGrp="1"/>
-          </p:cNvSpPr>
-          <p:nvPr>
-            <p:ph type="body" sz="half" idx="2"/>
-          </p:nvPr>
-        </p:nvSpPr>
-        <p:spPr>
-          <a:xfrm>
-            <a:off x="457200" y="2926080"/>
-            <a:ext cx="3200400" cy="3379124"/>
-          </a:xfrm>
-        </p:spPr>
-        <p:txBody>
-          <a:bodyPr lIns="91440" rIns="91440">
-            <a:normAutofit/>
-          </a:bodyPr>
           <a:lstStyle>
             <a:lvl1pPr marL="0" indent="0">
               <a:buNone/>
-              <a:defRPr sz="1500">
-                <a:solidFill>
-                  <a:srgbClr val="FFFFFF"/>
-                </a:solidFill>
-              </a:defRPr>
+              <a:defRPr sz="1400"/>
             </a:lvl1pPr>
             <a:lvl2pPr marL="457200" indent="0">
               <a:buNone/>
@@ -2598,7 +4869,7 @@
       </p:sp>
       <p:sp>
         <p:nvSpPr>
-          <p:cNvPr id="5" name="Date Placeholder 4"/>
+          <p:cNvPr id="7" name="Date Placeholder 4"/>
           <p:cNvSpPr>
             <a:spLocks noGrp="1"/>
           </p:cNvSpPr>
@@ -2606,23 +4877,14 @@
             <p:ph type="dt" sz="half" idx="10"/>
           </p:nvPr>
         </p:nvSpPr>
-        <p:spPr>
-          <a:xfrm>
-            <a:off x="465512" y="6459785"/>
-            <a:ext cx="2618510" cy="365125"/>
-          </a:xfrm>
-        </p:spPr>
+        <p:spPr/>
         <p:txBody>
           <a:bodyPr/>
-          <a:lstStyle>
-            <a:lvl1pPr algn="l">
-              <a:defRPr/>
-            </a:lvl1pPr>
-          </a:lstStyle>
+          <a:lstStyle/>
           <a:p>
             <a:fld id="{42A54C80-263E-416B-A8E0-580EDEADCBDC}" type="datetimeFigureOut">
               <a:rPr lang="en-US" smtClean="0"/>
-              <a:t>9/8/2022</a:t>
+              <a:t>9/13/2022</a:t>
             </a:fld>
             <a:endParaRPr lang="en-US" dirty="0"/>
           </a:p>
@@ -2630,7 +4892,7 @@
       </p:sp>
       <p:sp>
         <p:nvSpPr>
-          <p:cNvPr id="6" name="Footer Placeholder 5"/>
+          <p:cNvPr id="5" name="Footer Placeholder 5"/>
           <p:cNvSpPr>
             <a:spLocks noGrp="1"/>
           </p:cNvSpPr>
@@ -2638,31 +4900,18 @@
             <p:ph type="ftr" sz="quarter" idx="11"/>
           </p:nvPr>
         </p:nvSpPr>
-        <p:spPr>
-          <a:xfrm>
-            <a:off x="4800600" y="6459785"/>
-            <a:ext cx="4648200" cy="365125"/>
-          </a:xfrm>
-        </p:spPr>
+        <p:spPr/>
         <p:txBody>
           <a:bodyPr/>
-          <a:lstStyle>
-            <a:lvl1pPr algn="l">
-              <a:defRPr>
-                <a:solidFill>
-                  <a:schemeClr val="tx2"/>
-                </a:solidFill>
-              </a:defRPr>
-            </a:lvl1pPr>
-          </a:lstStyle>
-          <a:p>
-            <a:endParaRPr lang="en-US" dirty="0"/>
-          </a:p>
-        </p:txBody>
-      </p:sp>
-      <p:sp>
-        <p:nvSpPr>
-          <p:cNvPr id="7" name="Slide Number Placeholder 6"/>
+          <a:lstStyle/>
+          <a:p>
+            <a:endParaRPr lang="en-US" dirty="0"/>
+          </a:p>
+        </p:txBody>
+      </p:sp>
+      <p:sp>
+        <p:nvSpPr>
+          <p:cNvPr id="6" name="Slide Number Placeholder 6"/>
           <p:cNvSpPr>
             <a:spLocks noGrp="1"/>
           </p:cNvSpPr>
@@ -2673,15 +4922,7 @@
         <p:spPr/>
         <p:txBody>
           <a:bodyPr/>
-          <a:lstStyle>
-            <a:lvl1pPr>
-              <a:defRPr>
-                <a:solidFill>
-                  <a:schemeClr val="tx2"/>
-                </a:solidFill>
-              </a:defRPr>
-            </a:lvl1pPr>
-          </a:lstStyle>
+          <a:lstStyle/>
           <a:p>
             <a:fld id="{519954A3-9DFD-4C44-94BA-B95130A3BA1C}" type="slidenum">
               <a:rPr lang="en-US" smtClean="0"/>
@@ -2694,7 +4935,7 @@
     </p:spTree>
     <p:extLst>
       <p:ext uri="{BB962C8B-B14F-4D97-AF65-F5344CB8AC3E}">
-        <p14:creationId xmlns:p14="http://schemas.microsoft.com/office/powerpoint/2010/main" val="728058488"/>
+        <p14:creationId xmlns:p14="http://schemas.microsoft.com/office/powerpoint/2010/main" val="3968719826"/>
       </p:ext>
     </p:extLst>
   </p:cSld>
@@ -2705,7 +4946,7 @@
 </file>
 
 <file path=ppt/slideLayouts/slideLayout9.xml><?xml version="1.0" encoding="utf-8"?>
-<p:sldLayout xmlns:a="http://schemas.openxmlformats.org/drawingml/2006/main" xmlns:r="http://schemas.openxmlformats.org/officeDocument/2006/relationships" xmlns:p="http://schemas.openxmlformats.org/presentationml/2006/main" showMasterSp="0" type="picTx" preserve="1">
+<p:sldLayout xmlns:a="http://schemas.openxmlformats.org/drawingml/2006/main" xmlns:r="http://schemas.openxmlformats.org/officeDocument/2006/relationships" xmlns:p="http://schemas.openxmlformats.org/presentationml/2006/main" type="picTx" preserve="1">
   <p:cSld name="Kép képaláírással">
     <p:spTree>
       <p:nvGrpSpPr>
@@ -2723,224 +4964,141 @@
       </p:grpSpPr>
       <p:sp>
         <p:nvSpPr>
-          <p:cNvPr id="8" name="Rectangle 7"/>
-          <p:cNvSpPr/>
-          <p:nvPr/>
+          <p:cNvPr id="2" name="Title 1"/>
+          <p:cNvSpPr>
+            <a:spLocks noGrp="1"/>
+          </p:cNvSpPr>
+          <p:nvPr>
+            <p:ph type="title"/>
+          </p:nvPr>
         </p:nvSpPr>
         <p:spPr>
           <a:xfrm>
-            <a:off x="0" y="4953000"/>
-            <a:ext cx="12188825" cy="1905000"/>
+            <a:off x="1153907" y="1854192"/>
+            <a:ext cx="5092906" cy="1574808"/>
           </a:xfrm>
-          <a:prstGeom prst="rect">
-            <a:avLst/>
-          </a:prstGeom>
-          <a:solidFill>
-            <a:schemeClr val="accent4">
-              <a:lumMod val="75000"/>
-            </a:schemeClr>
-          </a:solidFill>
-          <a:ln>
-            <a:noFill/>
-          </a:ln>
         </p:spPr>
-        <p:style>
-          <a:lnRef idx="2">
-            <a:schemeClr val="accent1">
-              <a:shade val="50000"/>
-            </a:schemeClr>
-          </a:lnRef>
-          <a:fillRef idx="1">
-            <a:schemeClr val="accent1"/>
-          </a:fillRef>
-          <a:effectRef idx="0">
-            <a:schemeClr val="accent1"/>
-          </a:effectRef>
-          <a:fontRef idx="minor">
-            <a:schemeClr val="lt1"/>
-          </a:fontRef>
-        </p:style>
-      </p:sp>
-      <p:sp>
-        <p:nvSpPr>
-          <p:cNvPr id="9" name="Rectangle 8"/>
-          <p:cNvSpPr/>
-          <p:nvPr/>
+        <p:txBody>
+          <a:bodyPr anchor="b">
+            <a:normAutofit/>
+          </a:bodyPr>
+          <a:lstStyle>
+            <a:lvl1pPr algn="l">
+              <a:defRPr sz="3600" b="0"/>
+            </a:lvl1pPr>
+          </a:lstStyle>
+          <a:p>
+            <a:r>
+              <a:rPr lang="hu-HU"/>
+              <a:t>Mintacím szerkesztése</a:t>
+            </a:r>
+            <a:endParaRPr lang="en-US" dirty="0"/>
+          </a:p>
+        </p:txBody>
+      </p:sp>
+      <p:sp>
+        <p:nvSpPr>
+          <p:cNvPr id="3" name="Picture Placeholder 2"/>
+          <p:cNvSpPr>
+            <a:spLocks noGrp="1" noChangeAspect="1"/>
+          </p:cNvSpPr>
+          <p:nvPr>
+            <p:ph type="pic" idx="1"/>
+          </p:nvPr>
         </p:nvSpPr>
         <p:spPr>
           <a:xfrm>
-            <a:off x="15" y="4915076"/>
-            <a:ext cx="12188825" cy="64008"/>
+            <a:off x="6949546" y="1143000"/>
+            <a:ext cx="3200400" cy="4572000"/>
           </a:xfrm>
-          <a:prstGeom prst="rect">
-            <a:avLst/>
+          <a:prstGeom prst="roundRect">
+            <a:avLst>
+              <a:gd name="adj" fmla="val 1858"/>
+            </a:avLst>
           </a:prstGeom>
-          <a:solidFill>
-            <a:schemeClr val="accent4"/>
-          </a:solidFill>
-          <a:ln>
-            <a:noFill/>
-          </a:ln>
+          <a:effectLst>
+            <a:outerShdw blurRad="50800" dist="50800" dir="5400000" algn="tl" rotWithShape="0">
+              <a:srgbClr val="000000">
+                <a:alpha val="43000"/>
+              </a:srgbClr>
+            </a:outerShdw>
+          </a:effectLst>
         </p:spPr>
-        <p:style>
-          <a:lnRef idx="2">
-            <a:schemeClr val="accent1">
-              <a:shade val="50000"/>
-            </a:schemeClr>
-          </a:lnRef>
-          <a:fillRef idx="1">
-            <a:schemeClr val="accent1"/>
-          </a:fillRef>
-          <a:effectRef idx="0">
-            <a:schemeClr val="accent1"/>
-          </a:effectRef>
-          <a:fontRef idx="minor">
-            <a:schemeClr val="lt1"/>
-          </a:fontRef>
-        </p:style>
-      </p:sp>
-      <p:sp>
-        <p:nvSpPr>
-          <p:cNvPr id="2" name="Title 1"/>
-          <p:cNvSpPr>
-            <a:spLocks noGrp="1"/>
-          </p:cNvSpPr>
-          <p:nvPr>
-            <p:ph type="title"/>
+        <p:txBody>
+          <a:bodyPr anchor="t">
+            <a:normAutofit/>
+          </a:bodyPr>
+          <a:lstStyle>
+            <a:lvl1pPr marL="0" indent="0" algn="ctr">
+              <a:buNone/>
+              <a:defRPr sz="1600"/>
+            </a:lvl1pPr>
+            <a:lvl2pPr marL="457200" indent="0">
+              <a:buNone/>
+              <a:defRPr sz="1600"/>
+            </a:lvl2pPr>
+            <a:lvl3pPr marL="914400" indent="0">
+              <a:buNone/>
+              <a:defRPr sz="1600"/>
+            </a:lvl3pPr>
+            <a:lvl4pPr marL="1371600" indent="0">
+              <a:buNone/>
+              <a:defRPr sz="1600"/>
+            </a:lvl4pPr>
+            <a:lvl5pPr marL="1828800" indent="0">
+              <a:buNone/>
+              <a:defRPr sz="1600"/>
+            </a:lvl5pPr>
+            <a:lvl6pPr marL="2286000" indent="0">
+              <a:buNone/>
+              <a:defRPr sz="1600"/>
+            </a:lvl6pPr>
+            <a:lvl7pPr marL="2743200" indent="0">
+              <a:buNone/>
+              <a:defRPr sz="1600"/>
+            </a:lvl7pPr>
+            <a:lvl8pPr marL="3200400" indent="0">
+              <a:buNone/>
+              <a:defRPr sz="1600"/>
+            </a:lvl8pPr>
+            <a:lvl9pPr marL="3657600" indent="0">
+              <a:buNone/>
+              <a:defRPr sz="1600"/>
+            </a:lvl9pPr>
+          </a:lstStyle>
+          <a:p>
+            <a:r>
+              <a:rPr lang="hu-HU"/>
+              <a:t>Kép beszúrásához kattintson az ikonra</a:t>
+            </a:r>
+            <a:endParaRPr lang="en-US" dirty="0"/>
+          </a:p>
+        </p:txBody>
+      </p:sp>
+      <p:sp>
+        <p:nvSpPr>
+          <p:cNvPr id="4" name="Text Placeholder 3"/>
+          <p:cNvSpPr>
+            <a:spLocks noGrp="1"/>
+          </p:cNvSpPr>
+          <p:nvPr>
+            <p:ph type="body" sz="half" idx="2"/>
           </p:nvPr>
         </p:nvSpPr>
         <p:spPr>
           <a:xfrm>
-            <a:off x="1097280" y="5074920"/>
-            <a:ext cx="10113645" cy="822960"/>
+            <a:off x="1154954" y="3657600"/>
+            <a:ext cx="5084979" cy="1371600"/>
           </a:xfrm>
         </p:spPr>
         <p:txBody>
-          <a:bodyPr lIns="91440" tIns="0" rIns="91440" bIns="0" anchor="b">
-            <a:noAutofit/>
-          </a:bodyPr>
-          <a:lstStyle>
-            <a:lvl1pPr>
-              <a:defRPr sz="3600" b="0">
-                <a:solidFill>
-                  <a:srgbClr val="FFFFFF"/>
-                </a:solidFill>
-              </a:defRPr>
-            </a:lvl1pPr>
-          </a:lstStyle>
-          <a:p>
-            <a:r>
-              <a:rPr lang="hu-HU"/>
-              <a:t>Mintacím szerkesztése</a:t>
-            </a:r>
-            <a:endParaRPr lang="en-US" dirty="0"/>
-          </a:p>
-        </p:txBody>
-      </p:sp>
-      <p:sp>
-        <p:nvSpPr>
-          <p:cNvPr id="3" name="Picture Placeholder 2"/>
-          <p:cNvSpPr>
-            <a:spLocks noGrp="1" noChangeAspect="1"/>
-          </p:cNvSpPr>
-          <p:nvPr>
-            <p:ph type="pic" idx="1"/>
-          </p:nvPr>
-        </p:nvSpPr>
-        <p:spPr>
-          <a:xfrm>
-            <a:off x="15" y="0"/>
-            <a:ext cx="12191985" cy="4915076"/>
-          </a:xfrm>
-          <a:solidFill>
-            <a:schemeClr val="bg2">
-              <a:lumMod val="90000"/>
-            </a:schemeClr>
-          </a:solidFill>
-        </p:spPr>
-        <p:txBody>
-          <a:bodyPr lIns="457200" tIns="457200" anchor="t"/>
-          <a:lstStyle>
-            <a:lvl1pPr marL="0" indent="0">
-              <a:buNone/>
-              <a:defRPr sz="3200"/>
-            </a:lvl1pPr>
-            <a:lvl2pPr marL="457200" indent="0">
-              <a:buNone/>
-              <a:defRPr sz="2800"/>
-            </a:lvl2pPr>
-            <a:lvl3pPr marL="914400" indent="0">
-              <a:buNone/>
-              <a:defRPr sz="2400"/>
-            </a:lvl3pPr>
-            <a:lvl4pPr marL="1371600" indent="0">
-              <a:buNone/>
-              <a:defRPr sz="2000"/>
-            </a:lvl4pPr>
-            <a:lvl5pPr marL="1828800" indent="0">
-              <a:buNone/>
-              <a:defRPr sz="2000"/>
-            </a:lvl5pPr>
-            <a:lvl6pPr marL="2286000" indent="0">
-              <a:buNone/>
-              <a:defRPr sz="2000"/>
-            </a:lvl6pPr>
-            <a:lvl7pPr marL="2743200" indent="0">
-              <a:buNone/>
-              <a:defRPr sz="2000"/>
-            </a:lvl7pPr>
-            <a:lvl8pPr marL="3200400" indent="0">
-              <a:buNone/>
-              <a:defRPr sz="2000"/>
-            </a:lvl8pPr>
-            <a:lvl9pPr marL="3657600" indent="0">
-              <a:buNone/>
-              <a:defRPr sz="2000"/>
-            </a:lvl9pPr>
-          </a:lstStyle>
-          <a:p>
-            <a:r>
-              <a:rPr lang="hu-HU"/>
-              <a:t>Kép beszúrásához kattintson az ikonra</a:t>
-            </a:r>
-            <a:endParaRPr lang="en-US" dirty="0"/>
-          </a:p>
-        </p:txBody>
-      </p:sp>
-      <p:sp>
-        <p:nvSpPr>
-          <p:cNvPr id="4" name="Text Placeholder 3"/>
-          <p:cNvSpPr>
-            <a:spLocks noGrp="1"/>
-          </p:cNvSpPr>
-          <p:nvPr>
-            <p:ph type="body" sz="half" idx="2"/>
-          </p:nvPr>
-        </p:nvSpPr>
-        <p:spPr>
-          <a:xfrm>
-            <a:off x="1097280" y="5907024"/>
-            <a:ext cx="10113264" cy="594360"/>
-          </a:xfrm>
-        </p:spPr>
-        <p:txBody>
-          <a:bodyPr lIns="91440" tIns="0" rIns="91440" bIns="0">
+          <a:bodyPr>
             <a:normAutofit/>
           </a:bodyPr>
           <a:lstStyle>
             <a:lvl1pPr marL="0" indent="0">
-              <a:spcBef>
-                <a:spcPts val="0"/>
-              </a:spcBef>
-              <a:spcAft>
-                <a:spcPts val="600"/>
-              </a:spcAft>
-              <a:buNone/>
-              <a:defRPr sz="1500">
-                <a:solidFill>
-                  <a:srgbClr val="FFFFFF"/>
-                </a:solidFill>
-              </a:defRPr>
+              <a:buNone/>
+              <a:defRPr sz="1400"/>
             </a:lvl1pPr>
             <a:lvl2pPr marL="457200" indent="0">
               <a:buNone/>
@@ -3002,7 +5160,7 @@
             <a:fld id="{B61BEF0D-F0BB-DE4B-95CE-6DB70DBA9567}" type="datetimeFigureOut">
               <a:rPr lang="en-US" smtClean="0"/>
               <a:pPr/>
-              <a:t>9/8/2022</a:t>
+              <a:t>9/13/2022</a:t>
             </a:fld>
             <a:endParaRPr lang="en-US" dirty="0"/>
           </a:p>
@@ -3054,7 +5212,7 @@
     </p:spTree>
     <p:extLst>
       <p:ext uri="{BB962C8B-B14F-4D97-AF65-F5344CB8AC3E}">
-        <p14:creationId xmlns:p14="http://schemas.microsoft.com/office/powerpoint/2010/main" val="1197848553"/>
+        <p14:creationId xmlns:p14="http://schemas.microsoft.com/office/powerpoint/2010/main" val="1997488565"/>
       </p:ext>
     </p:extLst>
   </p:cSld>
@@ -3068,7 +5226,7 @@
 <p:sldMaster xmlns:a="http://schemas.openxmlformats.org/drawingml/2006/main" xmlns:r="http://schemas.openxmlformats.org/officeDocument/2006/relationships" xmlns:p="http://schemas.openxmlformats.org/presentationml/2006/main">
   <p:cSld>
     <p:bg>
-      <p:bgRef idx="1001">
+      <p:bgRef idx="1003">
         <a:schemeClr val="bg2"/>
       </p:bgRef>
     </p:bg>
@@ -3086,39 +5244,214 @@
           <a:chExt cx="0" cy="0"/>
         </a:xfrm>
       </p:grpSpPr>
-      <p:sp>
-        <p:nvSpPr>
-          <p:cNvPr id="7" name="Rectangle 6"/>
+      <p:pic>
+        <p:nvPicPr>
+          <p:cNvPr id="8" name="Picture 7"/>
+          <p:cNvPicPr>
+            <a:picLocks noChangeAspect="1"/>
+          </p:cNvPicPr>
+          <p:nvPr/>
+        </p:nvPicPr>
+        <p:blipFill rotWithShape="1">
+          <a:blip r:embed="rId19">
+            <a:extLst>
+              <a:ext uri="{28A0092B-C50C-407E-A947-70E740481C1C}">
+                <a14:useLocalDpi xmlns:a14="http://schemas.microsoft.com/office/drawing/2010/main" val="0"/>
+              </a:ext>
+            </a:extLst>
+          </a:blip>
+          <a:srcRect l="3613"/>
+          <a:stretch/>
+        </p:blipFill>
+        <p:spPr>
+          <a:xfrm>
+            <a:off x="0" y="2669685"/>
+            <a:ext cx="4037012" cy="4188315"/>
+          </a:xfrm>
+          <a:prstGeom prst="rect">
+            <a:avLst/>
+          </a:prstGeom>
+        </p:spPr>
+      </p:pic>
+      <p:pic>
+        <p:nvPicPr>
+          <p:cNvPr id="7" name="Picture 6"/>
+          <p:cNvPicPr>
+            <a:picLocks noChangeAspect="1"/>
+          </p:cNvPicPr>
+          <p:nvPr/>
+        </p:nvPicPr>
+        <p:blipFill rotWithShape="1">
+          <a:blip r:embed="rId20">
+            <a:extLst>
+              <a:ext uri="{28A0092B-C50C-407E-A947-70E740481C1C}">
+                <a14:useLocalDpi xmlns:a14="http://schemas.microsoft.com/office/drawing/2010/main" val="0"/>
+              </a:ext>
+            </a:extLst>
+          </a:blip>
+          <a:srcRect l="35640"/>
+          <a:stretch/>
+        </p:blipFill>
+        <p:spPr>
+          <a:xfrm>
+            <a:off x="0" y="2892347"/>
+            <a:ext cx="1522412" cy="2365453"/>
+          </a:xfrm>
+          <a:prstGeom prst="rect">
+            <a:avLst/>
+          </a:prstGeom>
+        </p:spPr>
+      </p:pic>
+      <p:sp>
+        <p:nvSpPr>
+          <p:cNvPr id="16" name="Oval 15"/>
           <p:cNvSpPr/>
           <p:nvPr/>
         </p:nvSpPr>
         <p:spPr>
           <a:xfrm>
-            <a:off x="1" y="6400800"/>
-            <a:ext cx="12192000" cy="457200"/>
+            <a:off x="8609012" y="1676400"/>
+            <a:ext cx="2819400" cy="2819400"/>
+          </a:xfrm>
+          <a:prstGeom prst="ellipse">
+            <a:avLst/>
+          </a:prstGeom>
+          <a:gradFill flip="none" rotWithShape="1">
+            <a:gsLst>
+              <a:gs pos="0">
+                <a:schemeClr val="bg2">
+                  <a:lumMod val="60000"/>
+                  <a:lumOff val="40000"/>
+                  <a:alpha val="7000"/>
+                </a:schemeClr>
+              </a:gs>
+              <a:gs pos="69000">
+                <a:schemeClr val="bg2">
+                  <a:lumMod val="60000"/>
+                  <a:lumOff val="40000"/>
+                  <a:alpha val="0"/>
+                </a:schemeClr>
+              </a:gs>
+              <a:gs pos="36000">
+                <a:schemeClr val="bg2">
+                  <a:lumMod val="60000"/>
+                  <a:lumOff val="40000"/>
+                  <a:alpha val="6000"/>
+                </a:schemeClr>
+              </a:gs>
+            </a:gsLst>
+            <a:path path="circle">
+              <a:fillToRect l="50000" t="50000" r="50000" b="50000"/>
+            </a:path>
+            <a:tileRect/>
+          </a:gradFill>
+          <a:ln>
+            <a:noFill/>
+          </a:ln>
+          <a:effectLst/>
+        </p:spPr>
+        <p:style>
+          <a:lnRef idx="1">
+            <a:schemeClr val="accent1"/>
+          </a:lnRef>
+          <a:fillRef idx="3">
+            <a:schemeClr val="accent1"/>
+          </a:fillRef>
+          <a:effectRef idx="2">
+            <a:schemeClr val="accent1"/>
+          </a:effectRef>
+          <a:fontRef idx="minor">
+            <a:schemeClr val="lt1"/>
+          </a:fontRef>
+        </p:style>
+      </p:sp>
+      <p:pic>
+        <p:nvPicPr>
+          <p:cNvPr id="9" name="Picture 8"/>
+          <p:cNvPicPr>
+            <a:picLocks noChangeAspect="1"/>
+          </p:cNvPicPr>
+          <p:nvPr/>
+        </p:nvPicPr>
+        <p:blipFill rotWithShape="1">
+          <a:blip r:embed="rId21">
+            <a:extLst>
+              <a:ext uri="{28A0092B-C50C-407E-A947-70E740481C1C}">
+                <a14:useLocalDpi xmlns:a14="http://schemas.microsoft.com/office/drawing/2010/main" val="0"/>
+              </a:ext>
+            </a:extLst>
+          </a:blip>
+          <a:srcRect t="28813"/>
+          <a:stretch/>
+        </p:blipFill>
+        <p:spPr>
+          <a:xfrm>
+            <a:off x="7999412" y="0"/>
+            <a:ext cx="1603387" cy="1141407"/>
+          </a:xfrm>
+          <a:prstGeom prst="rect">
+            <a:avLst/>
+          </a:prstGeom>
+        </p:spPr>
+      </p:pic>
+      <p:pic>
+        <p:nvPicPr>
+          <p:cNvPr id="10" name="Picture 9"/>
+          <p:cNvPicPr>
+            <a:picLocks noChangeAspect="1"/>
+          </p:cNvPicPr>
+          <p:nvPr/>
+        </p:nvPicPr>
+        <p:blipFill rotWithShape="1">
+          <a:blip r:embed="rId22">
+            <a:extLst>
+              <a:ext uri="{28A0092B-C50C-407E-A947-70E740481C1C}">
+                <a14:useLocalDpi xmlns:a14="http://schemas.microsoft.com/office/drawing/2010/main" val="0"/>
+              </a:ext>
+            </a:extLst>
+          </a:blip>
+          <a:srcRect b="23320"/>
+          <a:stretch/>
+        </p:blipFill>
+        <p:spPr>
+          <a:xfrm>
+            <a:off x="8605878" y="6096000"/>
+            <a:ext cx="993734" cy="762000"/>
+          </a:xfrm>
+          <a:prstGeom prst="rect">
+            <a:avLst/>
+          </a:prstGeom>
+        </p:spPr>
+      </p:pic>
+      <p:sp>
+        <p:nvSpPr>
+          <p:cNvPr id="14" name="Rectangle 13"/>
+          <p:cNvSpPr/>
+          <p:nvPr/>
+        </p:nvSpPr>
+        <p:spPr>
+          <a:xfrm>
+            <a:off x="10437812" y="0"/>
+            <a:ext cx="685800" cy="1143000"/>
           </a:xfrm>
           <a:prstGeom prst="rect">
             <a:avLst/>
           </a:prstGeom>
           <a:solidFill>
-            <a:schemeClr val="accent4">
-              <a:lumMod val="75000"/>
-            </a:schemeClr>
+            <a:schemeClr val="accent1"/>
           </a:solidFill>
           <a:ln>
             <a:noFill/>
           </a:ln>
         </p:spPr>
         <p:style>
-          <a:lnRef idx="2">
-            <a:schemeClr val="accent1">
-              <a:shade val="50000"/>
-            </a:schemeClr>
+          <a:lnRef idx="1">
+            <a:schemeClr val="accent1"/>
           </a:lnRef>
-          <a:fillRef idx="1">
+          <a:fillRef idx="3">
             <a:schemeClr val="accent1"/>
           </a:fillRef>
-          <a:effectRef idx="0">
+          <a:effectRef idx="2">
             <a:schemeClr val="accent1"/>
           </a:effectRef>
           <a:fontRef idx="minor">
@@ -3128,64 +5461,26 @@
       </p:sp>
       <p:sp>
         <p:nvSpPr>
-          <p:cNvPr id="9" name="Rectangle 8"/>
-          <p:cNvSpPr/>
-          <p:nvPr/>
+          <p:cNvPr id="2" name="Title Placeholder 1"/>
+          <p:cNvSpPr>
+            <a:spLocks noGrp="1"/>
+          </p:cNvSpPr>
+          <p:nvPr>
+            <p:ph type="title"/>
+          </p:nvPr>
         </p:nvSpPr>
         <p:spPr>
           <a:xfrm>
-            <a:off x="15" y="6334316"/>
-            <a:ext cx="12191985" cy="66484"/>
-          </a:xfrm>
-          <a:prstGeom prst="rect">
-            <a:avLst/>
-          </a:prstGeom>
-          <a:solidFill>
-            <a:schemeClr val="accent4"/>
-          </a:solidFill>
-          <a:ln>
-            <a:noFill/>
-          </a:ln>
-        </p:spPr>
-        <p:style>
-          <a:lnRef idx="2">
-            <a:schemeClr val="accent1">
-              <a:shade val="50000"/>
-            </a:schemeClr>
-          </a:lnRef>
-          <a:fillRef idx="1">
-            <a:schemeClr val="accent1"/>
-          </a:fillRef>
-          <a:effectRef idx="0">
-            <a:schemeClr val="accent1"/>
-          </a:effectRef>
-          <a:fontRef idx="minor">
-            <a:schemeClr val="lt1"/>
-          </a:fontRef>
-        </p:style>
-      </p:sp>
-      <p:sp>
-        <p:nvSpPr>
-          <p:cNvPr id="2" name="Title Placeholder 1"/>
-          <p:cNvSpPr>
-            <a:spLocks noGrp="1"/>
-          </p:cNvSpPr>
-          <p:nvPr>
-            <p:ph type="title"/>
-          </p:nvPr>
-        </p:nvSpPr>
-        <p:spPr>
-          <a:xfrm>
-            <a:off x="1097280" y="286603"/>
-            <a:ext cx="10058400" cy="1450757"/>
+            <a:off x="646111" y="452718"/>
+            <a:ext cx="9404723" cy="1400530"/>
           </a:xfrm>
           <a:prstGeom prst="rect">
             <a:avLst/>
           </a:prstGeom>
         </p:spPr>
         <p:txBody>
-          <a:bodyPr vert="horz" lIns="91440" tIns="45720" rIns="91440" bIns="45720" rtlCol="0" anchor="b">
-            <a:normAutofit/>
+          <a:bodyPr vert="horz" lIns="91440" tIns="45720" rIns="91440" bIns="45720" rtlCol="0" anchor="t">
+            <a:noAutofit/>
           </a:bodyPr>
           <a:lstStyle/>
           <a:p>
@@ -3209,15 +5504,15 @@
         </p:nvSpPr>
         <p:spPr>
           <a:xfrm>
-            <a:off x="1097280" y="1845734"/>
-            <a:ext cx="10058400" cy="4023360"/>
+            <a:off x="1103312" y="2052918"/>
+            <a:ext cx="8946541" cy="4195481"/>
           </a:xfrm>
           <a:prstGeom prst="rect">
             <a:avLst/>
           </a:prstGeom>
         </p:spPr>
         <p:txBody>
-          <a:bodyPr vert="horz" lIns="0" tIns="45720" rIns="0" bIns="45720" rtlCol="0">
+          <a:bodyPr vert="horz" lIns="91440" tIns="45720" rIns="91440" bIns="45720" rtlCol="0">
             <a:normAutofit/>
           </a:bodyPr>
           <a:lstStyle/>
@@ -3270,21 +5565,24 @@
           </p:nvPr>
         </p:nvSpPr>
         <p:spPr>
-          <a:xfrm>
-            <a:off x="1097280" y="6459785"/>
-            <a:ext cx="2472271" cy="365125"/>
+          <a:xfrm rot="5400000">
+            <a:off x="10155639" y="1790701"/>
+            <a:ext cx="990599" cy="304799"/>
           </a:xfrm>
           <a:prstGeom prst="rect">
             <a:avLst/>
           </a:prstGeom>
         </p:spPr>
         <p:txBody>
-          <a:bodyPr vert="horz" lIns="91440" tIns="45720" rIns="91440" bIns="45720" rtlCol="0" anchor="ctr"/>
+          <a:bodyPr vert="horz" lIns="91440" tIns="45720" rIns="91440" bIns="45720" rtlCol="0" anchor="t"/>
           <a:lstStyle>
             <a:lvl1pPr algn="l">
-              <a:defRPr sz="900">
+              <a:defRPr sz="1100" b="0" i="0">
                 <a:solidFill>
-                  <a:srgbClr val="FFFFFF"/>
+                  <a:schemeClr val="tx1">
+                    <a:tint val="75000"/>
+                    <a:alpha val="60000"/>
+                  </a:schemeClr>
                 </a:solidFill>
               </a:defRPr>
             </a:lvl1pPr>
@@ -3293,7 +5591,7 @@
             <a:fld id="{B61BEF0D-F0BB-DE4B-95CE-6DB70DBA9567}" type="datetimeFigureOut">
               <a:rPr lang="en-US" smtClean="0"/>
               <a:pPr/>
-              <a:t>9/8/2022</a:t>
+              <a:t>9/13/2022</a:t>
             </a:fld>
             <a:endParaRPr lang="en-US" dirty="0"/>
           </a:p>
@@ -3310,21 +5608,24 @@
           </p:nvPr>
         </p:nvSpPr>
         <p:spPr>
-          <a:xfrm>
-            <a:off x="3686185" y="6459785"/>
-            <a:ext cx="4822804" cy="365125"/>
+          <a:xfrm rot="5400000">
+            <a:off x="8951573" y="3225297"/>
+            <a:ext cx="3859795" cy="304801"/>
           </a:xfrm>
           <a:prstGeom prst="rect">
             <a:avLst/>
           </a:prstGeom>
         </p:spPr>
         <p:txBody>
-          <a:bodyPr vert="horz" lIns="91440" tIns="45720" rIns="91440" bIns="45720" rtlCol="0" anchor="ctr"/>
+          <a:bodyPr vert="horz" lIns="91440" tIns="45720" rIns="91440" bIns="45720" rtlCol="0" anchor="b"/>
           <a:lstStyle>
-            <a:lvl1pPr algn="ctr">
-              <a:defRPr sz="900" cap="all" baseline="0">
+            <a:lvl1pPr algn="l">
+              <a:defRPr sz="1100" b="0" i="0">
                 <a:solidFill>
-                  <a:srgbClr val="FFFFFF"/>
+                  <a:schemeClr val="tx1">
+                    <a:tint val="75000"/>
+                    <a:alpha val="60000"/>
+                  </a:schemeClr>
                 </a:solidFill>
               </a:defRPr>
             </a:lvl1pPr>
@@ -3344,22 +5645,24 @@
             <p:ph type="sldNum" sz="quarter" idx="4"/>
           </p:nvPr>
         </p:nvSpPr>
-        <p:spPr>
+        <p:spPr bwMode="gray">
           <a:xfrm>
-            <a:off x="9900458" y="6459785"/>
-            <a:ext cx="1312025" cy="365125"/>
+            <a:off x="10352540" y="295729"/>
+            <a:ext cx="838199" cy="767687"/>
           </a:xfrm>
           <a:prstGeom prst="rect">
             <a:avLst/>
           </a:prstGeom>
         </p:spPr>
         <p:txBody>
-          <a:bodyPr vert="horz" lIns="91440" tIns="45720" rIns="91440" bIns="45720" rtlCol="0" anchor="ctr"/>
+          <a:bodyPr vert="horz" lIns="91440" tIns="45720" rIns="91440" bIns="45720" rtlCol="0" anchor="b"/>
           <a:lstStyle>
-            <a:lvl1pPr algn="r">
-              <a:defRPr sz="1050">
+            <a:lvl1pPr algn="ctr">
+              <a:defRPr sz="2800" b="0" i="0">
                 <a:solidFill>
-                  <a:srgbClr val="FFFFFF"/>
+                  <a:schemeClr val="tx1">
+                    <a:tint val="75000"/>
+                  </a:schemeClr>
                 </a:solidFill>
               </a:defRPr>
             </a:lvl1pPr>
@@ -3374,331 +5677,330 @@
           </a:p>
         </p:txBody>
       </p:sp>
-      <p:cxnSp>
-        <p:nvCxnSpPr>
-          <p:cNvPr id="10" name="Straight Connector 9"/>
-          <p:cNvCxnSpPr/>
-          <p:nvPr/>
-        </p:nvCxnSpPr>
-        <p:spPr>
-          <a:xfrm>
-            <a:off x="1193532" y="1737845"/>
-            <a:ext cx="9966960" cy="0"/>
-          </a:xfrm>
-          <a:prstGeom prst="line">
-            <a:avLst/>
-          </a:prstGeom>
-          <a:ln w="6350">
-            <a:solidFill>
-              <a:schemeClr val="tx1">
-                <a:lumMod val="50000"/>
-                <a:lumOff val="50000"/>
-              </a:schemeClr>
-            </a:solidFill>
-          </a:ln>
-        </p:spPr>
-        <p:style>
-          <a:lnRef idx="1">
-            <a:schemeClr val="accent1"/>
-          </a:lnRef>
-          <a:fillRef idx="0">
-            <a:schemeClr val="accent1"/>
-          </a:fillRef>
-          <a:effectRef idx="0">
-            <a:schemeClr val="accent1"/>
-          </a:effectRef>
-          <a:fontRef idx="minor">
-            <a:schemeClr val="tx1"/>
-          </a:fontRef>
-        </p:style>
-      </p:cxnSp>
     </p:spTree>
     <p:extLst>
       <p:ext uri="{BB962C8B-B14F-4D97-AF65-F5344CB8AC3E}">
-        <p14:creationId xmlns:p14="http://schemas.microsoft.com/office/powerpoint/2010/main" val="1170320846"/>
+        <p14:creationId xmlns:p14="http://schemas.microsoft.com/office/powerpoint/2010/main" val="2217034654"/>
       </p:ext>
     </p:extLst>
   </p:cSld>
-  <p:clrMap bg1="lt1" tx1="dk1" bg2="lt2" tx2="dk2" accent1="accent1" accent2="accent2" accent3="accent3" accent4="accent4" accent5="accent5" accent6="accent6" hlink="hlink" folHlink="folHlink"/>
+  <p:clrMap bg1="dk1" tx1="lt1" bg2="dk2" tx2="lt2" accent1="accent1" accent2="accent2" accent3="accent3" accent4="accent4" accent5="accent5" accent6="accent6" hlink="hlink" folHlink="folHlink"/>
   <p:sldLayoutIdLst>
-    <p:sldLayoutId id="2147483718" r:id="rId1"/>
-    <p:sldLayoutId id="2147483719" r:id="rId2"/>
-    <p:sldLayoutId id="2147483720" r:id="rId3"/>
-    <p:sldLayoutId id="2147483721" r:id="rId4"/>
-    <p:sldLayoutId id="2147483722" r:id="rId5"/>
-    <p:sldLayoutId id="2147483723" r:id="rId6"/>
-    <p:sldLayoutId id="2147483724" r:id="rId7"/>
-    <p:sldLayoutId id="2147483725" r:id="rId8"/>
-    <p:sldLayoutId id="2147483726" r:id="rId9"/>
-    <p:sldLayoutId id="2147483727" r:id="rId10"/>
-    <p:sldLayoutId id="2147483728" r:id="rId11"/>
+    <p:sldLayoutId id="2147483795" r:id="rId1"/>
+    <p:sldLayoutId id="2147483796" r:id="rId2"/>
+    <p:sldLayoutId id="2147483797" r:id="rId3"/>
+    <p:sldLayoutId id="2147483798" r:id="rId4"/>
+    <p:sldLayoutId id="2147483799" r:id="rId5"/>
+    <p:sldLayoutId id="2147483800" r:id="rId6"/>
+    <p:sldLayoutId id="2147483801" r:id="rId7"/>
+    <p:sldLayoutId id="2147483802" r:id="rId8"/>
+    <p:sldLayoutId id="2147483803" r:id="rId9"/>
+    <p:sldLayoutId id="2147483804" r:id="rId10"/>
+    <p:sldLayoutId id="2147483805" r:id="rId11"/>
+    <p:sldLayoutId id="2147483806" r:id="rId12"/>
+    <p:sldLayoutId id="2147483807" r:id="rId13"/>
+    <p:sldLayoutId id="2147483808" r:id="rId14"/>
+    <p:sldLayoutId id="2147483809" r:id="rId15"/>
+    <p:sldLayoutId id="2147483810" r:id="rId16"/>
+    <p:sldLayoutId id="2147483811" r:id="rId17"/>
   </p:sldLayoutIdLst>
   <p:txStyles>
     <p:titleStyle>
-      <a:lvl1pPr algn="l" defTabSz="914400" rtl="0" eaLnBrk="1" latinLnBrk="0" hangingPunct="1">
-        <a:lnSpc>
-          <a:spcPct val="85000"/>
-        </a:lnSpc>
+      <a:lvl1pPr algn="l" defTabSz="457200" rtl="0" eaLnBrk="1" latinLnBrk="0" hangingPunct="1">
         <a:spcBef>
           <a:spcPct val="0"/>
         </a:spcBef>
         <a:buNone/>
-        <a:defRPr sz="4800" kern="1200" spc="-50" baseline="0">
+        <a:defRPr sz="4200" b="0" i="0" kern="1200">
           <a:solidFill>
-            <a:schemeClr val="tx1">
-              <a:lumMod val="75000"/>
-              <a:lumOff val="25000"/>
-            </a:schemeClr>
+            <a:schemeClr val="tx2"/>
           </a:solidFill>
           <a:latin typeface="+mj-lt"/>
           <a:ea typeface="+mj-ea"/>
           <a:cs typeface="+mj-cs"/>
         </a:defRPr>
       </a:lvl1pPr>
+      <a:lvl2pPr eaLnBrk="1" hangingPunct="1">
+        <a:defRPr>
+          <a:solidFill>
+            <a:schemeClr val="tx2"/>
+          </a:solidFill>
+        </a:defRPr>
+      </a:lvl2pPr>
+      <a:lvl3pPr eaLnBrk="1" hangingPunct="1">
+        <a:defRPr>
+          <a:solidFill>
+            <a:schemeClr val="tx2"/>
+          </a:solidFill>
+        </a:defRPr>
+      </a:lvl3pPr>
+      <a:lvl4pPr eaLnBrk="1" hangingPunct="1">
+        <a:defRPr>
+          <a:solidFill>
+            <a:schemeClr val="tx2"/>
+          </a:solidFill>
+        </a:defRPr>
+      </a:lvl4pPr>
+      <a:lvl5pPr eaLnBrk="1" hangingPunct="1">
+        <a:defRPr>
+          <a:solidFill>
+            <a:schemeClr val="tx2"/>
+          </a:solidFill>
+        </a:defRPr>
+      </a:lvl5pPr>
+      <a:lvl6pPr eaLnBrk="1" hangingPunct="1">
+        <a:defRPr>
+          <a:solidFill>
+            <a:schemeClr val="tx2"/>
+          </a:solidFill>
+        </a:defRPr>
+      </a:lvl6pPr>
+      <a:lvl7pPr eaLnBrk="1" hangingPunct="1">
+        <a:defRPr>
+          <a:solidFill>
+            <a:schemeClr val="tx2"/>
+          </a:solidFill>
+        </a:defRPr>
+      </a:lvl7pPr>
+      <a:lvl8pPr eaLnBrk="1" hangingPunct="1">
+        <a:defRPr>
+          <a:solidFill>
+            <a:schemeClr val="tx2"/>
+          </a:solidFill>
+        </a:defRPr>
+      </a:lvl8pPr>
+      <a:lvl9pPr eaLnBrk="1" hangingPunct="1">
+        <a:defRPr>
+          <a:solidFill>
+            <a:schemeClr val="tx2"/>
+          </a:solidFill>
+        </a:defRPr>
+      </a:lvl9pPr>
     </p:titleStyle>
     <p:bodyStyle>
-      <a:lvl1pPr marL="91440" indent="-91440" algn="l" defTabSz="914400" rtl="0" eaLnBrk="1" latinLnBrk="0" hangingPunct="1">
-        <a:lnSpc>
-          <a:spcPct val="90000"/>
-        </a:lnSpc>
+      <a:lvl1pPr marL="342900" indent="-342900" algn="l" defTabSz="457200" rtl="0" eaLnBrk="1" latinLnBrk="0" hangingPunct="1">
         <a:spcBef>
-          <a:spcPts val="1200"/>
+          <a:spcPts val="1000"/>
         </a:spcBef>
         <a:spcAft>
-          <a:spcPts val="200"/>
+          <a:spcPts val="0"/>
         </a:spcAft>
         <a:buClr>
-          <a:schemeClr val="accent1"/>
+          <a:schemeClr val="bg2">
+            <a:lumMod val="40000"/>
+            <a:lumOff val="60000"/>
+          </a:schemeClr>
         </a:buClr>
-        <a:buSzPct val="100000"/>
-        <a:buFont typeface="Calibri" panose="020F0502020204030204" pitchFamily="34" charset="0"/>
-        <a:buChar char=" "/>
-        <a:defRPr sz="2000" kern="1200">
+        <a:buSzPct val="80000"/>
+        <a:buFont typeface="Wingdings 3" charset="2"/>
+        <a:buChar char=""/>
+        <a:defRPr sz="2000" b="0" i="0" kern="1200">
           <a:solidFill>
-            <a:schemeClr val="tx1">
-              <a:lumMod val="75000"/>
-              <a:lumOff val="25000"/>
-            </a:schemeClr>
+            <a:schemeClr val="tx1"/>
           </a:solidFill>
-          <a:latin typeface="+mn-lt"/>
-          <a:ea typeface="+mn-ea"/>
-          <a:cs typeface="+mn-cs"/>
+          <a:latin typeface="+mj-lt"/>
+          <a:ea typeface="+mj-ea"/>
+          <a:cs typeface="+mj-cs"/>
         </a:defRPr>
       </a:lvl1pPr>
-      <a:lvl2pPr marL="384048" indent="-182880" algn="l" defTabSz="914400" rtl="0" eaLnBrk="1" latinLnBrk="0" hangingPunct="1">
-        <a:lnSpc>
-          <a:spcPct val="90000"/>
-        </a:lnSpc>
+      <a:lvl2pPr marL="742950" indent="-285750" algn="l" defTabSz="457200" rtl="0" eaLnBrk="1" latinLnBrk="0" hangingPunct="1">
         <a:spcBef>
-          <a:spcPts val="200"/>
+          <a:spcPts val="1000"/>
         </a:spcBef>
         <a:spcAft>
-          <a:spcPts val="400"/>
+          <a:spcPts val="0"/>
         </a:spcAft>
         <a:buClr>
-          <a:schemeClr val="accent1"/>
+          <a:schemeClr val="bg2">
+            <a:lumMod val="40000"/>
+            <a:lumOff val="60000"/>
+          </a:schemeClr>
         </a:buClr>
-        <a:buFont typeface="Calibri" pitchFamily="34" charset="0"/>
-        <a:buChar char="◦"/>
-        <a:defRPr sz="1800" kern="1200">
+        <a:buSzPct val="80000"/>
+        <a:buFont typeface="Wingdings 3" charset="2"/>
+        <a:buChar char=""/>
+        <a:defRPr sz="1800" b="0" i="0" kern="1200">
           <a:solidFill>
-            <a:schemeClr val="tx1">
-              <a:lumMod val="75000"/>
-              <a:lumOff val="25000"/>
-            </a:schemeClr>
+            <a:schemeClr val="tx1"/>
           </a:solidFill>
-          <a:latin typeface="+mn-lt"/>
-          <a:ea typeface="+mn-ea"/>
-          <a:cs typeface="+mn-cs"/>
+          <a:latin typeface="+mj-lt"/>
+          <a:ea typeface="+mj-ea"/>
+          <a:cs typeface="+mj-cs"/>
         </a:defRPr>
       </a:lvl2pPr>
-      <a:lvl3pPr marL="566928" indent="-182880" algn="l" defTabSz="914400" rtl="0" eaLnBrk="1" latinLnBrk="0" hangingPunct="1">
-        <a:lnSpc>
-          <a:spcPct val="90000"/>
-        </a:lnSpc>
+      <a:lvl3pPr marL="1143000" indent="-228600" algn="l" defTabSz="457200" rtl="0" eaLnBrk="1" latinLnBrk="0" hangingPunct="1">
         <a:spcBef>
-          <a:spcPts val="200"/>
+          <a:spcPts val="1000"/>
         </a:spcBef>
         <a:spcAft>
-          <a:spcPts val="400"/>
+          <a:spcPts val="0"/>
         </a:spcAft>
         <a:buClr>
-          <a:schemeClr val="accent1"/>
+          <a:schemeClr val="bg2">
+            <a:lumMod val="40000"/>
+            <a:lumOff val="60000"/>
+          </a:schemeClr>
         </a:buClr>
-        <a:buFont typeface="Calibri" pitchFamily="34" charset="0"/>
-        <a:buChar char="◦"/>
-        <a:defRPr sz="1400" kern="1200">
+        <a:buSzPct val="80000"/>
+        <a:buFont typeface="Wingdings 3" charset="2"/>
+        <a:buChar char=""/>
+        <a:defRPr sz="1600" b="0" i="0" kern="1200">
           <a:solidFill>
-            <a:schemeClr val="tx1">
-              <a:lumMod val="75000"/>
-              <a:lumOff val="25000"/>
-            </a:schemeClr>
+            <a:schemeClr val="tx1"/>
           </a:solidFill>
-          <a:latin typeface="+mn-lt"/>
-          <a:ea typeface="+mn-ea"/>
-          <a:cs typeface="+mn-cs"/>
+          <a:latin typeface="+mj-lt"/>
+          <a:ea typeface="+mj-ea"/>
+          <a:cs typeface="+mj-cs"/>
         </a:defRPr>
       </a:lvl3pPr>
-      <a:lvl4pPr marL="749808" indent="-182880" algn="l" defTabSz="914400" rtl="0" eaLnBrk="1" latinLnBrk="0" hangingPunct="1">
-        <a:lnSpc>
-          <a:spcPct val="90000"/>
-        </a:lnSpc>
+      <a:lvl4pPr marL="1600200" indent="-228600" algn="l" defTabSz="457200" rtl="0" eaLnBrk="1" latinLnBrk="0" hangingPunct="1">
         <a:spcBef>
-          <a:spcPts val="200"/>
+          <a:spcPts val="1000"/>
         </a:spcBef>
         <a:spcAft>
-          <a:spcPts val="400"/>
+          <a:spcPts val="0"/>
         </a:spcAft>
         <a:buClr>
-          <a:schemeClr val="accent1"/>
+          <a:schemeClr val="bg2">
+            <a:lumMod val="40000"/>
+            <a:lumOff val="60000"/>
+          </a:schemeClr>
         </a:buClr>
-        <a:buFont typeface="Calibri" pitchFamily="34" charset="0"/>
-        <a:buChar char="◦"/>
-        <a:defRPr sz="1400" kern="1200">
+        <a:buSzPct val="80000"/>
+        <a:buFont typeface="Wingdings 3" charset="2"/>
+        <a:buChar char=""/>
+        <a:defRPr sz="1400" b="0" i="0" kern="1200">
           <a:solidFill>
-            <a:schemeClr val="tx1">
-              <a:lumMod val="75000"/>
-              <a:lumOff val="25000"/>
-            </a:schemeClr>
+            <a:schemeClr val="tx1"/>
           </a:solidFill>
-          <a:latin typeface="+mn-lt"/>
-          <a:ea typeface="+mn-ea"/>
-          <a:cs typeface="+mn-cs"/>
+          <a:latin typeface="+mj-lt"/>
+          <a:ea typeface="+mj-ea"/>
+          <a:cs typeface="+mj-cs"/>
         </a:defRPr>
       </a:lvl4pPr>
-      <a:lvl5pPr marL="932688" indent="-182880" algn="l" defTabSz="914400" rtl="0" eaLnBrk="1" latinLnBrk="0" hangingPunct="1">
-        <a:lnSpc>
-          <a:spcPct val="90000"/>
-        </a:lnSpc>
+      <a:lvl5pPr marL="2057400" indent="-228600" algn="l" defTabSz="457200" rtl="0" eaLnBrk="1" latinLnBrk="0" hangingPunct="1">
         <a:spcBef>
-          <a:spcPts val="200"/>
+          <a:spcPts val="1000"/>
         </a:spcBef>
         <a:spcAft>
-          <a:spcPts val="400"/>
+          <a:spcPts val="0"/>
         </a:spcAft>
         <a:buClr>
-          <a:schemeClr val="accent1"/>
+          <a:schemeClr val="bg2">
+            <a:lumMod val="40000"/>
+            <a:lumOff val="60000"/>
+          </a:schemeClr>
         </a:buClr>
-        <a:buFont typeface="Calibri" pitchFamily="34" charset="0"/>
-        <a:buChar char="◦"/>
-        <a:defRPr sz="1400" kern="1200">
+        <a:buSzPct val="80000"/>
+        <a:buFont typeface="Wingdings 3" charset="2"/>
+        <a:buChar char=""/>
+        <a:defRPr sz="1400" b="0" i="0" kern="1200">
           <a:solidFill>
-            <a:schemeClr val="tx1">
-              <a:lumMod val="75000"/>
-              <a:lumOff val="25000"/>
-            </a:schemeClr>
+            <a:schemeClr val="tx1"/>
           </a:solidFill>
-          <a:latin typeface="+mn-lt"/>
-          <a:ea typeface="+mn-ea"/>
-          <a:cs typeface="+mn-cs"/>
+          <a:latin typeface="+mj-lt"/>
+          <a:ea typeface="+mj-ea"/>
+          <a:cs typeface="+mj-cs"/>
         </a:defRPr>
       </a:lvl5pPr>
-      <a:lvl6pPr marL="1100000" indent="-228600" algn="l" defTabSz="914400" rtl="0" eaLnBrk="1" latinLnBrk="0" hangingPunct="1">
-        <a:lnSpc>
-          <a:spcPct val="90000"/>
-        </a:lnSpc>
+      <a:lvl6pPr marL="2506000" indent="-228600" algn="l" defTabSz="457200" rtl="0" eaLnBrk="1" latinLnBrk="0" hangingPunct="1">
         <a:spcBef>
-          <a:spcPts val="200"/>
+          <a:spcPts val="1000"/>
         </a:spcBef>
         <a:spcAft>
-          <a:spcPts val="400"/>
+          <a:spcPts val="0"/>
         </a:spcAft>
         <a:buClr>
-          <a:schemeClr val="accent1"/>
+          <a:schemeClr val="bg2">
+            <a:lumMod val="40000"/>
+            <a:lumOff val="60000"/>
+          </a:schemeClr>
         </a:buClr>
-        <a:buFont typeface="Calibri" pitchFamily="34" charset="0"/>
-        <a:buChar char="◦"/>
-        <a:defRPr sz="1400" kern="1200">
+        <a:buSzPct val="80000"/>
+        <a:buFont typeface="Wingdings 3" charset="2"/>
+        <a:buChar char=""/>
+        <a:defRPr sz="1400" b="0" i="0" kern="1200">
           <a:solidFill>
-            <a:schemeClr val="tx1">
-              <a:lumMod val="75000"/>
-              <a:lumOff val="25000"/>
-            </a:schemeClr>
+            <a:schemeClr val="tx1"/>
           </a:solidFill>
-          <a:latin typeface="+mn-lt"/>
-          <a:ea typeface="+mn-ea"/>
-          <a:cs typeface="+mn-cs"/>
+          <a:latin typeface="+mj-lt"/>
+          <a:ea typeface="+mj-ea"/>
+          <a:cs typeface="+mj-cs"/>
         </a:defRPr>
       </a:lvl6pPr>
-      <a:lvl7pPr marL="1300000" indent="-228600" algn="l" defTabSz="914400" rtl="0" eaLnBrk="1" latinLnBrk="0" hangingPunct="1">
-        <a:lnSpc>
-          <a:spcPct val="90000"/>
-        </a:lnSpc>
+      <a:lvl7pPr marL="2971800" indent="-228600" algn="l" defTabSz="457200" rtl="0" eaLnBrk="1" latinLnBrk="0" hangingPunct="1">
         <a:spcBef>
-          <a:spcPts val="200"/>
+          <a:spcPts val="1000"/>
         </a:spcBef>
         <a:spcAft>
-          <a:spcPts val="400"/>
+          <a:spcPts val="0"/>
         </a:spcAft>
         <a:buClr>
-          <a:schemeClr val="accent1"/>
+          <a:schemeClr val="bg2">
+            <a:lumMod val="40000"/>
+            <a:lumOff val="60000"/>
+          </a:schemeClr>
         </a:buClr>
-        <a:buFont typeface="Calibri" pitchFamily="34" charset="0"/>
-        <a:buChar char="◦"/>
-        <a:defRPr sz="1400" kern="1200">
+        <a:buSzPct val="80000"/>
+        <a:buFont typeface="Wingdings 3" charset="2"/>
+        <a:buChar char=""/>
+        <a:defRPr sz="1400" b="0" i="0" kern="1200">
           <a:solidFill>
-            <a:schemeClr val="tx1">
-              <a:lumMod val="75000"/>
-              <a:lumOff val="25000"/>
-            </a:schemeClr>
+            <a:schemeClr val="tx1"/>
           </a:solidFill>
-          <a:latin typeface="+mn-lt"/>
-          <a:ea typeface="+mn-ea"/>
-          <a:cs typeface="+mn-cs"/>
+          <a:latin typeface="+mj-lt"/>
+          <a:ea typeface="+mj-ea"/>
+          <a:cs typeface="+mj-cs"/>
         </a:defRPr>
       </a:lvl7pPr>
-      <a:lvl8pPr marL="1500000" indent="-228600" algn="l" defTabSz="914400" rtl="0" eaLnBrk="1" latinLnBrk="0" hangingPunct="1">
-        <a:lnSpc>
-          <a:spcPct val="90000"/>
-        </a:lnSpc>
+      <a:lvl8pPr marL="3429000" indent="-228600" algn="l" defTabSz="457200" rtl="0" eaLnBrk="1" latinLnBrk="0" hangingPunct="1">
         <a:spcBef>
-          <a:spcPts val="200"/>
+          <a:spcPts val="1000"/>
         </a:spcBef>
         <a:spcAft>
-          <a:spcPts val="400"/>
+          <a:spcPts val="0"/>
         </a:spcAft>
         <a:buClr>
-          <a:schemeClr val="accent1"/>
+          <a:schemeClr val="bg2">
+            <a:lumMod val="40000"/>
+            <a:lumOff val="60000"/>
+          </a:schemeClr>
         </a:buClr>
-        <a:buFont typeface="Calibri" pitchFamily="34" charset="0"/>
-        <a:buChar char="◦"/>
-        <a:defRPr sz="1400" kern="1200">
+        <a:buSzPct val="80000"/>
+        <a:buFont typeface="Wingdings 3" charset="2"/>
+        <a:buChar char=""/>
+        <a:defRPr sz="1400" b="0" i="0" kern="1200">
           <a:solidFill>
-            <a:schemeClr val="tx1">
-              <a:lumMod val="75000"/>
-              <a:lumOff val="25000"/>
-            </a:schemeClr>
+            <a:schemeClr val="tx1"/>
           </a:solidFill>
-          <a:latin typeface="+mn-lt"/>
-          <a:ea typeface="+mn-ea"/>
-          <a:cs typeface="+mn-cs"/>
+          <a:latin typeface="+mj-lt"/>
+          <a:ea typeface="+mj-ea"/>
+          <a:cs typeface="+mj-cs"/>
         </a:defRPr>
       </a:lvl8pPr>
-      <a:lvl9pPr marL="1700000" indent="-228600" algn="l" defTabSz="914400" rtl="0" eaLnBrk="1" latinLnBrk="0" hangingPunct="1">
-        <a:lnSpc>
-          <a:spcPct val="90000"/>
-        </a:lnSpc>
+      <a:lvl9pPr marL="3886200" indent="-228600" algn="l" defTabSz="457200" rtl="0" eaLnBrk="1" latinLnBrk="0" hangingPunct="1">
         <a:spcBef>
-          <a:spcPts val="200"/>
+          <a:spcPts val="1000"/>
         </a:spcBef>
         <a:spcAft>
-          <a:spcPts val="400"/>
+          <a:spcPts val="0"/>
         </a:spcAft>
         <a:buClr>
-          <a:schemeClr val="accent1"/>
+          <a:schemeClr val="bg2">
+            <a:lumMod val="40000"/>
+            <a:lumOff val="60000"/>
+          </a:schemeClr>
         </a:buClr>
-        <a:buFont typeface="Calibri" pitchFamily="34" charset="0"/>
-        <a:buChar char="◦"/>
-        <a:defRPr sz="1400" kern="1200">
+        <a:buSzPct val="80000"/>
+        <a:buFont typeface="Wingdings 3" charset="2"/>
+        <a:buChar char=""/>
+        <a:defRPr sz="1400" b="0" i="0" kern="1200">
           <a:solidFill>
-            <a:schemeClr val="tx1">
-              <a:lumMod val="75000"/>
-              <a:lumOff val="25000"/>
-            </a:schemeClr>
+            <a:schemeClr val="tx1"/>
           </a:solidFill>
-          <a:latin typeface="+mn-lt"/>
-          <a:ea typeface="+mn-ea"/>
-          <a:cs typeface="+mn-cs"/>
+          <a:latin typeface="+mj-lt"/>
+          <a:ea typeface="+mj-ea"/>
+          <a:cs typeface="+mj-cs"/>
         </a:defRPr>
       </a:lvl9pPr>
     </p:bodyStyle>
@@ -3706,7 +6008,7 @@
       <a:defPPr>
         <a:defRPr lang="en-US"/>
       </a:defPPr>
-      <a:lvl1pPr marL="0" algn="l" defTabSz="914400" rtl="0" eaLnBrk="1" latinLnBrk="0" hangingPunct="1">
+      <a:lvl1pPr marL="0" algn="l" defTabSz="457200" rtl="0" eaLnBrk="1" latinLnBrk="0" hangingPunct="1">
         <a:defRPr sz="1800" kern="1200">
           <a:solidFill>
             <a:schemeClr val="tx1"/>
@@ -3716,7 +6018,7 @@
           <a:cs typeface="+mn-cs"/>
         </a:defRPr>
       </a:lvl1pPr>
-      <a:lvl2pPr marL="457200" algn="l" defTabSz="914400" rtl="0" eaLnBrk="1" latinLnBrk="0" hangingPunct="1">
+      <a:lvl2pPr marL="457200" algn="l" defTabSz="457200" rtl="0" eaLnBrk="1" latinLnBrk="0" hangingPunct="1">
         <a:defRPr sz="1800" kern="1200">
           <a:solidFill>
             <a:schemeClr val="tx1"/>
@@ -3726,7 +6028,7 @@
           <a:cs typeface="+mn-cs"/>
         </a:defRPr>
       </a:lvl2pPr>
-      <a:lvl3pPr marL="914400" algn="l" defTabSz="914400" rtl="0" eaLnBrk="1" latinLnBrk="0" hangingPunct="1">
+      <a:lvl3pPr marL="914400" algn="l" defTabSz="457200" rtl="0" eaLnBrk="1" latinLnBrk="0" hangingPunct="1">
         <a:defRPr sz="1800" kern="1200">
           <a:solidFill>
             <a:schemeClr val="tx1"/>
@@ -3736,7 +6038,7 @@
           <a:cs typeface="+mn-cs"/>
         </a:defRPr>
       </a:lvl3pPr>
-      <a:lvl4pPr marL="1371600" algn="l" defTabSz="914400" rtl="0" eaLnBrk="1" latinLnBrk="0" hangingPunct="1">
+      <a:lvl4pPr marL="1371600" algn="l" defTabSz="457200" rtl="0" eaLnBrk="1" latinLnBrk="0" hangingPunct="1">
         <a:defRPr sz="1800" kern="1200">
           <a:solidFill>
             <a:schemeClr val="tx1"/>
@@ -3746,7 +6048,7 @@
           <a:cs typeface="+mn-cs"/>
         </a:defRPr>
       </a:lvl4pPr>
-      <a:lvl5pPr marL="1828800" algn="l" defTabSz="914400" rtl="0" eaLnBrk="1" latinLnBrk="0" hangingPunct="1">
+      <a:lvl5pPr marL="1828800" algn="l" defTabSz="457200" rtl="0" eaLnBrk="1" latinLnBrk="0" hangingPunct="1">
         <a:defRPr sz="1800" kern="1200">
           <a:solidFill>
             <a:schemeClr val="tx1"/>
@@ -3756,7 +6058,7 @@
           <a:cs typeface="+mn-cs"/>
         </a:defRPr>
       </a:lvl5pPr>
-      <a:lvl6pPr marL="2286000" algn="l" defTabSz="914400" rtl="0" eaLnBrk="1" latinLnBrk="0" hangingPunct="1">
+      <a:lvl6pPr marL="2286000" algn="l" defTabSz="457200" rtl="0" eaLnBrk="1" latinLnBrk="0" hangingPunct="1">
         <a:defRPr sz="1800" kern="1200">
           <a:solidFill>
             <a:schemeClr val="tx1"/>
@@ -3766,7 +6068,7 @@
           <a:cs typeface="+mn-cs"/>
         </a:defRPr>
       </a:lvl6pPr>
-      <a:lvl7pPr marL="2743200" algn="l" defTabSz="914400" rtl="0" eaLnBrk="1" latinLnBrk="0" hangingPunct="1">
+      <a:lvl7pPr marL="2743200" algn="l" defTabSz="457200" rtl="0" eaLnBrk="1" latinLnBrk="0" hangingPunct="1">
         <a:defRPr sz="1800" kern="1200">
           <a:solidFill>
             <a:schemeClr val="tx1"/>
@@ -3776,7 +6078,7 @@
           <a:cs typeface="+mn-cs"/>
         </a:defRPr>
       </a:lvl7pPr>
-      <a:lvl8pPr marL="3200400" algn="l" defTabSz="914400" rtl="0" eaLnBrk="1" latinLnBrk="0" hangingPunct="1">
+      <a:lvl8pPr marL="3200400" algn="l" defTabSz="457200" rtl="0" eaLnBrk="1" latinLnBrk="0" hangingPunct="1">
         <a:defRPr sz="1800" kern="1200">
           <a:solidFill>
             <a:schemeClr val="tx1"/>
@@ -3786,7 +6088,7 @@
           <a:cs typeface="+mn-cs"/>
         </a:defRPr>
       </a:lvl8pPr>
-      <a:lvl9pPr marL="3657600" algn="l" defTabSz="914400" rtl="0" eaLnBrk="1" latinLnBrk="0" hangingPunct="1">
+      <a:lvl9pPr marL="3657600" algn="l" defTabSz="457200" rtl="0" eaLnBrk="1" latinLnBrk="0" hangingPunct="1">
         <a:defRPr sz="1800" kern="1200">
           <a:solidFill>
             <a:schemeClr val="tx1"/>
@@ -3842,7 +6144,12 @@
             <p:ph type="ctrTitle"/>
           </p:nvPr>
         </p:nvSpPr>
-        <p:spPr/>
+        <p:spPr>
+          <a:xfrm>
+            <a:off x="1255623" y="2281880"/>
+            <a:ext cx="8825658" cy="2294240"/>
+          </a:xfrm>
+        </p:spPr>
         <p:txBody>
           <a:bodyPr/>
           <a:lstStyle/>
@@ -3870,44 +6177,75 @@
             <p:ph type="subTitle" idx="1"/>
           </p:nvPr>
         </p:nvSpPr>
-        <p:spPr/>
+        <p:spPr>
+          <a:xfrm>
+            <a:off x="349612" y="5331053"/>
+            <a:ext cx="8825658" cy="1170414"/>
+          </a:xfrm>
+        </p:spPr>
         <p:txBody>
           <a:bodyPr>
             <a:normAutofit/>
           </a:bodyPr>
           <a:lstStyle/>
           <a:p>
-            <a:r>
-              <a:rPr lang="hu-HU" dirty="0"/>
+            <a:pPr>
+              <a:lnSpc>
+                <a:spcPct val="120000"/>
+              </a:lnSpc>
+              <a:spcAft>
+                <a:spcPts val="600"/>
+              </a:spcAft>
+            </a:pPr>
+            <a:r>
+              <a:rPr lang="hu-HU" sz="1800" dirty="0">
+                <a:latin typeface="Lucida Bright" panose="02040602050505020304" pitchFamily="18" charset="0"/>
+              </a:rPr>
               <a:t>Készítette: Gajdos Csanád-</a:t>
             </a:r>
             <a:r>
-              <a:rPr lang="hu-HU" dirty="0" err="1"/>
-              <a:t>html,css</a:t>
+              <a:rPr lang="hu-HU" sz="1800" dirty="0" err="1">
+                <a:latin typeface="Lucida Bright" panose="02040602050505020304" pitchFamily="18" charset="0"/>
+              </a:rPr>
+              <a:t>html,css,PPT</a:t>
             </a:r>
             <a:br>
-              <a:rPr lang="hu-HU" dirty="0"/>
+              <a:rPr lang="hu-HU" sz="1800" dirty="0">
+                <a:latin typeface="Lucida Bright" panose="02040602050505020304" pitchFamily="18" charset="0"/>
+              </a:rPr>
             </a:br>
             <a:r>
-              <a:rPr lang="hu-HU" dirty="0"/>
+              <a:rPr lang="hu-HU" sz="1800" dirty="0">
+                <a:latin typeface="Lucida Bright" panose="02040602050505020304" pitchFamily="18" charset="0"/>
+              </a:rPr>
               <a:t>Gazdag Zsolt-</a:t>
             </a:r>
             <a:r>
-              <a:rPr lang="hu-HU" dirty="0" err="1"/>
-              <a:t>python</a:t>
+              <a:rPr lang="hu-HU" sz="1800" dirty="0" err="1">
+                <a:latin typeface="Lucida Bright" panose="02040602050505020304" pitchFamily="18" charset="0"/>
+              </a:rPr>
+              <a:t>python,PPT</a:t>
             </a:r>
             <a:br>
-              <a:rPr lang="hu-HU" dirty="0"/>
+              <a:rPr lang="hu-HU" sz="1800" dirty="0">
+                <a:latin typeface="Lucida Bright" panose="02040602050505020304" pitchFamily="18" charset="0"/>
+              </a:rPr>
             </a:br>
             <a:r>
-              <a:rPr lang="hu-HU" dirty="0"/>
+              <a:rPr lang="hu-HU" sz="1800" dirty="0">
+                <a:latin typeface="Lucida Bright" panose="02040602050505020304" pitchFamily="18" charset="0"/>
+              </a:rPr>
               <a:t>Hegedüs Gergő-</a:t>
             </a:r>
             <a:r>
-              <a:rPr lang="hu-HU" dirty="0" err="1"/>
+              <a:rPr lang="hu-HU" sz="1800" dirty="0" err="1">
+                <a:latin typeface="Lucida Bright" panose="02040602050505020304" pitchFamily="18" charset="0"/>
+              </a:rPr>
               <a:t>css,ppt</a:t>
             </a:r>
-            <a:endParaRPr lang="hu-HU" dirty="0"/>
+            <a:endParaRPr lang="hu-HU" sz="1800" dirty="0">
+              <a:latin typeface="Lucida Bright" panose="02040602050505020304" pitchFamily="18" charset="0"/>
+            </a:endParaRPr>
           </a:p>
         </p:txBody>
       </p:sp>
@@ -3921,13 +6259,13 @@
   <p:clrMapOvr>
     <a:masterClrMapping/>
   </p:clrMapOvr>
-  <mc:AlternateContent xmlns:mc="http://schemas.openxmlformats.org/markup-compatibility/2006">
-    <mc:Choice xmlns:p14="http://schemas.microsoft.com/office/powerpoint/2010/main" Requires="p14">
+  <mc:AlternateContent xmlns:mc="http://schemas.openxmlformats.org/markup-compatibility/2006" xmlns:p14="http://schemas.microsoft.com/office/powerpoint/2010/main">
+    <mc:Choice Requires="p14">
       <p:transition spd="med" p14:dur="700">
         <p:fade/>
       </p:transition>
     </mc:Choice>
-    <mc:Fallback>
+    <mc:Fallback xmlns="">
       <p:transition spd="med">
         <p:fade/>
       </p:transition>
@@ -4067,7 +6405,7 @@
           <a:p>
             <a:r>
               <a:rPr lang="hu-HU" dirty="0"/>
-              <a:t> </a:t>
+              <a:t> A munka menete</a:t>
             </a:r>
           </a:p>
         </p:txBody>
@@ -4090,10 +6428,26 @@
         </p:nvSpPr>
         <p:spPr/>
         <p:txBody>
-          <a:bodyPr/>
+          <a:bodyPr>
+            <a:normAutofit/>
+          </a:bodyPr>
           <a:lstStyle/>
           <a:p>
-            <a:endParaRPr lang="hu-HU"/>
+            <a:r>
+              <a:rPr lang="hu-HU" sz="2400" dirty="0"/>
+              <a:t>Hasonlítsuk össze az első elemet a sorozat összes többi mögötte levő elemével.</a:t>
+            </a:r>
+          </a:p>
+          <a:p>
+            <a:r>
+              <a:rPr lang="hu-HU" sz="2400" dirty="0"/>
+              <a:t>Ha valamelyik kisebb nála, </a:t>
+            </a:r>
+            <a:r>
+              <a:rPr lang="hu-HU" sz="2400"/>
+              <a:t>akkor cserélje meg azzal.</a:t>
+            </a:r>
+            <a:endParaRPr lang="hu-HU" sz="2400" dirty="0"/>
           </a:p>
         </p:txBody>
       </p:sp>
@@ -4107,13 +6461,13 @@
   <p:clrMapOvr>
     <a:masterClrMapping/>
   </p:clrMapOvr>
-  <mc:AlternateContent xmlns:mc="http://schemas.openxmlformats.org/markup-compatibility/2006">
-    <mc:Choice xmlns:p14="http://schemas.microsoft.com/office/powerpoint/2010/main" Requires="p14">
+  <mc:AlternateContent xmlns:mc="http://schemas.openxmlformats.org/markup-compatibility/2006" xmlns:p14="http://schemas.microsoft.com/office/powerpoint/2010/main">
+    <mc:Choice Requires="p14">
       <p:transition spd="med" p14:dur="700">
         <p:fade/>
       </p:transition>
     </mc:Choice>
-    <mc:Fallback>
+    <mc:Fallback xmlns="">
       <p:transition spd="med">
         <p:fade/>
       </p:transition>
@@ -4123,9 +6477,9 @@
 </file>
 
 <file path=ppt/theme/theme1.xml><?xml version="1.0" encoding="utf-8"?>
-<a:theme xmlns:a="http://schemas.openxmlformats.org/drawingml/2006/main" name="Retrospektív">
+<a:theme xmlns:a="http://schemas.openxmlformats.org/drawingml/2006/main" name="Ion">
   <a:themeElements>
-    <a:clrScheme name="Retrospektív">
+    <a:clrScheme name="Ion">
       <a:dk1>
         <a:sysClr val="windowText" lastClr="000000"/>
       </a:dk1>
@@ -4133,42 +6487,42 @@
         <a:sysClr val="window" lastClr="FFFFFF"/>
       </a:lt1>
       <a:dk2>
-        <a:srgbClr val="514949"/>
+        <a:srgbClr val="1E5155"/>
       </a:dk2>
       <a:lt2>
-        <a:srgbClr val="E1E1DB"/>
+        <a:srgbClr val="EBEBEB"/>
       </a:lt2>
       <a:accent1>
-        <a:srgbClr val="9DBFBE"/>
+        <a:srgbClr val="B01513"/>
       </a:accent1>
       <a:accent2>
-        <a:srgbClr val="DB8631"/>
+        <a:srgbClr val="EA6312"/>
       </a:accent2>
       <a:accent3>
-        <a:srgbClr val="E3CC5A"/>
+        <a:srgbClr val="E6B729"/>
       </a:accent3>
       <a:accent4>
-        <a:srgbClr val="ACADA8"/>
+        <a:srgbClr val="6AAC90"/>
       </a:accent4>
       <a:accent5>
-        <a:srgbClr val="927C61"/>
+        <a:srgbClr val="54849A"/>
       </a:accent5>
       <a:accent6>
-        <a:srgbClr val="B3B435"/>
+        <a:srgbClr val="9E5E9B"/>
       </a:accent6>
       <a:hlink>
-        <a:srgbClr val="0000FF"/>
+        <a:srgbClr val="58C1BA"/>
       </a:hlink>
       <a:folHlink>
-        <a:srgbClr val="800080"/>
+        <a:srgbClr val="9DFFCB"/>
       </a:folHlink>
     </a:clrScheme>
-    <a:fontScheme name="Retrospektív">
+    <a:fontScheme name="Ion">
       <a:majorFont>
-        <a:latin typeface="Calibri Light" panose="020F0302020204030204"/>
+        <a:latin typeface="Century Gothic" panose="020B0502020202020204"/>
         <a:ea typeface=""/>
         <a:cs typeface=""/>
-        <a:font script="Jpan" typeface="ＭＳ Ｐゴシック"/>
+        <a:font script="Jpan" typeface="メイリオ"/>
         <a:font script="Hang" typeface="맑은 고딕"/>
         <a:font script="Hans" typeface="宋体"/>
         <a:font script="Hant" typeface="新細明體"/>
@@ -4200,10 +6554,10 @@
         <a:font script="Geor" typeface="Sylfaen"/>
       </a:majorFont>
       <a:minorFont>
-        <a:latin typeface="Calibri" panose="020F0502020204030204"/>
+        <a:latin typeface="Century Gothic" panose="020B0502020202020204"/>
         <a:ea typeface=""/>
         <a:cs typeface=""/>
-        <a:font script="Jpan" typeface="ＭＳ Ｐゴシック"/>
+        <a:font script="Jpan" typeface="メイリオ"/>
         <a:font script="Hang" typeface="맑은 고딕"/>
         <a:font script="Hans" typeface="宋体"/>
         <a:font script="Hant" typeface="新細明體"/>
@@ -4235,7 +6589,7 @@
         <a:font script="Geor" typeface="Sylfaen"/>
       </a:minorFont>
     </a:fontScheme>
-    <a:fmtScheme name="Retrospektív">
+    <a:fmtScheme name="Ion">
       <a:fillStyleLst>
         <a:solidFill>
           <a:schemeClr val="phClr"/>
@@ -4244,77 +6598,52 @@
           <a:gsLst>
             <a:gs pos="0">
               <a:schemeClr val="phClr">
-                <a:tint val="65000"/>
-                <a:shade val="92000"/>
-                <a:satMod val="130000"/>
-              </a:schemeClr>
-            </a:gs>
-            <a:gs pos="45000">
-              <a:schemeClr val="phClr">
-                <a:tint val="60000"/>
-                <a:shade val="99000"/>
-                <a:satMod val="120000"/>
+                <a:tint val="64000"/>
+                <a:lumMod val="118000"/>
               </a:schemeClr>
             </a:gs>
             <a:gs pos="100000">
               <a:schemeClr val="phClr">
-                <a:tint val="55000"/>
-                <a:satMod val="140000"/>
+                <a:tint val="92000"/>
+                <a:alpha val="100000"/>
+                <a:lumMod val="110000"/>
               </a:schemeClr>
             </a:gs>
           </a:gsLst>
-          <a:path path="circle">
-            <a:fillToRect l="100000" t="100000" r="100000" b="100000"/>
-          </a:path>
+          <a:lin ang="5400000" scaled="0"/>
         </a:gradFill>
         <a:gradFill rotWithShape="1">
           <a:gsLst>
             <a:gs pos="0">
               <a:schemeClr val="phClr">
-                <a:shade val="85000"/>
-                <a:satMod val="130000"/>
-              </a:schemeClr>
-            </a:gs>
-            <a:gs pos="34000">
-              <a:schemeClr val="phClr">
-                <a:shade val="87000"/>
-                <a:satMod val="125000"/>
-              </a:schemeClr>
-            </a:gs>
-            <a:gs pos="70000">
-              <a:schemeClr val="phClr">
-                <a:tint val="100000"/>
-                <a:shade val="90000"/>
-                <a:satMod val="130000"/>
+                <a:tint val="98000"/>
+                <a:lumMod val="114000"/>
               </a:schemeClr>
             </a:gs>
             <a:gs pos="100000">
               <a:schemeClr val="phClr">
-                <a:tint val="100000"/>
-                <a:shade val="100000"/>
-                <a:satMod val="110000"/>
+                <a:shade val="90000"/>
+                <a:lumMod val="84000"/>
               </a:schemeClr>
             </a:gs>
           </a:gsLst>
-          <a:path path="circle">
-            <a:fillToRect l="100000" t="100000" r="100000" b="100000"/>
-          </a:path>
+          <a:lin ang="5400000" scaled="0"/>
         </a:gradFill>
       </a:fillStyleLst>
       <a:lnStyleLst>
-        <a:ln w="12700" cap="flat" cmpd="sng" algn="ctr">
+        <a:ln w="9525" cap="rnd" cmpd="sng" algn="ctr">
           <a:solidFill>
             <a:schemeClr val="phClr"/>
           </a:solidFill>
           <a:prstDash val="solid"/>
         </a:ln>
-        <a:ln w="15875" cap="flat" cmpd="sng" algn="ctr">
+        <a:ln w="19050" cap="rnd" cmpd="sng" algn="ctr">
           <a:solidFill>
             <a:schemeClr val="phClr"/>
           </a:solidFill>
           <a:prstDash val="solid"/>
         </a:ln>
-        <a:ln w="25400" cap="flat" cmpd="sng" algn="ctr">
+        <a:ln w="28575" cap="rnd" cmpd="sng" algn="ctr">
           <a:solidFill>
             <a:schemeClr val="phClr"/>
           </a:solidFill>
@@ -4327,16 +6656,16 @@
         </a:effectStyle>
         <a:effectStyle>
           <a:effectLst>
-            <a:outerShdw blurRad="38100" dist="25400" dir="2700000" algn="br" rotWithShape="0">
+            <a:outerShdw blurRad="38100" dist="25400" dir="5400000" rotWithShape="0">
               <a:srgbClr val="000000">
-                <a:alpha val="60000"/>
+                <a:alpha val="45000"/>
               </a:srgbClr>
             </a:outerShdw>
           </a:effectLst>
         </a:effectStyle>
         <a:effectStyle>
           <a:effectLst>
-            <a:outerShdw blurRad="44450" dist="25400" dir="2700000" algn="br" rotWithShape="0">
+            <a:outerShdw blurRad="63500" dist="38100" dir="5400000" rotWithShape="0">
               <a:srgbClr val="000000">
                 <a:alpha val="60000"/>
               </a:srgbClr>
@@ -4346,12 +6675,10 @@
             <a:camera prst="orthographicFront">
               <a:rot lat="0" lon="0" rev="0"/>
             </a:camera>
-            <a:lightRig rig="threePt" dir="t">
-              <a:rot lat="0" lon="0" rev="19800000"/>
-            </a:lightRig>
+            <a:lightRig rig="threePt" dir="tl"/>
           </a:scene3d>
-          <a:sp3d prstMaterial="flat">
-            <a:bevelT w="25400" h="31750"/>
+          <a:sp3d prstMaterial="plastic">
+            <a:bevelT w="0" h="0"/>
           </a:sp3d>
         </a:effectStyle>
       </a:effectStyleLst>
@@ -4359,39 +6686,49 @@
         <a:solidFill>
           <a:schemeClr val="phClr"/>
         </a:solidFill>
-        <a:solidFill>
-          <a:schemeClr val="phClr">
-            <a:tint val="90000"/>
-            <a:shade val="97000"/>
-            <a:satMod val="130000"/>
-          </a:schemeClr>
-        </a:solidFill>
         <a:gradFill rotWithShape="1">
           <a:gsLst>
             <a:gs pos="0">
               <a:schemeClr val="phClr">
-                <a:tint val="96000"/>
-                <a:shade val="99000"/>
-                <a:satMod val="140000"/>
-              </a:schemeClr>
-            </a:gs>
-            <a:gs pos="65000">
-              <a:schemeClr val="phClr">
-                <a:tint val="100000"/>
-                <a:shade val="80000"/>
+                <a:tint val="97000"/>
+                <a:hueMod val="88000"/>
                 <a:satMod val="130000"/>
+                <a:lumMod val="124000"/>
               </a:schemeClr>
             </a:gs>
             <a:gs pos="100000">
               <a:schemeClr val="phClr">
-                <a:tint val="100000"/>
-                <a:shade val="48000"/>
-                <a:satMod val="120000"/>
+                <a:tint val="96000"/>
+                <a:shade val="88000"/>
+                <a:hueMod val="108000"/>
+                <a:satMod val="164000"/>
+                <a:lumMod val="76000"/>
               </a:schemeClr>
             </a:gs>
           </a:gsLst>
-          <a:lin ang="16200000" scaled="0"/>
+          <a:path path="circle">
+            <a:fillToRect l="45000" t="65000" r="125000" b="100000"/>
+          </a:path>
         </a:gradFill>
+        <a:blipFill rotWithShape="1">
+          <a:blip xmlns:r="http://schemas.openxmlformats.org/officeDocument/2006/relationships" r:embed="rId1">
+            <a:duotone>
+              <a:schemeClr val="phClr">
+                <a:shade val="69000"/>
+                <a:hueMod val="108000"/>
+                <a:satMod val="164000"/>
+                <a:lumMod val="74000"/>
+              </a:schemeClr>
+              <a:schemeClr val="phClr">
+                <a:tint val="96000"/>
+                <a:hueMod val="88000"/>
+                <a:satMod val="140000"/>
+                <a:lumMod val="132000"/>
+              </a:schemeClr>
+            </a:duotone>
+          </a:blip>
+          <a:stretch/>
+        </a:blipFill>
       </a:bgFillStyleLst>
     </a:fmtScheme>
   </a:themeElements>
@@ -4399,7 +6736,7 @@
   <a:extraClrSchemeLst/>
   <a:extLst>
     <a:ext uri="{05A4C25C-085E-4340-85A3-A5531E510DB2}">
-      <thm15:themeFamily xmlns:thm15="http://schemas.microsoft.com/office/thememl/2012/main" name="Retrospect" id="{5F128B03-DCCA-4EEB-AB3B-CF2899314A46}" vid="{243AF7DC-D15B-41C0-AE81-23980D1B9FC4}"/>
+      <thm15:themeFamily xmlns:thm15="http://schemas.microsoft.com/office/thememl/2012/main" name="Ion" id="{B8441ADB-2E43-4AF7-B97A-BD870242C6A8}" vid="{292E63A9-BB86-4E3D-B92A-7223C6510D2E}"/>
     </a:ext>
   </a:extLst>
 </a:theme>

--- a/Egyszerű cserés algoritmus.pptx
+++ b/Egyszerű cserés algoritmus.pptx
@@ -7,6 +7,7 @@
   <p:sldIdLst>
     <p:sldId id="256" r:id="rId2"/>
     <p:sldId id="257" r:id="rId3"/>
+    <p:sldId id="258" r:id="rId4"/>
   </p:sldIdLst>
   <p:sldSz cx="12192000" cy="6858000"/>
   <p:notesSz cx="6858000" cy="9144000"/>
@@ -300,7 +301,7 @@
             <a:fld id="{B61BEF0D-F0BB-DE4B-95CE-6DB70DBA9567}" type="datetimeFigureOut">
               <a:rPr lang="en-US" smtClean="0"/>
               <a:pPr/>
-              <a:t>9/13/2022</a:t>
+              <a:t>9/18/2022</a:t>
             </a:fld>
             <a:endParaRPr lang="en-US" dirty="0"/>
           </a:p>
@@ -577,7 +578,7 @@
             <a:fld id="{B61BEF0D-F0BB-DE4B-95CE-6DB70DBA9567}" type="datetimeFigureOut">
               <a:rPr lang="en-US" smtClean="0"/>
               <a:pPr/>
-              <a:t>9/13/2022</a:t>
+              <a:t>9/18/2022</a:t>
             </a:fld>
             <a:endParaRPr lang="en-US" dirty="0"/>
           </a:p>
@@ -773,7 +774,7 @@
             <a:fld id="{B61BEF0D-F0BB-DE4B-95CE-6DB70DBA9567}" type="datetimeFigureOut">
               <a:rPr lang="en-US" smtClean="0"/>
               <a:pPr/>
-              <a:t>9/13/2022</a:t>
+              <a:t>9/18/2022</a:t>
             </a:fld>
             <a:endParaRPr lang="en-US" dirty="0"/>
           </a:p>
@@ -1048,7 +1049,7 @@
             <a:fld id="{B61BEF0D-F0BB-DE4B-95CE-6DB70DBA9567}" type="datetimeFigureOut">
               <a:rPr lang="en-US" smtClean="0"/>
               <a:pPr/>
-              <a:t>9/13/2022</a:t>
+              <a:t>9/18/2022</a:t>
             </a:fld>
             <a:endParaRPr lang="en-US" dirty="0"/>
           </a:p>
@@ -1391,7 +1392,7 @@
             <a:fld id="{B61BEF0D-F0BB-DE4B-95CE-6DB70DBA9567}" type="datetimeFigureOut">
               <a:rPr lang="en-US" smtClean="0"/>
               <a:pPr/>
-              <a:t>9/13/2022</a:t>
+              <a:t>9/18/2022</a:t>
             </a:fld>
             <a:endParaRPr lang="en-US" dirty="0"/>
           </a:p>
@@ -2016,7 +2017,7 @@
             <a:fld id="{B61BEF0D-F0BB-DE4B-95CE-6DB70DBA9567}" type="datetimeFigureOut">
               <a:rPr lang="en-US" smtClean="0"/>
               <a:pPr/>
-              <a:t>9/13/2022</a:t>
+              <a:t>9/18/2022</a:t>
             </a:fld>
             <a:endParaRPr lang="en-US" dirty="0"/>
           </a:p>
@@ -2878,7 +2879,7 @@
             <a:fld id="{B61BEF0D-F0BB-DE4B-95CE-6DB70DBA9567}" type="datetimeFigureOut">
               <a:rPr lang="en-US" smtClean="0"/>
               <a:pPr/>
-              <a:t>9/13/2022</a:t>
+              <a:t>9/18/2022</a:t>
             </a:fld>
             <a:endParaRPr lang="en-US" dirty="0"/>
           </a:p>
@@ -3049,7 +3050,7 @@
           <a:p>
             <a:fld id="{55C6B4A9-1611-4792-9094-5F34BCA07E0B}" type="datetimeFigureOut">
               <a:rPr lang="en-US" smtClean="0"/>
-              <a:t>9/13/2022</a:t>
+              <a:t>9/18/2022</a:t>
             </a:fld>
             <a:endParaRPr lang="en-US" dirty="0"/>
           </a:p>
@@ -3230,7 +3231,7 @@
             <a:fld id="{B61BEF0D-F0BB-DE4B-95CE-6DB70DBA9567}" type="datetimeFigureOut">
               <a:rPr lang="en-US" smtClean="0"/>
               <a:pPr/>
-              <a:t>9/13/2022</a:t>
+              <a:t>9/18/2022</a:t>
             </a:fld>
             <a:endParaRPr lang="en-US" dirty="0"/>
           </a:p>
@@ -3401,7 +3402,7 @@
           <a:p>
             <a:fld id="{42A54C80-263E-416B-A8E0-580EDEADCBDC}" type="datetimeFigureOut">
               <a:rPr lang="en-US" smtClean="0"/>
-              <a:t>9/13/2022</a:t>
+              <a:t>9/18/2022</a:t>
             </a:fld>
             <a:endParaRPr lang="en-US" dirty="0"/>
           </a:p>
@@ -3649,7 +3650,7 @@
             <a:fld id="{B61BEF0D-F0BB-DE4B-95CE-6DB70DBA9567}" type="datetimeFigureOut">
               <a:rPr lang="en-US" smtClean="0"/>
               <a:pPr/>
-              <a:t>9/13/2022</a:t>
+              <a:t>9/18/2022</a:t>
             </a:fld>
             <a:endParaRPr lang="en-US" dirty="0"/>
           </a:p>
@@ -3942,7 +3943,7 @@
           <a:p>
             <a:fld id="{42A54C80-263E-416B-A8E0-580EDEADCBDC}" type="datetimeFigureOut">
               <a:rPr lang="en-US" smtClean="0"/>
-              <a:t>9/13/2022</a:t>
+              <a:t>9/18/2022</a:t>
             </a:fld>
             <a:endParaRPr lang="en-US" dirty="0"/>
           </a:p>
@@ -4387,7 +4388,7 @@
             <a:fld id="{B61BEF0D-F0BB-DE4B-95CE-6DB70DBA9567}" type="datetimeFigureOut">
               <a:rPr lang="en-US" smtClean="0"/>
               <a:pPr/>
-              <a:t>9/13/2022</a:t>
+              <a:t>9/18/2022</a:t>
             </a:fld>
             <a:endParaRPr lang="en-US" dirty="0"/>
           </a:p>
@@ -4507,7 +4508,7 @@
             <a:fld id="{B61BEF0D-F0BB-DE4B-95CE-6DB70DBA9567}" type="datetimeFigureOut">
               <a:rPr lang="en-US" smtClean="0"/>
               <a:pPr/>
-              <a:t>9/13/2022</a:t>
+              <a:t>9/18/2022</a:t>
             </a:fld>
             <a:endParaRPr lang="en-US" dirty="0"/>
           </a:p>
@@ -4604,7 +4605,7 @@
             <a:fld id="{B61BEF0D-F0BB-DE4B-95CE-6DB70DBA9567}" type="datetimeFigureOut">
               <a:rPr lang="en-US" smtClean="0"/>
               <a:pPr/>
-              <a:t>9/13/2022</a:t>
+              <a:t>9/18/2022</a:t>
             </a:fld>
             <a:endParaRPr lang="en-US" dirty="0"/>
           </a:p>
@@ -4884,7 +4885,7 @@
           <a:p>
             <a:fld id="{42A54C80-263E-416B-A8E0-580EDEADCBDC}" type="datetimeFigureOut">
               <a:rPr lang="en-US" smtClean="0"/>
-              <a:t>9/13/2022</a:t>
+              <a:t>9/18/2022</a:t>
             </a:fld>
             <a:endParaRPr lang="en-US" dirty="0"/>
           </a:p>
@@ -5160,7 +5161,7 @@
             <a:fld id="{B61BEF0D-F0BB-DE4B-95CE-6DB70DBA9567}" type="datetimeFigureOut">
               <a:rPr lang="en-US" smtClean="0"/>
               <a:pPr/>
-              <a:t>9/13/2022</a:t>
+              <a:t>9/18/2022</a:t>
             </a:fld>
             <a:endParaRPr lang="en-US" dirty="0"/>
           </a:p>
@@ -5591,7 +5592,7 @@
             <a:fld id="{B61BEF0D-F0BB-DE4B-95CE-6DB70DBA9567}" type="datetimeFigureOut">
               <a:rPr lang="en-US" smtClean="0"/>
               <a:pPr/>
-              <a:t>9/13/2022</a:t>
+              <a:t>9/18/2022</a:t>
             </a:fld>
             <a:endParaRPr lang="en-US" dirty="0"/>
           </a:p>
@@ -6185,7 +6186,7 @@
         </p:spPr>
         <p:txBody>
           <a:bodyPr>
-            <a:normAutofit/>
+            <a:normAutofit fontScale="85000" lnSpcReduction="10000"/>
           </a:bodyPr>
           <a:lstStyle/>
           <a:p>
@@ -6204,10 +6205,22 @@
               <a:t>Készítette: Gajdos Csanád-</a:t>
             </a:r>
             <a:r>
-              <a:rPr lang="hu-HU" sz="1800" dirty="0" err="1">
+              <a:rPr lang="hu-HU" dirty="0">
                 <a:latin typeface="Lucida Bright" panose="02040602050505020304" pitchFamily="18" charset="0"/>
               </a:rPr>
-              <a:t>html,css,PPT</a:t>
+              <a:t>weboldal és </a:t>
+            </a:r>
+            <a:r>
+              <a:rPr lang="hu-HU" dirty="0" err="1">
+                <a:latin typeface="Lucida Bright" panose="02040602050505020304" pitchFamily="18" charset="0"/>
+              </a:rPr>
+              <a:t>ppt</a:t>
+            </a:r>
+            <a:r>
+              <a:rPr lang="hu-HU" dirty="0">
+                <a:latin typeface="Lucida Bright" panose="02040602050505020304" pitchFamily="18" charset="0"/>
+              </a:rPr>
+              <a:t> elkészítése, adatok keresése</a:t>
             </a:r>
             <a:br>
               <a:rPr lang="hu-HU" sz="1800" dirty="0">
@@ -6221,10 +6234,22 @@
               <a:t>Gazdag Zsolt-</a:t>
             </a:r>
             <a:r>
-              <a:rPr lang="hu-HU" sz="1800" dirty="0" err="1">
+              <a:rPr lang="hu-HU" dirty="0">
                 <a:latin typeface="Lucida Bright" panose="02040602050505020304" pitchFamily="18" charset="0"/>
               </a:rPr>
-              <a:t>python,PPT</a:t>
+              <a:t>Python kód és </a:t>
+            </a:r>
+            <a:r>
+              <a:rPr lang="hu-HU" dirty="0" err="1">
+                <a:latin typeface="Lucida Bright" panose="02040602050505020304" pitchFamily="18" charset="0"/>
+              </a:rPr>
+              <a:t>ppt</a:t>
+            </a:r>
+            <a:r>
+              <a:rPr lang="hu-HU" dirty="0">
+                <a:latin typeface="Lucida Bright" panose="02040602050505020304" pitchFamily="18" charset="0"/>
+              </a:rPr>
+              <a:t> elkészítése</a:t>
             </a:r>
             <a:br>
               <a:rPr lang="hu-HU" sz="1800" dirty="0">
@@ -6238,10 +6263,22 @@
               <a:t>Hegedüs Gergő-</a:t>
             </a:r>
             <a:r>
-              <a:rPr lang="hu-HU" sz="1800" dirty="0" err="1">
+              <a:rPr lang="hu-HU" dirty="0">
                 <a:latin typeface="Lucida Bright" panose="02040602050505020304" pitchFamily="18" charset="0"/>
               </a:rPr>
-              <a:t>css,ppt</a:t>
+              <a:t>Weboldal és </a:t>
+            </a:r>
+            <a:r>
+              <a:rPr lang="hu-HU" dirty="0" err="1">
+                <a:latin typeface="Lucida Bright" panose="02040602050505020304" pitchFamily="18" charset="0"/>
+              </a:rPr>
+              <a:t>ppt</a:t>
+            </a:r>
+            <a:r>
+              <a:rPr lang="hu-HU" dirty="0">
+                <a:latin typeface="Lucida Bright" panose="02040602050505020304" pitchFamily="18" charset="0"/>
+              </a:rPr>
+              <a:t> elkészítése, adatok keresése</a:t>
             </a:r>
             <a:endParaRPr lang="hu-HU" sz="1800" dirty="0">
               <a:latin typeface="Lucida Bright" panose="02040602050505020304" pitchFamily="18" charset="0"/>
@@ -6405,7 +6442,7 @@
           <a:p>
             <a:r>
               <a:rPr lang="hu-HU" dirty="0"/>
-              <a:t> A munka menete</a:t>
+              <a:t> Az algoritmus menete</a:t>
             </a:r>
           </a:p>
         </p:txBody>
@@ -6435,19 +6472,14 @@
           <a:p>
             <a:r>
               <a:rPr lang="hu-HU" sz="2400" dirty="0"/>
-              <a:t>Hasonlítsuk össze az első elemet a sorozat összes többi mögötte levő elemével.</a:t>
+              <a:t>Összehasonlítja az első elemet a sorozat összes többi mögötte levő elemével.</a:t>
             </a:r>
           </a:p>
           <a:p>
             <a:r>
               <a:rPr lang="hu-HU" sz="2400" dirty="0"/>
-              <a:t>Ha valamelyik kisebb nála, </a:t>
-            </a:r>
-            <a:r>
-              <a:rPr lang="hu-HU" sz="2400"/>
-              <a:t>akkor cserélje meg azzal.</a:t>
-            </a:r>
-            <a:endParaRPr lang="hu-HU" sz="2400" dirty="0"/>
+              <a:t>Ha valamelyik kisebb nála, akkor megcseréli azzal.</a:t>
+            </a:r>
           </a:p>
         </p:txBody>
       </p:sp>
@@ -6455,6 +6487,198 @@
     <p:extLst>
       <p:ext uri="{BB962C8B-B14F-4D97-AF65-F5344CB8AC3E}">
         <p14:creationId xmlns:p14="http://schemas.microsoft.com/office/powerpoint/2010/main" val="2255060419"/>
+      </p:ext>
+    </p:extLst>
+  </p:cSld>
+  <p:clrMapOvr>
+    <a:masterClrMapping/>
+  </p:clrMapOvr>
+  <mc:AlternateContent xmlns:mc="http://schemas.openxmlformats.org/markup-compatibility/2006" xmlns:p14="http://schemas.microsoft.com/office/powerpoint/2010/main">
+    <mc:Choice Requires="p14">
+      <p:transition spd="med" p14:dur="700">
+        <p:fade/>
+      </p:transition>
+    </mc:Choice>
+    <mc:Fallback xmlns="">
+      <p:transition spd="med">
+        <p:fade/>
+      </p:transition>
+    </mc:Fallback>
+  </mc:AlternateContent>
+</p:sld>
+</file>
+
+<file path=ppt/slides/slide3.xml><?xml version="1.0" encoding="utf-8"?>
+<p:sld xmlns:a="http://schemas.openxmlformats.org/drawingml/2006/main" xmlns:r="http://schemas.openxmlformats.org/officeDocument/2006/relationships" xmlns:p="http://schemas.openxmlformats.org/presentationml/2006/main">
+  <p:cSld>
+    <p:spTree>
+      <p:nvGrpSpPr>
+        <p:cNvPr id="1" name=""/>
+        <p:cNvGrpSpPr/>
+        <p:nvPr/>
+      </p:nvGrpSpPr>
+      <p:grpSpPr>
+        <a:xfrm>
+          <a:off x="0" y="0"/>
+          <a:ext cx="0" cy="0"/>
+          <a:chOff x="0" y="0"/>
+          <a:chExt cx="0" cy="0"/>
+        </a:xfrm>
+      </p:grpSpPr>
+      <p:sp>
+        <p:nvSpPr>
+          <p:cNvPr id="2" name="Cím 1">
+            <a:extLst>
+              <a:ext uri="{FF2B5EF4-FFF2-40B4-BE49-F238E27FC236}">
+                <a16:creationId xmlns:a16="http://schemas.microsoft.com/office/drawing/2014/main" id="{93C7E8BA-30FE-4B27-9DDF-F837597F0F95}"/>
+              </a:ext>
+            </a:extLst>
+          </p:cNvPr>
+          <p:cNvSpPr>
+            <a:spLocks noGrp="1"/>
+          </p:cNvSpPr>
+          <p:nvPr>
+            <p:ph type="title"/>
+          </p:nvPr>
+        </p:nvSpPr>
+        <p:spPr/>
+        <p:txBody>
+          <a:bodyPr/>
+          <a:lstStyle/>
+          <a:p>
+            <a:r>
+              <a:rPr lang="hu-HU" dirty="0"/>
+              <a:t> A munka menete</a:t>
+            </a:r>
+          </a:p>
+        </p:txBody>
+      </p:sp>
+      <p:sp>
+        <p:nvSpPr>
+          <p:cNvPr id="3" name="Tartalom helye 2">
+            <a:extLst>
+              <a:ext uri="{FF2B5EF4-FFF2-40B4-BE49-F238E27FC236}">
+                <a16:creationId xmlns:a16="http://schemas.microsoft.com/office/drawing/2014/main" id="{7580B1D8-21ED-4438-9A5F-7E7A5224213E}"/>
+              </a:ext>
+            </a:extLst>
+          </p:cNvPr>
+          <p:cNvSpPr>
+            <a:spLocks noGrp="1"/>
+          </p:cNvSpPr>
+          <p:nvPr>
+            <p:ph idx="1"/>
+          </p:nvPr>
+        </p:nvSpPr>
+        <p:spPr/>
+        <p:txBody>
+          <a:bodyPr>
+            <a:normAutofit/>
+          </a:bodyPr>
+          <a:lstStyle/>
+          <a:p>
+            <a:pPr marL="457200" indent="-457200">
+              <a:buFont typeface="+mj-lt"/>
+              <a:buAutoNum type="arabicPeriod"/>
+            </a:pPr>
+            <a:r>
+              <a:rPr lang="hu-HU" sz="2400" b="0" i="0" dirty="0">
+                <a:solidFill>
+                  <a:srgbClr val="DCDDDE"/>
+                </a:solidFill>
+                <a:effectLst/>
+                <a:latin typeface="+mn-lt"/>
+              </a:rPr>
+              <a:t>Python kód elkészítése és adatok keresése</a:t>
+            </a:r>
+          </a:p>
+          <a:p>
+            <a:pPr marL="457200" indent="-457200">
+              <a:buFont typeface="+mj-lt"/>
+              <a:buAutoNum type="arabicPeriod"/>
+            </a:pPr>
+            <a:r>
+              <a:rPr lang="hu-HU" sz="2400" b="0" i="0" dirty="0">
+                <a:solidFill>
+                  <a:srgbClr val="DCDDDE"/>
+                </a:solidFill>
+                <a:effectLst/>
+                <a:latin typeface="+mn-lt"/>
+              </a:rPr>
+              <a:t>Weboldal (</a:t>
+            </a:r>
+            <a:r>
+              <a:rPr lang="hu-HU" sz="2400" dirty="0" err="1">
+                <a:solidFill>
+                  <a:srgbClr val="DCDDDE"/>
+                </a:solidFill>
+                <a:latin typeface="+mn-lt"/>
+              </a:rPr>
+              <a:t>html</a:t>
+            </a:r>
+            <a:r>
+              <a:rPr lang="hu-HU" sz="2400" dirty="0">
+                <a:solidFill>
+                  <a:srgbClr val="DCDDDE"/>
+                </a:solidFill>
+                <a:latin typeface="+mn-lt"/>
+              </a:rPr>
+              <a:t>, </a:t>
+            </a:r>
+            <a:r>
+              <a:rPr lang="hu-HU" sz="2400" dirty="0" err="1">
+                <a:solidFill>
+                  <a:srgbClr val="DCDDDE"/>
+                </a:solidFill>
+                <a:latin typeface="+mn-lt"/>
+              </a:rPr>
+              <a:t>css</a:t>
+            </a:r>
+            <a:r>
+              <a:rPr lang="hu-HU" sz="2400" dirty="0">
+                <a:solidFill>
+                  <a:srgbClr val="DCDDDE"/>
+                </a:solidFill>
+                <a:latin typeface="+mn-lt"/>
+              </a:rPr>
+              <a:t>) </a:t>
+            </a:r>
+            <a:r>
+              <a:rPr lang="hu-HU" sz="2400" b="0" i="0" dirty="0">
+                <a:solidFill>
+                  <a:srgbClr val="DCDDDE"/>
+                </a:solidFill>
+                <a:effectLst/>
+                <a:latin typeface="+mn-lt"/>
+              </a:rPr>
+              <a:t>és </a:t>
+            </a:r>
+            <a:r>
+              <a:rPr lang="hu-HU" sz="2400" b="0" i="0" dirty="0" err="1">
+                <a:solidFill>
+                  <a:srgbClr val="DCDDDE"/>
+                </a:solidFill>
+                <a:effectLst/>
+                <a:latin typeface="+mn-lt"/>
+              </a:rPr>
+              <a:t>ppt</a:t>
+            </a:r>
+            <a:r>
+              <a:rPr lang="hu-HU" sz="2400" b="0" i="0" dirty="0">
+                <a:solidFill>
+                  <a:srgbClr val="DCDDDE"/>
+                </a:solidFill>
+                <a:effectLst/>
+                <a:latin typeface="+mn-lt"/>
+              </a:rPr>
+              <a:t> elkészítése</a:t>
+            </a:r>
+          </a:p>
+        </p:txBody>
+      </p:sp>
+    </p:spTree>
+    <p:extLst>
+      <p:ext uri="{BB962C8B-B14F-4D97-AF65-F5344CB8AC3E}">
+        <p14:creationId xmlns:p14="http://schemas.microsoft.com/office/powerpoint/2010/main" val="1268373775"/>
       </p:ext>
     </p:extLst>
   </p:cSld>

--- a/Egyszerű cserés algoritmus.pptx
+++ b/Egyszerű cserés algoritmus.pptx
@@ -301,7 +301,7 @@
             <a:fld id="{B61BEF0D-F0BB-DE4B-95CE-6DB70DBA9567}" type="datetimeFigureOut">
               <a:rPr lang="en-US" smtClean="0"/>
               <a:pPr/>
-              <a:t>9/18/2022</a:t>
+              <a:t>9/29/2022</a:t>
             </a:fld>
             <a:endParaRPr lang="en-US" dirty="0"/>
           </a:p>
@@ -578,7 +578,7 @@
             <a:fld id="{B61BEF0D-F0BB-DE4B-95CE-6DB70DBA9567}" type="datetimeFigureOut">
               <a:rPr lang="en-US" smtClean="0"/>
               <a:pPr/>
-              <a:t>9/18/2022</a:t>
+              <a:t>9/29/2022</a:t>
             </a:fld>
             <a:endParaRPr lang="en-US" dirty="0"/>
           </a:p>
@@ -774,7 +774,7 @@
             <a:fld id="{B61BEF0D-F0BB-DE4B-95CE-6DB70DBA9567}" type="datetimeFigureOut">
               <a:rPr lang="en-US" smtClean="0"/>
               <a:pPr/>
-              <a:t>9/18/2022</a:t>
+              <a:t>9/29/2022</a:t>
             </a:fld>
             <a:endParaRPr lang="en-US" dirty="0"/>
           </a:p>
@@ -1049,7 +1049,7 @@
             <a:fld id="{B61BEF0D-F0BB-DE4B-95CE-6DB70DBA9567}" type="datetimeFigureOut">
               <a:rPr lang="en-US" smtClean="0"/>
               <a:pPr/>
-              <a:t>9/18/2022</a:t>
+              <a:t>9/29/2022</a:t>
             </a:fld>
             <a:endParaRPr lang="en-US" dirty="0"/>
           </a:p>
@@ -1392,7 +1392,7 @@
             <a:fld id="{B61BEF0D-F0BB-DE4B-95CE-6DB70DBA9567}" type="datetimeFigureOut">
               <a:rPr lang="en-US" smtClean="0"/>
               <a:pPr/>
-              <a:t>9/18/2022</a:t>
+              <a:t>9/29/2022</a:t>
             </a:fld>
             <a:endParaRPr lang="en-US" dirty="0"/>
           </a:p>
@@ -2017,7 +2017,7 @@
             <a:fld id="{B61BEF0D-F0BB-DE4B-95CE-6DB70DBA9567}" type="datetimeFigureOut">
               <a:rPr lang="en-US" smtClean="0"/>
               <a:pPr/>
-              <a:t>9/18/2022</a:t>
+              <a:t>9/29/2022</a:t>
             </a:fld>
             <a:endParaRPr lang="en-US" dirty="0"/>
           </a:p>
@@ -2879,7 +2879,7 @@
             <a:fld id="{B61BEF0D-F0BB-DE4B-95CE-6DB70DBA9567}" type="datetimeFigureOut">
               <a:rPr lang="en-US" smtClean="0"/>
               <a:pPr/>
-              <a:t>9/18/2022</a:t>
+              <a:t>9/29/2022</a:t>
             </a:fld>
             <a:endParaRPr lang="en-US" dirty="0"/>
           </a:p>
@@ -3050,7 +3050,7 @@
           <a:p>
             <a:fld id="{55C6B4A9-1611-4792-9094-5F34BCA07E0B}" type="datetimeFigureOut">
               <a:rPr lang="en-US" smtClean="0"/>
-              <a:t>9/18/2022</a:t>
+              <a:t>9/29/2022</a:t>
             </a:fld>
             <a:endParaRPr lang="en-US" dirty="0"/>
           </a:p>
@@ -3231,7 +3231,7 @@
             <a:fld id="{B61BEF0D-F0BB-DE4B-95CE-6DB70DBA9567}" type="datetimeFigureOut">
               <a:rPr lang="en-US" smtClean="0"/>
               <a:pPr/>
-              <a:t>9/18/2022</a:t>
+              <a:t>9/29/2022</a:t>
             </a:fld>
             <a:endParaRPr lang="en-US" dirty="0"/>
           </a:p>
@@ -3402,7 +3402,7 @@
           <a:p>
             <a:fld id="{42A54C80-263E-416B-A8E0-580EDEADCBDC}" type="datetimeFigureOut">
               <a:rPr lang="en-US" smtClean="0"/>
-              <a:t>9/18/2022</a:t>
+              <a:t>9/29/2022</a:t>
             </a:fld>
             <a:endParaRPr lang="en-US" dirty="0"/>
           </a:p>
@@ -3650,7 +3650,7 @@
             <a:fld id="{B61BEF0D-F0BB-DE4B-95CE-6DB70DBA9567}" type="datetimeFigureOut">
               <a:rPr lang="en-US" smtClean="0"/>
               <a:pPr/>
-              <a:t>9/18/2022</a:t>
+              <a:t>9/29/2022</a:t>
             </a:fld>
             <a:endParaRPr lang="en-US" dirty="0"/>
           </a:p>
@@ -3943,7 +3943,7 @@
           <a:p>
             <a:fld id="{42A54C80-263E-416B-A8E0-580EDEADCBDC}" type="datetimeFigureOut">
               <a:rPr lang="en-US" smtClean="0"/>
-              <a:t>9/18/2022</a:t>
+              <a:t>9/29/2022</a:t>
             </a:fld>
             <a:endParaRPr lang="en-US" dirty="0"/>
           </a:p>
@@ -4388,7 +4388,7 @@
             <a:fld id="{B61BEF0D-F0BB-DE4B-95CE-6DB70DBA9567}" type="datetimeFigureOut">
               <a:rPr lang="en-US" smtClean="0"/>
               <a:pPr/>
-              <a:t>9/18/2022</a:t>
+              <a:t>9/29/2022</a:t>
             </a:fld>
             <a:endParaRPr lang="en-US" dirty="0"/>
           </a:p>
@@ -4508,7 +4508,7 @@
             <a:fld id="{B61BEF0D-F0BB-DE4B-95CE-6DB70DBA9567}" type="datetimeFigureOut">
               <a:rPr lang="en-US" smtClean="0"/>
               <a:pPr/>
-              <a:t>9/18/2022</a:t>
+              <a:t>9/29/2022</a:t>
             </a:fld>
             <a:endParaRPr lang="en-US" dirty="0"/>
           </a:p>
@@ -4605,7 +4605,7 @@
             <a:fld id="{B61BEF0D-F0BB-DE4B-95CE-6DB70DBA9567}" type="datetimeFigureOut">
               <a:rPr lang="en-US" smtClean="0"/>
               <a:pPr/>
-              <a:t>9/18/2022</a:t>
+              <a:t>9/29/2022</a:t>
             </a:fld>
             <a:endParaRPr lang="en-US" dirty="0"/>
           </a:p>
@@ -4885,7 +4885,7 @@
           <a:p>
             <a:fld id="{42A54C80-263E-416B-A8E0-580EDEADCBDC}" type="datetimeFigureOut">
               <a:rPr lang="en-US" smtClean="0"/>
-              <a:t>9/18/2022</a:t>
+              <a:t>9/29/2022</a:t>
             </a:fld>
             <a:endParaRPr lang="en-US" dirty="0"/>
           </a:p>
@@ -5161,7 +5161,7 @@
             <a:fld id="{B61BEF0D-F0BB-DE4B-95CE-6DB70DBA9567}" type="datetimeFigureOut">
               <a:rPr lang="en-US" smtClean="0"/>
               <a:pPr/>
-              <a:t>9/18/2022</a:t>
+              <a:t>9/29/2022</a:t>
             </a:fld>
             <a:endParaRPr lang="en-US" dirty="0"/>
           </a:p>
@@ -5592,7 +5592,7 @@
             <a:fld id="{B61BEF0D-F0BB-DE4B-95CE-6DB70DBA9567}" type="datetimeFigureOut">
               <a:rPr lang="en-US" smtClean="0"/>
               <a:pPr/>
-              <a:t>9/18/2022</a:t>
+              <a:t>9/29/2022</a:t>
             </a:fld>
             <a:endParaRPr lang="en-US" dirty="0"/>
           </a:p>
@@ -6186,9 +6186,22 @@
         </p:spPr>
         <p:txBody>
           <a:bodyPr>
-            <a:normAutofit fontScale="85000" lnSpcReduction="10000"/>
+            <a:normAutofit fontScale="85000" lnSpcReduction="20000"/>
           </a:bodyPr>
           <a:lstStyle/>
+          <a:p>
+            <a:pPr>
+              <a:lnSpc>
+                <a:spcPct val="120000"/>
+              </a:lnSpc>
+            </a:pPr>
+            <a:r>
+              <a:rPr lang="hu-HU" sz="1800" dirty="0">
+                <a:latin typeface="Lucida Bright" panose="02040602050505020304" pitchFamily="18" charset="0"/>
+              </a:rPr>
+              <a:t>Készítette: </a:t>
+            </a:r>
+          </a:p>
           <a:p>
             <a:pPr>
               <a:lnSpc>
@@ -6202,25 +6215,7 @@
               <a:rPr lang="hu-HU" sz="1800" dirty="0">
                 <a:latin typeface="Lucida Bright" panose="02040602050505020304" pitchFamily="18" charset="0"/>
               </a:rPr>
-              <a:t>Készítette: Gajdos Csanád-</a:t>
-            </a:r>
-            <a:r>
-              <a:rPr lang="hu-HU" dirty="0">
-                <a:latin typeface="Lucida Bright" panose="02040602050505020304" pitchFamily="18" charset="0"/>
-              </a:rPr>
-              <a:t>weboldal és </a:t>
-            </a:r>
-            <a:r>
-              <a:rPr lang="hu-HU" dirty="0" err="1">
-                <a:latin typeface="Lucida Bright" panose="02040602050505020304" pitchFamily="18" charset="0"/>
-              </a:rPr>
-              <a:t>ppt</a:t>
-            </a:r>
-            <a:r>
-              <a:rPr lang="hu-HU" dirty="0">
-                <a:latin typeface="Lucida Bright" panose="02040602050505020304" pitchFamily="18" charset="0"/>
-              </a:rPr>
-              <a:t> elkészítése, adatok keresése</a:t>
+              <a:t>Gajdos Csanád</a:t>
             </a:r>
             <a:br>
               <a:rPr lang="hu-HU" sz="1800" dirty="0">
@@ -6231,25 +6226,7 @@
               <a:rPr lang="hu-HU" sz="1800" dirty="0">
                 <a:latin typeface="Lucida Bright" panose="02040602050505020304" pitchFamily="18" charset="0"/>
               </a:rPr>
-              <a:t>Gazdag Zsolt-</a:t>
-            </a:r>
-            <a:r>
-              <a:rPr lang="hu-HU" dirty="0">
-                <a:latin typeface="Lucida Bright" panose="02040602050505020304" pitchFamily="18" charset="0"/>
-              </a:rPr>
-              <a:t>Python kód és </a:t>
-            </a:r>
-            <a:r>
-              <a:rPr lang="hu-HU" dirty="0" err="1">
-                <a:latin typeface="Lucida Bright" panose="02040602050505020304" pitchFamily="18" charset="0"/>
-              </a:rPr>
-              <a:t>ppt</a:t>
-            </a:r>
-            <a:r>
-              <a:rPr lang="hu-HU" dirty="0">
-                <a:latin typeface="Lucida Bright" panose="02040602050505020304" pitchFamily="18" charset="0"/>
-              </a:rPr>
-              <a:t> elkészítése</a:t>
+              <a:t>Gazdag Zsolt</a:t>
             </a:r>
             <a:br>
               <a:rPr lang="hu-HU" sz="1800" dirty="0">
@@ -6260,29 +6237,8 @@
               <a:rPr lang="hu-HU" sz="1800" dirty="0">
                 <a:latin typeface="Lucida Bright" panose="02040602050505020304" pitchFamily="18" charset="0"/>
               </a:rPr>
-              <a:t>Hegedüs Gergő-</a:t>
-            </a:r>
-            <a:r>
-              <a:rPr lang="hu-HU" dirty="0">
-                <a:latin typeface="Lucida Bright" panose="02040602050505020304" pitchFamily="18" charset="0"/>
-              </a:rPr>
-              <a:t>Weboldal és </a:t>
-            </a:r>
-            <a:r>
-              <a:rPr lang="hu-HU" dirty="0" err="1">
-                <a:latin typeface="Lucida Bright" panose="02040602050505020304" pitchFamily="18" charset="0"/>
-              </a:rPr>
-              <a:t>ppt</a:t>
-            </a:r>
-            <a:r>
-              <a:rPr lang="hu-HU" dirty="0">
-                <a:latin typeface="Lucida Bright" panose="02040602050505020304" pitchFamily="18" charset="0"/>
-              </a:rPr>
-              <a:t> elkészítése, adatok keresése</a:t>
-            </a:r>
-            <a:endParaRPr lang="hu-HU" sz="1800" dirty="0">
-              <a:latin typeface="Lucida Bright" panose="02040602050505020304" pitchFamily="18" charset="0"/>
-            </a:endParaRPr>
+              <a:t>Hegedüs Gergő</a:t>
+            </a:r>
           </a:p>
         </p:txBody>
       </p:sp>
@@ -6363,6 +6319,67 @@
                                           <p:spTgt spid="3">
                                             <p:txEl>
                                               <p:pRg st="0" end="0"/>
+                                            </p:txEl>
+                                          </p:spTgt>
+                                        </p:tgtEl>
+                                      </p:cBhvr>
+                                    </p:animEffect>
+                                  </p:childTnLst>
+                                </p:cTn>
+                              </p:par>
+                            </p:childTnLst>
+                          </p:cTn>
+                        </p:par>
+                      </p:childTnLst>
+                    </p:cTn>
+                  </p:par>
+                  <p:par>
+                    <p:cTn id="8" fill="hold">
+                      <p:stCondLst>
+                        <p:cond delay="indefinite"/>
+                      </p:stCondLst>
+                      <p:childTnLst>
+                        <p:par>
+                          <p:cTn id="9" fill="hold">
+                            <p:stCondLst>
+                              <p:cond delay="0"/>
+                            </p:stCondLst>
+                            <p:childTnLst>
+                              <p:par>
+                                <p:cTn id="10" presetID="10" presetClass="entr" presetSubtype="0" fill="hold" nodeType="clickEffect">
+                                  <p:stCondLst>
+                                    <p:cond delay="0"/>
+                                  </p:stCondLst>
+                                  <p:childTnLst>
+                                    <p:set>
+                                      <p:cBhvr>
+                                        <p:cTn id="11" dur="1" fill="hold">
+                                          <p:stCondLst>
+                                            <p:cond delay="0"/>
+                                          </p:stCondLst>
+                                        </p:cTn>
+                                        <p:tgtEl>
+                                          <p:spTgt spid="3">
+                                            <p:txEl>
+                                              <p:pRg st="1" end="1"/>
+                                            </p:txEl>
+                                          </p:spTgt>
+                                        </p:tgtEl>
+                                        <p:attrNameLst>
+                                          <p:attrName>style.visibility</p:attrName>
+                                        </p:attrNameLst>
+                                      </p:cBhvr>
+                                      <p:to>
+                                        <p:strVal val="visible"/>
+                                      </p:to>
+                                    </p:set>
+                                    <p:animEffect transition="in" filter="fade">
+                                      <p:cBhvr>
+                                        <p:cTn id="12" dur="500"/>
+                                        <p:tgtEl>
+                                          <p:spTgt spid="3">
+                                            <p:txEl>
+                                              <p:pRg st="1" end="1"/>
                                             </p:txEl>
                                           </p:spTgt>
                                         </p:tgtEl>
